--- a/src/release/public/documents/slide_kltn_06_19_20.pptx
+++ b/src/release/public/documents/slide_kltn_06_19_20.pptx
@@ -8875,13 +8875,10 @@
             </a:rPr>
             <a:t>thực</a:t>
           </a:r>
-          <a:r>
-            <a:rPr lang="en-US" dirty="0">
-              <a:latin typeface="Segoe UI" panose="020B0502040204020203" pitchFamily="34" charset="0"/>
-              <a:cs typeface="Segoe UI" panose="020B0502040204020203" pitchFamily="34" charset="0"/>
-            </a:rPr>
-            <a:t>.</a:t>
-          </a:r>
+          <a:endParaRPr lang="en-US" dirty="0">
+            <a:latin typeface="Segoe UI" panose="020B0502040204020203" pitchFamily="34" charset="0"/>
+            <a:cs typeface="Segoe UI" panose="020B0502040204020203" pitchFamily="34" charset="0"/>
+          </a:endParaRPr>
         </a:p>
       </dgm:t>
     </dgm:pt>
@@ -9207,13 +9204,10 @@
             </a:rPr>
             <a:t>dạng</a:t>
           </a:r>
-          <a:r>
-            <a:rPr lang="en-US" dirty="0">
-              <a:latin typeface="Segoe UI" panose="020B0502040204020203" pitchFamily="34" charset="0"/>
-              <a:cs typeface="Segoe UI" panose="020B0502040204020203" pitchFamily="34" charset="0"/>
-            </a:rPr>
-            <a:t>.</a:t>
-          </a:r>
+          <a:endParaRPr lang="en-US" dirty="0">
+            <a:latin typeface="Segoe UI" panose="020B0502040204020203" pitchFamily="34" charset="0"/>
+            <a:cs typeface="Segoe UI" panose="020B0502040204020203" pitchFamily="34" charset="0"/>
+          </a:endParaRPr>
         </a:p>
       </dgm:t>
     </dgm:pt>
@@ -9497,13 +9491,10 @@
             </a:rPr>
             <a:t>lai</a:t>
           </a:r>
-          <a:r>
-            <a:rPr lang="en-US" dirty="0">
-              <a:latin typeface="Segoe UI" panose="020B0502040204020203" pitchFamily="34" charset="0"/>
-              <a:cs typeface="Segoe UI" panose="020B0502040204020203" pitchFamily="34" charset="0"/>
-            </a:rPr>
-            <a:t>.</a:t>
-          </a:r>
+          <a:endParaRPr lang="en-US" dirty="0">
+            <a:latin typeface="Segoe UI" panose="020B0502040204020203" pitchFamily="34" charset="0"/>
+            <a:cs typeface="Segoe UI" panose="020B0502040204020203" pitchFamily="34" charset="0"/>
+          </a:endParaRPr>
         </a:p>
       </dgm:t>
     </dgm:pt>
@@ -9820,7 +9811,7 @@
               <a:latin typeface="Segoe UI" panose="020B0502040204020203" pitchFamily="34" charset="0"/>
               <a:cs typeface="Segoe UI" panose="020B0502040204020203" pitchFamily="34" charset="0"/>
             </a:rPr>
-            <a:t>…).</a:t>
+            <a:t>…)</a:t>
           </a:r>
         </a:p>
       </dgm:t>
@@ -10110,7 +10101,7 @@
               <a:latin typeface="Segoe UI" panose="020B0502040204020203" pitchFamily="34" charset="0"/>
               <a:cs typeface="Segoe UI" panose="020B0502040204020203" pitchFamily="34" charset="0"/>
             </a:rPr>
-            <a:t> (python, ruby ,…).</a:t>
+            <a:t> (python, ruby ,…)</a:t>
           </a:r>
         </a:p>
       </dgm:t>
@@ -10442,7 +10433,7 @@
               <a:latin typeface="Segoe UI" panose="020B0502040204020203" pitchFamily="34" charset="0"/>
               <a:cs typeface="Segoe UI" panose="020B0502040204020203" pitchFamily="34" charset="0"/>
             </a:rPr>
-            <a:t>).</a:t>
+            <a:t>)</a:t>
           </a:r>
         </a:p>
       </dgm:t>
@@ -14047,8 +14038,8 @@
       </dsp:nvSpPr>
       <dsp:spPr>
         <a:xfrm>
-          <a:off x="578411" y="483"/>
-          <a:ext cx="2470074" cy="1482044"/>
+          <a:off x="21997" y="2668"/>
+          <a:ext cx="2728871" cy="1637322"/>
         </a:xfrm>
         <a:prstGeom prst="rect">
           <a:avLst/>
@@ -14089,12 +14080,12 @@
         </a:fontRef>
       </dsp:style>
       <dsp:txBody>
-        <a:bodyPr spcFirstLastPara="0" vert="horz" wrap="square" lIns="64770" tIns="64770" rIns="64770" bIns="64770" numCol="1" spcCol="1270" anchor="ctr" anchorCtr="0">
+        <a:bodyPr spcFirstLastPara="0" vert="horz" wrap="square" lIns="72390" tIns="72390" rIns="72390" bIns="72390" numCol="1" spcCol="1270" anchor="ctr" anchorCtr="0">
           <a:noAutofit/>
         </a:bodyPr>
         <a:lstStyle/>
         <a:p>
-          <a:pPr marL="0" lvl="0" indent="0" algn="ctr" defTabSz="755650">
+          <a:pPr marL="0" lvl="0" indent="0" algn="ctr" defTabSz="844550">
             <a:lnSpc>
               <a:spcPct val="90000"/>
             </a:lnSpc>
@@ -14107,7 +14098,7 @@
             <a:buNone/>
           </a:pPr>
           <a:r>
-            <a:rPr lang="en-US" sz="1700" kern="1200">
+            <a:rPr lang="en-US" sz="1900" kern="1200">
               <a:latin typeface="Segoe UI" panose="020B0502040204020203" pitchFamily="34" charset="0"/>
               <a:cs typeface="Segoe UI" panose="020B0502040204020203" pitchFamily="34" charset="0"/>
             </a:rPr>
@@ -14116,8 +14107,8 @@
         </a:p>
       </dsp:txBody>
       <dsp:txXfrm>
-        <a:off x="578411" y="483"/>
-        <a:ext cx="2470074" cy="1482044"/>
+        <a:off x="21997" y="2668"/>
+        <a:ext cx="2728871" cy="1637322"/>
       </dsp:txXfrm>
     </dsp:sp>
     <dsp:sp modelId="{1C363516-EC1C-4414-AC0D-8EB0CCE714D5}">
@@ -14127,8 +14118,8 @@
       </dsp:nvSpPr>
       <dsp:spPr>
         <a:xfrm>
-          <a:off x="3295493" y="483"/>
-          <a:ext cx="2470074" cy="1482044"/>
+          <a:off x="3023756" y="2668"/>
+          <a:ext cx="2728871" cy="1637322"/>
         </a:xfrm>
         <a:prstGeom prst="rect">
           <a:avLst/>
@@ -14169,12 +14160,12 @@
         </a:fontRef>
       </dsp:style>
       <dsp:txBody>
-        <a:bodyPr spcFirstLastPara="0" vert="horz" wrap="square" lIns="64770" tIns="64770" rIns="64770" bIns="64770" numCol="1" spcCol="1270" anchor="ctr" anchorCtr="0">
+        <a:bodyPr spcFirstLastPara="0" vert="horz" wrap="square" lIns="72390" tIns="72390" rIns="72390" bIns="72390" numCol="1" spcCol="1270" anchor="ctr" anchorCtr="0">
           <a:noAutofit/>
         </a:bodyPr>
         <a:lstStyle/>
         <a:p>
-          <a:pPr marL="0" lvl="0" indent="0" algn="ctr" defTabSz="755650">
+          <a:pPr marL="0" lvl="0" indent="0" algn="ctr" defTabSz="844550">
             <a:lnSpc>
               <a:spcPct val="90000"/>
             </a:lnSpc>
@@ -14187,168 +14178,168 @@
             <a:buNone/>
           </a:pPr>
           <a:r>
-            <a:rPr lang="en-US" sz="1700" kern="1200" dirty="0" err="1">
+            <a:rPr lang="en-US" sz="1900" kern="1200" dirty="0" err="1">
               <a:latin typeface="Segoe UI" panose="020B0502040204020203" pitchFamily="34" charset="0"/>
               <a:cs typeface="Segoe UI" panose="020B0502040204020203" pitchFamily="34" charset="0"/>
             </a:rPr>
             <a:t>Tiếp</a:t>
           </a:r>
           <a:r>
-            <a:rPr lang="en-US" sz="1700" kern="1200" dirty="0">
-              <a:latin typeface="Segoe UI" panose="020B0502040204020203" pitchFamily="34" charset="0"/>
-              <a:cs typeface="Segoe UI" panose="020B0502040204020203" pitchFamily="34" charset="0"/>
-            </a:rPr>
-            <a:t> </a:t>
-          </a:r>
-          <a:r>
-            <a:rPr lang="en-US" sz="1700" kern="1200" dirty="0" err="1">
+            <a:rPr lang="en-US" sz="1900" kern="1200" dirty="0">
+              <a:latin typeface="Segoe UI" panose="020B0502040204020203" pitchFamily="34" charset="0"/>
+              <a:cs typeface="Segoe UI" panose="020B0502040204020203" pitchFamily="34" charset="0"/>
+            </a:rPr>
+            <a:t> </a:t>
+          </a:r>
+          <a:r>
+            <a:rPr lang="en-US" sz="1900" kern="1200" dirty="0" err="1">
               <a:latin typeface="Segoe UI" panose="020B0502040204020203" pitchFamily="34" charset="0"/>
               <a:cs typeface="Segoe UI" panose="020B0502040204020203" pitchFamily="34" charset="0"/>
             </a:rPr>
             <a:t>thu</a:t>
           </a:r>
           <a:r>
-            <a:rPr lang="en-US" sz="1700" kern="1200" dirty="0">
-              <a:latin typeface="Segoe UI" panose="020B0502040204020203" pitchFamily="34" charset="0"/>
-              <a:cs typeface="Segoe UI" panose="020B0502040204020203" pitchFamily="34" charset="0"/>
-            </a:rPr>
-            <a:t> </a:t>
-          </a:r>
-          <a:r>
-            <a:rPr lang="en-US" sz="1700" kern="1200" dirty="0" err="1">
+            <a:rPr lang="en-US" sz="1900" kern="1200" dirty="0">
+              <a:latin typeface="Segoe UI" panose="020B0502040204020203" pitchFamily="34" charset="0"/>
+              <a:cs typeface="Segoe UI" panose="020B0502040204020203" pitchFamily="34" charset="0"/>
+            </a:rPr>
+            <a:t> </a:t>
+          </a:r>
+          <a:r>
+            <a:rPr lang="en-US" sz="1900" kern="1200" dirty="0" err="1">
               <a:latin typeface="Segoe UI" panose="020B0502040204020203" pitchFamily="34" charset="0"/>
               <a:cs typeface="Segoe UI" panose="020B0502040204020203" pitchFamily="34" charset="0"/>
             </a:rPr>
             <a:t>được</a:t>
           </a:r>
           <a:r>
-            <a:rPr lang="en-US" sz="1700" kern="1200" dirty="0">
-              <a:latin typeface="Segoe UI" panose="020B0502040204020203" pitchFamily="34" charset="0"/>
-              <a:cs typeface="Segoe UI" panose="020B0502040204020203" pitchFamily="34" charset="0"/>
-            </a:rPr>
-            <a:t> </a:t>
-          </a:r>
-          <a:r>
-            <a:rPr lang="en-US" sz="1700" kern="1200" dirty="0" err="1">
+            <a:rPr lang="en-US" sz="1900" kern="1200" dirty="0">
+              <a:latin typeface="Segoe UI" panose="020B0502040204020203" pitchFamily="34" charset="0"/>
+              <a:cs typeface="Segoe UI" panose="020B0502040204020203" pitchFamily="34" charset="0"/>
+            </a:rPr>
+            <a:t> </a:t>
+          </a:r>
+          <a:r>
+            <a:rPr lang="en-US" sz="1900" kern="1200" dirty="0" err="1">
               <a:latin typeface="Segoe UI" panose="020B0502040204020203" pitchFamily="34" charset="0"/>
               <a:cs typeface="Segoe UI" panose="020B0502040204020203" pitchFamily="34" charset="0"/>
             </a:rPr>
             <a:t>một</a:t>
           </a:r>
           <a:r>
-            <a:rPr lang="en-US" sz="1700" kern="1200" dirty="0">
-              <a:latin typeface="Segoe UI" panose="020B0502040204020203" pitchFamily="34" charset="0"/>
-              <a:cs typeface="Segoe UI" panose="020B0502040204020203" pitchFamily="34" charset="0"/>
-            </a:rPr>
-            <a:t> </a:t>
-          </a:r>
-          <a:r>
-            <a:rPr lang="en-US" sz="1700" kern="1200" dirty="0" err="1">
+            <a:rPr lang="en-US" sz="1900" kern="1200" dirty="0">
+              <a:latin typeface="Segoe UI" panose="020B0502040204020203" pitchFamily="34" charset="0"/>
+              <a:cs typeface="Segoe UI" panose="020B0502040204020203" pitchFamily="34" charset="0"/>
+            </a:rPr>
+            <a:t> </a:t>
+          </a:r>
+          <a:r>
+            <a:rPr lang="en-US" sz="1900" kern="1200" dirty="0" err="1">
               <a:latin typeface="Segoe UI" panose="020B0502040204020203" pitchFamily="34" charset="0"/>
               <a:cs typeface="Segoe UI" panose="020B0502040204020203" pitchFamily="34" charset="0"/>
             </a:rPr>
             <a:t>số</a:t>
           </a:r>
           <a:r>
-            <a:rPr lang="en-US" sz="1700" kern="1200" dirty="0">
+            <a:rPr lang="en-US" sz="1900" kern="1200" dirty="0">
               <a:latin typeface="Segoe UI" panose="020B0502040204020203" pitchFamily="34" charset="0"/>
               <a:cs typeface="Segoe UI" panose="020B0502040204020203" pitchFamily="34" charset="0"/>
             </a:rPr>
             <a:t> kiến </a:t>
           </a:r>
           <a:r>
-            <a:rPr lang="en-US" sz="1700" kern="1200" dirty="0" err="1">
+            <a:rPr lang="en-US" sz="1900" kern="1200" dirty="0" err="1">
               <a:latin typeface="Segoe UI" panose="020B0502040204020203" pitchFamily="34" charset="0"/>
               <a:cs typeface="Segoe UI" panose="020B0502040204020203" pitchFamily="34" charset="0"/>
             </a:rPr>
             <a:t>thức</a:t>
           </a:r>
           <a:r>
-            <a:rPr lang="en-US" sz="1700" kern="1200" dirty="0">
-              <a:latin typeface="Segoe UI" panose="020B0502040204020203" pitchFamily="34" charset="0"/>
-              <a:cs typeface="Segoe UI" panose="020B0502040204020203" pitchFamily="34" charset="0"/>
-            </a:rPr>
-            <a:t> </a:t>
-          </a:r>
-          <a:r>
-            <a:rPr lang="en-US" sz="1700" kern="1200" dirty="0" err="1">
+            <a:rPr lang="en-US" sz="1900" kern="1200" dirty="0">
+              <a:latin typeface="Segoe UI" panose="020B0502040204020203" pitchFamily="34" charset="0"/>
+              <a:cs typeface="Segoe UI" panose="020B0502040204020203" pitchFamily="34" charset="0"/>
+            </a:rPr>
+            <a:t> </a:t>
+          </a:r>
+          <a:r>
+            <a:rPr lang="en-US" sz="1900" kern="1200" dirty="0" err="1">
               <a:latin typeface="Segoe UI" panose="020B0502040204020203" pitchFamily="34" charset="0"/>
               <a:cs typeface="Segoe UI" panose="020B0502040204020203" pitchFamily="34" charset="0"/>
             </a:rPr>
             <a:t>liên</a:t>
           </a:r>
           <a:r>
-            <a:rPr lang="en-US" sz="1700" kern="1200" dirty="0">
-              <a:latin typeface="Segoe UI" panose="020B0502040204020203" pitchFamily="34" charset="0"/>
-              <a:cs typeface="Segoe UI" panose="020B0502040204020203" pitchFamily="34" charset="0"/>
-            </a:rPr>
-            <a:t> </a:t>
-          </a:r>
-          <a:r>
-            <a:rPr lang="en-US" sz="1700" kern="1200" dirty="0" err="1">
+            <a:rPr lang="en-US" sz="1900" kern="1200" dirty="0">
+              <a:latin typeface="Segoe UI" panose="020B0502040204020203" pitchFamily="34" charset="0"/>
+              <a:cs typeface="Segoe UI" panose="020B0502040204020203" pitchFamily="34" charset="0"/>
+            </a:rPr>
+            <a:t> </a:t>
+          </a:r>
+          <a:r>
+            <a:rPr lang="en-US" sz="1900" kern="1200" dirty="0" err="1">
               <a:latin typeface="Segoe UI" panose="020B0502040204020203" pitchFamily="34" charset="0"/>
               <a:cs typeface="Segoe UI" panose="020B0502040204020203" pitchFamily="34" charset="0"/>
             </a:rPr>
             <a:t>quan</a:t>
           </a:r>
           <a:r>
-            <a:rPr lang="en-US" sz="1700" kern="1200" dirty="0">
+            <a:rPr lang="en-US" sz="1900" kern="1200" dirty="0">
               <a:latin typeface="Segoe UI" panose="020B0502040204020203" pitchFamily="34" charset="0"/>
               <a:cs typeface="Segoe UI" panose="020B0502040204020203" pitchFamily="34" charset="0"/>
             </a:rPr>
             <a:t> đến </a:t>
           </a:r>
           <a:r>
-            <a:rPr lang="en-US" sz="1700" kern="1200" dirty="0" err="1">
+            <a:rPr lang="en-US" sz="1900" kern="1200" dirty="0" err="1">
               <a:latin typeface="Segoe UI" panose="020B0502040204020203" pitchFamily="34" charset="0"/>
               <a:cs typeface="Segoe UI" panose="020B0502040204020203" pitchFamily="34" charset="0"/>
             </a:rPr>
             <a:t>xử</a:t>
           </a:r>
           <a:r>
-            <a:rPr lang="en-US" sz="1700" kern="1200" dirty="0">
-              <a:latin typeface="Segoe UI" panose="020B0502040204020203" pitchFamily="34" charset="0"/>
-              <a:cs typeface="Segoe UI" panose="020B0502040204020203" pitchFamily="34" charset="0"/>
-            </a:rPr>
-            <a:t> </a:t>
-          </a:r>
-          <a:r>
-            <a:rPr lang="en-US" sz="1700" kern="1200" dirty="0" err="1">
+            <a:rPr lang="en-US" sz="1900" kern="1200" dirty="0">
+              <a:latin typeface="Segoe UI" panose="020B0502040204020203" pitchFamily="34" charset="0"/>
+              <a:cs typeface="Segoe UI" panose="020B0502040204020203" pitchFamily="34" charset="0"/>
+            </a:rPr>
+            <a:t> </a:t>
+          </a:r>
+          <a:r>
+            <a:rPr lang="en-US" sz="1900" kern="1200" dirty="0" err="1">
               <a:latin typeface="Segoe UI" panose="020B0502040204020203" pitchFamily="34" charset="0"/>
               <a:cs typeface="Segoe UI" panose="020B0502040204020203" pitchFamily="34" charset="0"/>
             </a:rPr>
             <a:t>lý</a:t>
           </a:r>
           <a:r>
-            <a:rPr lang="en-US" sz="1700" kern="1200" dirty="0">
-              <a:latin typeface="Segoe UI" panose="020B0502040204020203" pitchFamily="34" charset="0"/>
-              <a:cs typeface="Segoe UI" panose="020B0502040204020203" pitchFamily="34" charset="0"/>
-            </a:rPr>
-            <a:t> </a:t>
-          </a:r>
-          <a:r>
-            <a:rPr lang="en-US" sz="1700" kern="1200" dirty="0" err="1">
+            <a:rPr lang="en-US" sz="1900" kern="1200" dirty="0">
+              <a:latin typeface="Segoe UI" panose="020B0502040204020203" pitchFamily="34" charset="0"/>
+              <a:cs typeface="Segoe UI" panose="020B0502040204020203" pitchFamily="34" charset="0"/>
+            </a:rPr>
+            <a:t> </a:t>
+          </a:r>
+          <a:r>
+            <a:rPr lang="en-US" sz="1900" kern="1200" dirty="0" err="1">
               <a:latin typeface="Segoe UI" panose="020B0502040204020203" pitchFamily="34" charset="0"/>
               <a:cs typeface="Segoe UI" panose="020B0502040204020203" pitchFamily="34" charset="0"/>
             </a:rPr>
             <a:t>âm</a:t>
           </a:r>
           <a:r>
-            <a:rPr lang="en-US" sz="1700" kern="1200" dirty="0">
-              <a:latin typeface="Segoe UI" panose="020B0502040204020203" pitchFamily="34" charset="0"/>
-              <a:cs typeface="Segoe UI" panose="020B0502040204020203" pitchFamily="34" charset="0"/>
-            </a:rPr>
-            <a:t> </a:t>
-          </a:r>
-          <a:r>
-            <a:rPr lang="en-US" sz="1700" kern="1200" dirty="0" err="1">
+            <a:rPr lang="en-US" sz="1900" kern="1200" dirty="0">
+              <a:latin typeface="Segoe UI" panose="020B0502040204020203" pitchFamily="34" charset="0"/>
+              <a:cs typeface="Segoe UI" panose="020B0502040204020203" pitchFamily="34" charset="0"/>
+            </a:rPr>
+            <a:t> </a:t>
+          </a:r>
+          <a:r>
+            <a:rPr lang="en-US" sz="1900" kern="1200" dirty="0" err="1">
               <a:latin typeface="Segoe UI" panose="020B0502040204020203" pitchFamily="34" charset="0"/>
               <a:cs typeface="Segoe UI" panose="020B0502040204020203" pitchFamily="34" charset="0"/>
             </a:rPr>
             <a:t>thanh</a:t>
           </a:r>
           <a:r>
-            <a:rPr lang="en-US" sz="1700" kern="1200" dirty="0">
+            <a:rPr lang="en-US" sz="1900" kern="1200" dirty="0">
               <a:latin typeface="Segoe UI" panose="020B0502040204020203" pitchFamily="34" charset="0"/>
               <a:cs typeface="Segoe UI" panose="020B0502040204020203" pitchFamily="34" charset="0"/>
             </a:rPr>
@@ -14357,8 +14348,8 @@
         </a:p>
       </dsp:txBody>
       <dsp:txXfrm>
-        <a:off x="3295493" y="483"/>
-        <a:ext cx="2470074" cy="1482044"/>
+        <a:off x="3023756" y="2668"/>
+        <a:ext cx="2728871" cy="1637322"/>
       </dsp:txXfrm>
     </dsp:sp>
     <dsp:sp modelId="{CDA53DDD-965A-4B4D-B70D-0E2AEE91374C}">
@@ -14368,8 +14359,8 @@
       </dsp:nvSpPr>
       <dsp:spPr>
         <a:xfrm>
-          <a:off x="6012575" y="483"/>
-          <a:ext cx="2470074" cy="1482044"/>
+          <a:off x="6025515" y="2668"/>
+          <a:ext cx="2728871" cy="1637322"/>
         </a:xfrm>
         <a:prstGeom prst="rect">
           <a:avLst/>
@@ -14410,12 +14401,12 @@
         </a:fontRef>
       </dsp:style>
       <dsp:txBody>
-        <a:bodyPr spcFirstLastPara="0" vert="horz" wrap="square" lIns="64770" tIns="64770" rIns="64770" bIns="64770" numCol="1" spcCol="1270" anchor="ctr" anchorCtr="0">
+        <a:bodyPr spcFirstLastPara="0" vert="horz" wrap="square" lIns="72390" tIns="72390" rIns="72390" bIns="72390" numCol="1" spcCol="1270" anchor="ctr" anchorCtr="0">
           <a:noAutofit/>
         </a:bodyPr>
         <a:lstStyle/>
         <a:p>
-          <a:pPr marL="0" lvl="0" indent="0" algn="ctr" defTabSz="755650">
+          <a:pPr marL="0" lvl="0" indent="0" algn="ctr" defTabSz="844550">
             <a:lnSpc>
               <a:spcPct val="90000"/>
             </a:lnSpc>
@@ -14428,154 +14419,154 @@
             <a:buNone/>
           </a:pPr>
           <a:r>
-            <a:rPr lang="en-US" sz="1700" kern="1200" dirty="0" err="1">
+            <a:rPr lang="en-US" sz="1900" kern="1200" dirty="0" err="1">
               <a:latin typeface="Segoe UI" panose="020B0502040204020203" pitchFamily="34" charset="0"/>
               <a:cs typeface="Segoe UI" panose="020B0502040204020203" pitchFamily="34" charset="0"/>
             </a:rPr>
             <a:t>Hiểu</a:t>
           </a:r>
           <a:r>
-            <a:rPr lang="en-US" sz="1700" kern="1200" dirty="0">
-              <a:latin typeface="Segoe UI" panose="020B0502040204020203" pitchFamily="34" charset="0"/>
-              <a:cs typeface="Segoe UI" panose="020B0502040204020203" pitchFamily="34" charset="0"/>
-            </a:rPr>
-            <a:t> </a:t>
-          </a:r>
-          <a:r>
-            <a:rPr lang="en-US" sz="1700" kern="1200" dirty="0" err="1">
+            <a:rPr lang="en-US" sz="1900" kern="1200" dirty="0">
+              <a:latin typeface="Segoe UI" panose="020B0502040204020203" pitchFamily="34" charset="0"/>
+              <a:cs typeface="Segoe UI" panose="020B0502040204020203" pitchFamily="34" charset="0"/>
+            </a:rPr>
+            <a:t> </a:t>
+          </a:r>
+          <a:r>
+            <a:rPr lang="en-US" sz="1900" kern="1200" dirty="0" err="1">
               <a:latin typeface="Segoe UI" panose="020B0502040204020203" pitchFamily="34" charset="0"/>
               <a:cs typeface="Segoe UI" panose="020B0502040204020203" pitchFamily="34" charset="0"/>
             </a:rPr>
             <a:t>biết</a:t>
           </a:r>
           <a:r>
-            <a:rPr lang="en-US" sz="1700" kern="1200" dirty="0">
-              <a:latin typeface="Segoe UI" panose="020B0502040204020203" pitchFamily="34" charset="0"/>
-              <a:cs typeface="Segoe UI" panose="020B0502040204020203" pitchFamily="34" charset="0"/>
-            </a:rPr>
-            <a:t> </a:t>
-          </a:r>
-          <a:r>
-            <a:rPr lang="en-US" sz="1700" kern="1200" dirty="0" err="1">
+            <a:rPr lang="en-US" sz="1900" kern="1200" dirty="0">
+              <a:latin typeface="Segoe UI" panose="020B0502040204020203" pitchFamily="34" charset="0"/>
+              <a:cs typeface="Segoe UI" panose="020B0502040204020203" pitchFamily="34" charset="0"/>
+            </a:rPr>
+            <a:t> </a:t>
+          </a:r>
+          <a:r>
+            <a:rPr lang="en-US" sz="1900" kern="1200" dirty="0" err="1">
               <a:latin typeface="Segoe UI" panose="020B0502040204020203" pitchFamily="34" charset="0"/>
               <a:cs typeface="Segoe UI" panose="020B0502040204020203" pitchFamily="34" charset="0"/>
             </a:rPr>
             <a:t>được</a:t>
           </a:r>
           <a:r>
-            <a:rPr lang="en-US" sz="1700" kern="1200" dirty="0">
-              <a:latin typeface="Segoe UI" panose="020B0502040204020203" pitchFamily="34" charset="0"/>
-              <a:cs typeface="Segoe UI" panose="020B0502040204020203" pitchFamily="34" charset="0"/>
-            </a:rPr>
-            <a:t> </a:t>
-          </a:r>
-          <a:r>
-            <a:rPr lang="en-US" sz="1700" kern="1200" dirty="0" err="1">
+            <a:rPr lang="en-US" sz="1900" kern="1200" dirty="0">
+              <a:latin typeface="Segoe UI" panose="020B0502040204020203" pitchFamily="34" charset="0"/>
+              <a:cs typeface="Segoe UI" panose="020B0502040204020203" pitchFamily="34" charset="0"/>
+            </a:rPr>
+            <a:t> </a:t>
+          </a:r>
+          <a:r>
+            <a:rPr lang="en-US" sz="1900" kern="1200" dirty="0" err="1">
               <a:latin typeface="Segoe UI" panose="020B0502040204020203" pitchFamily="34" charset="0"/>
               <a:cs typeface="Segoe UI" panose="020B0502040204020203" pitchFamily="34" charset="0"/>
             </a:rPr>
             <a:t>một</a:t>
           </a:r>
           <a:r>
-            <a:rPr lang="en-US" sz="1700" kern="1200" dirty="0">
-              <a:latin typeface="Segoe UI" panose="020B0502040204020203" pitchFamily="34" charset="0"/>
-              <a:cs typeface="Segoe UI" panose="020B0502040204020203" pitchFamily="34" charset="0"/>
-            </a:rPr>
-            <a:t> </a:t>
-          </a:r>
-          <a:r>
-            <a:rPr lang="en-US" sz="1700" kern="1200" dirty="0" err="1">
+            <a:rPr lang="en-US" sz="1900" kern="1200" dirty="0">
+              <a:latin typeface="Segoe UI" panose="020B0502040204020203" pitchFamily="34" charset="0"/>
+              <a:cs typeface="Segoe UI" panose="020B0502040204020203" pitchFamily="34" charset="0"/>
+            </a:rPr>
+            <a:t> </a:t>
+          </a:r>
+          <a:r>
+            <a:rPr lang="en-US" sz="1900" kern="1200" dirty="0" err="1">
               <a:latin typeface="Segoe UI" panose="020B0502040204020203" pitchFamily="34" charset="0"/>
               <a:cs typeface="Segoe UI" panose="020B0502040204020203" pitchFamily="34" charset="0"/>
             </a:rPr>
             <a:t>số</a:t>
           </a:r>
           <a:r>
-            <a:rPr lang="en-US" sz="1700" kern="1200" dirty="0">
-              <a:latin typeface="Segoe UI" panose="020B0502040204020203" pitchFamily="34" charset="0"/>
-              <a:cs typeface="Segoe UI" panose="020B0502040204020203" pitchFamily="34" charset="0"/>
-            </a:rPr>
-            <a:t> </a:t>
-          </a:r>
-          <a:r>
-            <a:rPr lang="en-US" sz="1700" kern="1200" dirty="0" err="1">
+            <a:rPr lang="en-US" sz="1900" kern="1200" dirty="0">
+              <a:latin typeface="Segoe UI" panose="020B0502040204020203" pitchFamily="34" charset="0"/>
+              <a:cs typeface="Segoe UI" panose="020B0502040204020203" pitchFamily="34" charset="0"/>
+            </a:rPr>
+            <a:t> </a:t>
+          </a:r>
+          <a:r>
+            <a:rPr lang="en-US" sz="1900" kern="1200" dirty="0" err="1">
               <a:latin typeface="Segoe UI" panose="020B0502040204020203" pitchFamily="34" charset="0"/>
               <a:cs typeface="Segoe UI" panose="020B0502040204020203" pitchFamily="34" charset="0"/>
             </a:rPr>
             <a:t>công</a:t>
           </a:r>
           <a:r>
-            <a:rPr lang="en-US" sz="1700" kern="1200" dirty="0">
-              <a:latin typeface="Segoe UI" panose="020B0502040204020203" pitchFamily="34" charset="0"/>
-              <a:cs typeface="Segoe UI" panose="020B0502040204020203" pitchFamily="34" charset="0"/>
-            </a:rPr>
-            <a:t> </a:t>
-          </a:r>
-          <a:r>
-            <a:rPr lang="en-US" sz="1700" kern="1200" dirty="0" err="1">
+            <a:rPr lang="en-US" sz="1900" kern="1200" dirty="0">
+              <a:latin typeface="Segoe UI" panose="020B0502040204020203" pitchFamily="34" charset="0"/>
+              <a:cs typeface="Segoe UI" panose="020B0502040204020203" pitchFamily="34" charset="0"/>
+            </a:rPr>
+            <a:t> </a:t>
+          </a:r>
+          <a:r>
+            <a:rPr lang="en-US" sz="1900" kern="1200" dirty="0" err="1">
               <a:latin typeface="Segoe UI" panose="020B0502040204020203" pitchFamily="34" charset="0"/>
               <a:cs typeface="Segoe UI" panose="020B0502040204020203" pitchFamily="34" charset="0"/>
             </a:rPr>
             <a:t>nghệ</a:t>
           </a:r>
           <a:r>
-            <a:rPr lang="en-US" sz="1700" kern="1200" dirty="0">
-              <a:latin typeface="Segoe UI" panose="020B0502040204020203" pitchFamily="34" charset="0"/>
-              <a:cs typeface="Segoe UI" panose="020B0502040204020203" pitchFamily="34" charset="0"/>
-            </a:rPr>
-            <a:t> </a:t>
-          </a:r>
-          <a:r>
-            <a:rPr lang="en-US" sz="1700" kern="1200" dirty="0" err="1">
+            <a:rPr lang="en-US" sz="1900" kern="1200" dirty="0">
+              <a:latin typeface="Segoe UI" panose="020B0502040204020203" pitchFamily="34" charset="0"/>
+              <a:cs typeface="Segoe UI" panose="020B0502040204020203" pitchFamily="34" charset="0"/>
+            </a:rPr>
+            <a:t> </a:t>
+          </a:r>
+          <a:r>
+            <a:rPr lang="en-US" sz="1900" kern="1200" dirty="0" err="1">
               <a:latin typeface="Segoe UI" panose="020B0502040204020203" pitchFamily="34" charset="0"/>
               <a:cs typeface="Segoe UI" panose="020B0502040204020203" pitchFamily="34" charset="0"/>
             </a:rPr>
             <a:t>mới</a:t>
           </a:r>
           <a:r>
-            <a:rPr lang="en-US" sz="1700" kern="1200" dirty="0">
-              <a:latin typeface="Segoe UI" panose="020B0502040204020203" pitchFamily="34" charset="0"/>
-              <a:cs typeface="Segoe UI" panose="020B0502040204020203" pitchFamily="34" charset="0"/>
-            </a:rPr>
-            <a:t> </a:t>
-          </a:r>
-          <a:r>
-            <a:rPr lang="en-US" sz="1700" kern="1200" dirty="0" err="1">
+            <a:rPr lang="en-US" sz="1900" kern="1200" dirty="0">
+              <a:latin typeface="Segoe UI" panose="020B0502040204020203" pitchFamily="34" charset="0"/>
+              <a:cs typeface="Segoe UI" panose="020B0502040204020203" pitchFamily="34" charset="0"/>
+            </a:rPr>
+            <a:t> </a:t>
+          </a:r>
+          <a:r>
+            <a:rPr lang="en-US" sz="1900" kern="1200" dirty="0" err="1">
               <a:latin typeface="Segoe UI" panose="020B0502040204020203" pitchFamily="34" charset="0"/>
               <a:cs typeface="Segoe UI" panose="020B0502040204020203" pitchFamily="34" charset="0"/>
             </a:rPr>
             <a:t>như</a:t>
           </a:r>
           <a:r>
-            <a:rPr lang="en-US" sz="1700" kern="1200" dirty="0">
+            <a:rPr lang="en-US" sz="1900" kern="1200" dirty="0">
               <a:latin typeface="Segoe UI" panose="020B0502040204020203" pitchFamily="34" charset="0"/>
               <a:cs typeface="Segoe UI" panose="020B0502040204020203" pitchFamily="34" charset="0"/>
             </a:rPr>
             <a:t> Nginx, </a:t>
           </a:r>
           <a:r>
-            <a:rPr lang="en-US" sz="1700" kern="1200" dirty="0" err="1">
+            <a:rPr lang="en-US" sz="1900" kern="1200" dirty="0" err="1">
               <a:latin typeface="Segoe UI" panose="020B0502040204020203" pitchFamily="34" charset="0"/>
               <a:cs typeface="Segoe UI" panose="020B0502040204020203" pitchFamily="34" charset="0"/>
             </a:rPr>
             <a:t>Kurbernets</a:t>
           </a:r>
           <a:r>
-            <a:rPr lang="en-US" sz="1700" kern="1200" dirty="0">
+            <a:rPr lang="en-US" sz="1900" kern="1200" dirty="0">
               <a:latin typeface="Segoe UI" panose="020B0502040204020203" pitchFamily="34" charset="0"/>
               <a:cs typeface="Segoe UI" panose="020B0502040204020203" pitchFamily="34" charset="0"/>
             </a:rPr>
             <a:t>, </a:t>
           </a:r>
           <a:r>
-            <a:rPr lang="en-US" sz="1700" kern="1200" dirty="0" err="1">
+            <a:rPr lang="en-US" sz="1900" kern="1200" dirty="0" err="1">
               <a:latin typeface="Segoe UI" panose="020B0502040204020203" pitchFamily="34" charset="0"/>
               <a:cs typeface="Segoe UI" panose="020B0502040204020203" pitchFamily="34" charset="0"/>
             </a:rPr>
             <a:t>ReactNative</a:t>
           </a:r>
           <a:r>
-            <a:rPr lang="en-US" sz="1700" kern="1200" dirty="0">
+            <a:rPr lang="en-US" sz="1900" kern="1200" dirty="0">
               <a:latin typeface="Segoe UI" panose="020B0502040204020203" pitchFamily="34" charset="0"/>
               <a:cs typeface="Segoe UI" panose="020B0502040204020203" pitchFamily="34" charset="0"/>
             </a:rPr>
@@ -14584,8 +14575,8 @@
         </a:p>
       </dsp:txBody>
       <dsp:txXfrm>
-        <a:off x="6012575" y="483"/>
-        <a:ext cx="2470074" cy="1482044"/>
+        <a:off x="6025515" y="2668"/>
+        <a:ext cx="2728871" cy="1637322"/>
       </dsp:txXfrm>
     </dsp:sp>
     <dsp:sp modelId="{7B4DB0A9-85AE-487E-953B-7525EAD7F7DA}">
@@ -14595,8 +14586,8 @@
       </dsp:nvSpPr>
       <dsp:spPr>
         <a:xfrm>
-          <a:off x="8729657" y="483"/>
-          <a:ext cx="2470074" cy="1482044"/>
+          <a:off x="9027273" y="2668"/>
+          <a:ext cx="2728871" cy="1637322"/>
         </a:xfrm>
         <a:prstGeom prst="rect">
           <a:avLst/>
@@ -14637,12 +14628,12 @@
         </a:fontRef>
       </dsp:style>
       <dsp:txBody>
-        <a:bodyPr spcFirstLastPara="0" vert="horz" wrap="square" lIns="64770" tIns="64770" rIns="64770" bIns="64770" numCol="1" spcCol="1270" anchor="ctr" anchorCtr="0">
+        <a:bodyPr spcFirstLastPara="0" vert="horz" wrap="square" lIns="72390" tIns="72390" rIns="72390" bIns="72390" numCol="1" spcCol="1270" anchor="ctr" anchorCtr="0">
           <a:noAutofit/>
         </a:bodyPr>
         <a:lstStyle/>
         <a:p>
-          <a:pPr marL="0" lvl="0" indent="0" algn="ctr" defTabSz="755650">
+          <a:pPr marL="0" lvl="0" indent="0" algn="ctr" defTabSz="844550">
             <a:lnSpc>
               <a:spcPct val="90000"/>
             </a:lnSpc>
@@ -14655,294 +14646,294 @@
             <a:buNone/>
           </a:pPr>
           <a:r>
-            <a:rPr lang="en-US" sz="1700" kern="1200" dirty="0" err="1">
+            <a:rPr lang="en-US" sz="1900" kern="1200" dirty="0" err="1">
               <a:latin typeface="Segoe UI" panose="020B0502040204020203" pitchFamily="34" charset="0"/>
               <a:cs typeface="Segoe UI" panose="020B0502040204020203" pitchFamily="34" charset="0"/>
             </a:rPr>
             <a:t>Khả</a:t>
           </a:r>
           <a:r>
-            <a:rPr lang="en-US" sz="1700" kern="1200" dirty="0">
-              <a:latin typeface="Segoe UI" panose="020B0502040204020203" pitchFamily="34" charset="0"/>
-              <a:cs typeface="Segoe UI" panose="020B0502040204020203" pitchFamily="34" charset="0"/>
-            </a:rPr>
-            <a:t> </a:t>
-          </a:r>
-          <a:r>
-            <a:rPr lang="en-US" sz="1700" kern="1200" dirty="0" err="1">
+            <a:rPr lang="en-US" sz="1900" kern="1200" dirty="0">
+              <a:latin typeface="Segoe UI" panose="020B0502040204020203" pitchFamily="34" charset="0"/>
+              <a:cs typeface="Segoe UI" panose="020B0502040204020203" pitchFamily="34" charset="0"/>
+            </a:rPr>
+            <a:t> </a:t>
+          </a:r>
+          <a:r>
+            <a:rPr lang="en-US" sz="1900" kern="1200" dirty="0" err="1">
               <a:latin typeface="Segoe UI" panose="020B0502040204020203" pitchFamily="34" charset="0"/>
               <a:cs typeface="Segoe UI" panose="020B0502040204020203" pitchFamily="34" charset="0"/>
             </a:rPr>
             <a:t>năng</a:t>
           </a:r>
           <a:r>
-            <a:rPr lang="en-US" sz="1700" kern="1200" dirty="0">
-              <a:latin typeface="Segoe UI" panose="020B0502040204020203" pitchFamily="34" charset="0"/>
-              <a:cs typeface="Segoe UI" panose="020B0502040204020203" pitchFamily="34" charset="0"/>
-            </a:rPr>
-            <a:t> </a:t>
-          </a:r>
-          <a:r>
-            <a:rPr lang="en-US" sz="1700" kern="1200" dirty="0" err="1">
+            <a:rPr lang="en-US" sz="1900" kern="1200" dirty="0">
+              <a:latin typeface="Segoe UI" panose="020B0502040204020203" pitchFamily="34" charset="0"/>
+              <a:cs typeface="Segoe UI" panose="020B0502040204020203" pitchFamily="34" charset="0"/>
+            </a:rPr>
+            <a:t> </a:t>
+          </a:r>
+          <a:r>
+            <a:rPr lang="en-US" sz="1900" kern="1200" dirty="0" err="1">
               <a:latin typeface="Segoe UI" panose="020B0502040204020203" pitchFamily="34" charset="0"/>
               <a:cs typeface="Segoe UI" panose="020B0502040204020203" pitchFamily="34" charset="0"/>
             </a:rPr>
             <a:t>làm</a:t>
           </a:r>
           <a:r>
-            <a:rPr lang="en-US" sz="1700" kern="1200" dirty="0">
-              <a:latin typeface="Segoe UI" panose="020B0502040204020203" pitchFamily="34" charset="0"/>
-              <a:cs typeface="Segoe UI" panose="020B0502040204020203" pitchFamily="34" charset="0"/>
-            </a:rPr>
-            <a:t> </a:t>
-          </a:r>
-          <a:r>
-            <a:rPr lang="en-US" sz="1700" kern="1200" dirty="0" err="1">
+            <a:rPr lang="en-US" sz="1900" kern="1200" dirty="0">
+              <a:latin typeface="Segoe UI" panose="020B0502040204020203" pitchFamily="34" charset="0"/>
+              <a:cs typeface="Segoe UI" panose="020B0502040204020203" pitchFamily="34" charset="0"/>
+            </a:rPr>
+            <a:t> </a:t>
+          </a:r>
+          <a:r>
+            <a:rPr lang="en-US" sz="1900" kern="1200" dirty="0" err="1">
               <a:latin typeface="Segoe UI" panose="020B0502040204020203" pitchFamily="34" charset="0"/>
               <a:cs typeface="Segoe UI" panose="020B0502040204020203" pitchFamily="34" charset="0"/>
             </a:rPr>
             <a:t>việc</a:t>
           </a:r>
           <a:r>
-            <a:rPr lang="en-US" sz="1700" kern="1200" dirty="0">
-              <a:latin typeface="Segoe UI" panose="020B0502040204020203" pitchFamily="34" charset="0"/>
-              <a:cs typeface="Segoe UI" panose="020B0502040204020203" pitchFamily="34" charset="0"/>
-            </a:rPr>
-            <a:t> </a:t>
-          </a:r>
-          <a:r>
-            <a:rPr lang="en-US" sz="1700" kern="1200" dirty="0" err="1">
+            <a:rPr lang="en-US" sz="1900" kern="1200" dirty="0">
+              <a:latin typeface="Segoe UI" panose="020B0502040204020203" pitchFamily="34" charset="0"/>
+              <a:cs typeface="Segoe UI" panose="020B0502040204020203" pitchFamily="34" charset="0"/>
+            </a:rPr>
+            <a:t> </a:t>
+          </a:r>
+          <a:r>
+            <a:rPr lang="en-US" sz="1900" kern="1200" dirty="0" err="1">
               <a:latin typeface="Segoe UI" panose="020B0502040204020203" pitchFamily="34" charset="0"/>
               <a:cs typeface="Segoe UI" panose="020B0502040204020203" pitchFamily="34" charset="0"/>
             </a:rPr>
             <a:t>nhóm</a:t>
           </a:r>
           <a:r>
-            <a:rPr lang="en-US" sz="1700" kern="1200" dirty="0">
+            <a:rPr lang="en-US" sz="1900" kern="1200" dirty="0">
               <a:latin typeface="Segoe UI" panose="020B0502040204020203" pitchFamily="34" charset="0"/>
               <a:cs typeface="Segoe UI" panose="020B0502040204020203" pitchFamily="34" charset="0"/>
             </a:rPr>
             <a:t>, </a:t>
           </a:r>
           <a:r>
-            <a:rPr lang="en-US" sz="1700" kern="1200" dirty="0" err="1">
+            <a:rPr lang="en-US" sz="1900" kern="1200" dirty="0" err="1">
               <a:latin typeface="Segoe UI" panose="020B0502040204020203" pitchFamily="34" charset="0"/>
               <a:cs typeface="Segoe UI" panose="020B0502040204020203" pitchFamily="34" charset="0"/>
             </a:rPr>
             <a:t>giao</a:t>
           </a:r>
           <a:r>
-            <a:rPr lang="en-US" sz="1700" kern="1200" dirty="0">
-              <a:latin typeface="Segoe UI" panose="020B0502040204020203" pitchFamily="34" charset="0"/>
-              <a:cs typeface="Segoe UI" panose="020B0502040204020203" pitchFamily="34" charset="0"/>
-            </a:rPr>
-            <a:t> </a:t>
-          </a:r>
-          <a:r>
-            <a:rPr lang="en-US" sz="1700" kern="1200" dirty="0" err="1">
+            <a:rPr lang="en-US" sz="1900" kern="1200" dirty="0">
+              <a:latin typeface="Segoe UI" panose="020B0502040204020203" pitchFamily="34" charset="0"/>
+              <a:cs typeface="Segoe UI" panose="020B0502040204020203" pitchFamily="34" charset="0"/>
+            </a:rPr>
+            <a:t> </a:t>
+          </a:r>
+          <a:r>
+            <a:rPr lang="en-US" sz="1900" kern="1200" dirty="0" err="1">
               <a:latin typeface="Segoe UI" panose="020B0502040204020203" pitchFamily="34" charset="0"/>
               <a:cs typeface="Segoe UI" panose="020B0502040204020203" pitchFamily="34" charset="0"/>
             </a:rPr>
             <a:t>tiếp</a:t>
           </a:r>
           <a:r>
-            <a:rPr lang="en-US" sz="1700" kern="1200" dirty="0">
-              <a:latin typeface="Segoe UI" panose="020B0502040204020203" pitchFamily="34" charset="0"/>
-              <a:cs typeface="Segoe UI" panose="020B0502040204020203" pitchFamily="34" charset="0"/>
-            </a:rPr>
-            <a:t> </a:t>
-          </a:r>
-          <a:r>
-            <a:rPr lang="en-US" sz="1700" kern="1200" dirty="0" err="1">
+            <a:rPr lang="en-US" sz="1900" kern="1200" dirty="0">
+              <a:latin typeface="Segoe UI" panose="020B0502040204020203" pitchFamily="34" charset="0"/>
+              <a:cs typeface="Segoe UI" panose="020B0502040204020203" pitchFamily="34" charset="0"/>
+            </a:rPr>
+            <a:t> </a:t>
+          </a:r>
+          <a:r>
+            <a:rPr lang="en-US" sz="1900" kern="1200" dirty="0" err="1">
               <a:latin typeface="Segoe UI" panose="020B0502040204020203" pitchFamily="34" charset="0"/>
               <a:cs typeface="Segoe UI" panose="020B0502040204020203" pitchFamily="34" charset="0"/>
             </a:rPr>
             <a:t>giữa</a:t>
           </a:r>
           <a:r>
-            <a:rPr lang="en-US" sz="1700" kern="1200" dirty="0">
-              <a:latin typeface="Segoe UI" panose="020B0502040204020203" pitchFamily="34" charset="0"/>
-              <a:cs typeface="Segoe UI" panose="020B0502040204020203" pitchFamily="34" charset="0"/>
-            </a:rPr>
-            <a:t> </a:t>
-          </a:r>
-          <a:r>
-            <a:rPr lang="en-US" sz="1700" kern="1200" dirty="0" err="1">
+            <a:rPr lang="en-US" sz="1900" kern="1200" dirty="0">
+              <a:latin typeface="Segoe UI" panose="020B0502040204020203" pitchFamily="34" charset="0"/>
+              <a:cs typeface="Segoe UI" panose="020B0502040204020203" pitchFamily="34" charset="0"/>
+            </a:rPr>
+            <a:t> </a:t>
+          </a:r>
+          <a:r>
+            <a:rPr lang="en-US" sz="1900" kern="1200" dirty="0" err="1">
               <a:latin typeface="Segoe UI" panose="020B0502040204020203" pitchFamily="34" charset="0"/>
               <a:cs typeface="Segoe UI" panose="020B0502040204020203" pitchFamily="34" charset="0"/>
             </a:rPr>
             <a:t>các</a:t>
           </a:r>
           <a:r>
-            <a:rPr lang="en-US" sz="1700" kern="1200" dirty="0">
-              <a:latin typeface="Segoe UI" panose="020B0502040204020203" pitchFamily="34" charset="0"/>
-              <a:cs typeface="Segoe UI" panose="020B0502040204020203" pitchFamily="34" charset="0"/>
-            </a:rPr>
-            <a:t> </a:t>
-          </a:r>
-          <a:r>
-            <a:rPr lang="en-US" sz="1700" kern="1200" dirty="0" err="1">
+            <a:rPr lang="en-US" sz="1900" kern="1200" dirty="0">
+              <a:latin typeface="Segoe UI" panose="020B0502040204020203" pitchFamily="34" charset="0"/>
+              <a:cs typeface="Segoe UI" panose="020B0502040204020203" pitchFamily="34" charset="0"/>
+            </a:rPr>
+            <a:t> </a:t>
+          </a:r>
+          <a:r>
+            <a:rPr lang="en-US" sz="1900" kern="1200" dirty="0" err="1">
               <a:latin typeface="Segoe UI" panose="020B0502040204020203" pitchFamily="34" charset="0"/>
               <a:cs typeface="Segoe UI" panose="020B0502040204020203" pitchFamily="34" charset="0"/>
             </a:rPr>
             <a:t>thành</a:t>
           </a:r>
           <a:r>
-            <a:rPr lang="en-US" sz="1700" kern="1200" dirty="0">
-              <a:latin typeface="Segoe UI" panose="020B0502040204020203" pitchFamily="34" charset="0"/>
-              <a:cs typeface="Segoe UI" panose="020B0502040204020203" pitchFamily="34" charset="0"/>
-            </a:rPr>
-            <a:t> </a:t>
-          </a:r>
-          <a:r>
-            <a:rPr lang="en-US" sz="1700" kern="1200" dirty="0" err="1">
+            <a:rPr lang="en-US" sz="1900" kern="1200" dirty="0">
+              <a:latin typeface="Segoe UI" panose="020B0502040204020203" pitchFamily="34" charset="0"/>
+              <a:cs typeface="Segoe UI" panose="020B0502040204020203" pitchFamily="34" charset="0"/>
+            </a:rPr>
+            <a:t> </a:t>
+          </a:r>
+          <a:r>
+            <a:rPr lang="en-US" sz="1900" kern="1200" dirty="0" err="1">
               <a:latin typeface="Segoe UI" panose="020B0502040204020203" pitchFamily="34" charset="0"/>
               <a:cs typeface="Segoe UI" panose="020B0502040204020203" pitchFamily="34" charset="0"/>
             </a:rPr>
             <a:t>viên</a:t>
           </a:r>
           <a:r>
-            <a:rPr lang="en-US" sz="1700" kern="1200" dirty="0">
-              <a:latin typeface="Segoe UI" panose="020B0502040204020203" pitchFamily="34" charset="0"/>
-              <a:cs typeface="Segoe UI" panose="020B0502040204020203" pitchFamily="34" charset="0"/>
-            </a:rPr>
-            <a:t> </a:t>
-          </a:r>
-          <a:r>
-            <a:rPr lang="en-US" sz="1700" kern="1200" dirty="0" err="1">
+            <a:rPr lang="en-US" sz="1900" kern="1200" dirty="0">
+              <a:latin typeface="Segoe UI" panose="020B0502040204020203" pitchFamily="34" charset="0"/>
+              <a:cs typeface="Segoe UI" panose="020B0502040204020203" pitchFamily="34" charset="0"/>
+            </a:rPr>
+            <a:t> </a:t>
+          </a:r>
+          <a:r>
+            <a:rPr lang="en-US" sz="1900" kern="1200" dirty="0" err="1">
               <a:latin typeface="Segoe UI" panose="020B0502040204020203" pitchFamily="34" charset="0"/>
               <a:cs typeface="Segoe UI" panose="020B0502040204020203" pitchFamily="34" charset="0"/>
             </a:rPr>
             <a:t>trong</a:t>
           </a:r>
           <a:r>
-            <a:rPr lang="en-US" sz="1700" kern="1200" dirty="0">
-              <a:latin typeface="Segoe UI" panose="020B0502040204020203" pitchFamily="34" charset="0"/>
-              <a:cs typeface="Segoe UI" panose="020B0502040204020203" pitchFamily="34" charset="0"/>
-            </a:rPr>
-            <a:t> </a:t>
-          </a:r>
-          <a:r>
-            <a:rPr lang="en-US" sz="1700" kern="1200" dirty="0" err="1">
+            <a:rPr lang="en-US" sz="1900" kern="1200" dirty="0">
+              <a:latin typeface="Segoe UI" panose="020B0502040204020203" pitchFamily="34" charset="0"/>
+              <a:cs typeface="Segoe UI" panose="020B0502040204020203" pitchFamily="34" charset="0"/>
+            </a:rPr>
+            <a:t> </a:t>
+          </a:r>
+          <a:r>
+            <a:rPr lang="en-US" sz="1900" kern="1200" dirty="0" err="1">
               <a:latin typeface="Segoe UI" panose="020B0502040204020203" pitchFamily="34" charset="0"/>
               <a:cs typeface="Segoe UI" panose="020B0502040204020203" pitchFamily="34" charset="0"/>
             </a:rPr>
             <a:t>nhóm</a:t>
           </a:r>
           <a:r>
-            <a:rPr lang="en-US" sz="1700" kern="1200" dirty="0">
-              <a:latin typeface="Segoe UI" panose="020B0502040204020203" pitchFamily="34" charset="0"/>
-              <a:cs typeface="Segoe UI" panose="020B0502040204020203" pitchFamily="34" charset="0"/>
-            </a:rPr>
-            <a:t> </a:t>
-          </a:r>
-          <a:r>
-            <a:rPr lang="en-US" sz="1700" kern="1200" dirty="0" err="1">
+            <a:rPr lang="en-US" sz="1900" kern="1200" dirty="0">
+              <a:latin typeface="Segoe UI" panose="020B0502040204020203" pitchFamily="34" charset="0"/>
+              <a:cs typeface="Segoe UI" panose="020B0502040204020203" pitchFamily="34" charset="0"/>
+            </a:rPr>
+            <a:t> </a:t>
+          </a:r>
+          <a:r>
+            <a:rPr lang="en-US" sz="1900" kern="1200" dirty="0" err="1">
               <a:latin typeface="Segoe UI" panose="020B0502040204020203" pitchFamily="34" charset="0"/>
               <a:cs typeface="Segoe UI" panose="020B0502040204020203" pitchFamily="34" charset="0"/>
             </a:rPr>
             <a:t>được</a:t>
           </a:r>
           <a:r>
-            <a:rPr lang="en-US" sz="1700" kern="1200" dirty="0">
-              <a:latin typeface="Segoe UI" panose="020B0502040204020203" pitchFamily="34" charset="0"/>
-              <a:cs typeface="Segoe UI" panose="020B0502040204020203" pitchFamily="34" charset="0"/>
-            </a:rPr>
-            <a:t> </a:t>
-          </a:r>
-          <a:r>
-            <a:rPr lang="en-US" sz="1700" kern="1200" dirty="0" err="1">
+            <a:rPr lang="en-US" sz="1900" kern="1200" dirty="0">
+              <a:latin typeface="Segoe UI" panose="020B0502040204020203" pitchFamily="34" charset="0"/>
+              <a:cs typeface="Segoe UI" panose="020B0502040204020203" pitchFamily="34" charset="0"/>
+            </a:rPr>
+            <a:t> </a:t>
+          </a:r>
+          <a:r>
+            <a:rPr lang="en-US" sz="1900" kern="1200" dirty="0" err="1">
               <a:latin typeface="Segoe UI" panose="020B0502040204020203" pitchFamily="34" charset="0"/>
               <a:cs typeface="Segoe UI" panose="020B0502040204020203" pitchFamily="34" charset="0"/>
             </a:rPr>
             <a:t>phát</a:t>
           </a:r>
           <a:r>
-            <a:rPr lang="en-US" sz="1700" kern="1200" dirty="0">
-              <a:latin typeface="Segoe UI" panose="020B0502040204020203" pitchFamily="34" charset="0"/>
-              <a:cs typeface="Segoe UI" panose="020B0502040204020203" pitchFamily="34" charset="0"/>
-            </a:rPr>
-            <a:t> </a:t>
-          </a:r>
-          <a:r>
-            <a:rPr lang="en-US" sz="1700" kern="1200" dirty="0" err="1">
+            <a:rPr lang="en-US" sz="1900" kern="1200" dirty="0">
+              <a:latin typeface="Segoe UI" panose="020B0502040204020203" pitchFamily="34" charset="0"/>
+              <a:cs typeface="Segoe UI" panose="020B0502040204020203" pitchFamily="34" charset="0"/>
+            </a:rPr>
+            <a:t> </a:t>
+          </a:r>
+          <a:r>
+            <a:rPr lang="en-US" sz="1900" kern="1200" dirty="0" err="1">
               <a:latin typeface="Segoe UI" panose="020B0502040204020203" pitchFamily="34" charset="0"/>
               <a:cs typeface="Segoe UI" panose="020B0502040204020203" pitchFamily="34" charset="0"/>
             </a:rPr>
             <a:t>triển</a:t>
           </a:r>
           <a:r>
-            <a:rPr lang="en-US" sz="1700" kern="1200" dirty="0">
-              <a:latin typeface="Segoe UI" panose="020B0502040204020203" pitchFamily="34" charset="0"/>
-              <a:cs typeface="Segoe UI" panose="020B0502040204020203" pitchFamily="34" charset="0"/>
-            </a:rPr>
-            <a:t> </a:t>
-          </a:r>
-          <a:r>
-            <a:rPr lang="en-US" sz="1700" kern="1200" dirty="0" err="1">
+            <a:rPr lang="en-US" sz="1900" kern="1200" dirty="0">
+              <a:latin typeface="Segoe UI" panose="020B0502040204020203" pitchFamily="34" charset="0"/>
+              <a:cs typeface="Segoe UI" panose="020B0502040204020203" pitchFamily="34" charset="0"/>
+            </a:rPr>
+            <a:t> </a:t>
+          </a:r>
+          <a:r>
+            <a:rPr lang="en-US" sz="1900" kern="1200" dirty="0" err="1">
               <a:latin typeface="Segoe UI" panose="020B0502040204020203" pitchFamily="34" charset="0"/>
               <a:cs typeface="Segoe UI" panose="020B0502040204020203" pitchFamily="34" charset="0"/>
             </a:rPr>
             <a:t>để</a:t>
           </a:r>
           <a:r>
-            <a:rPr lang="en-US" sz="1700" kern="1200" dirty="0">
-              <a:latin typeface="Segoe UI" panose="020B0502040204020203" pitchFamily="34" charset="0"/>
-              <a:cs typeface="Segoe UI" panose="020B0502040204020203" pitchFamily="34" charset="0"/>
-            </a:rPr>
-            <a:t> </a:t>
-          </a:r>
-          <a:r>
-            <a:rPr lang="en-US" sz="1700" kern="1200" dirty="0" err="1">
+            <a:rPr lang="en-US" sz="1900" kern="1200" dirty="0">
+              <a:latin typeface="Segoe UI" panose="020B0502040204020203" pitchFamily="34" charset="0"/>
+              <a:cs typeface="Segoe UI" panose="020B0502040204020203" pitchFamily="34" charset="0"/>
+            </a:rPr>
+            <a:t> </a:t>
+          </a:r>
+          <a:r>
+            <a:rPr lang="en-US" sz="1900" kern="1200" dirty="0" err="1">
               <a:latin typeface="Segoe UI" panose="020B0502040204020203" pitchFamily="34" charset="0"/>
               <a:cs typeface="Segoe UI" panose="020B0502040204020203" pitchFamily="34" charset="0"/>
             </a:rPr>
             <a:t>trở</a:t>
           </a:r>
           <a:r>
-            <a:rPr lang="en-US" sz="1700" kern="1200" dirty="0">
-              <a:latin typeface="Segoe UI" panose="020B0502040204020203" pitchFamily="34" charset="0"/>
-              <a:cs typeface="Segoe UI" panose="020B0502040204020203" pitchFamily="34" charset="0"/>
-            </a:rPr>
-            <a:t> </a:t>
-          </a:r>
-          <a:r>
-            <a:rPr lang="en-US" sz="1700" kern="1200" dirty="0" err="1">
+            <a:rPr lang="en-US" sz="1900" kern="1200" dirty="0">
+              <a:latin typeface="Segoe UI" panose="020B0502040204020203" pitchFamily="34" charset="0"/>
+              <a:cs typeface="Segoe UI" panose="020B0502040204020203" pitchFamily="34" charset="0"/>
+            </a:rPr>
+            <a:t> </a:t>
+          </a:r>
+          <a:r>
+            <a:rPr lang="en-US" sz="1900" kern="1200" dirty="0" err="1">
               <a:latin typeface="Segoe UI" panose="020B0502040204020203" pitchFamily="34" charset="0"/>
               <a:cs typeface="Segoe UI" panose="020B0502040204020203" pitchFamily="34" charset="0"/>
             </a:rPr>
             <a:t>nên</a:t>
           </a:r>
           <a:r>
-            <a:rPr lang="en-US" sz="1700" kern="1200" dirty="0">
-              <a:latin typeface="Segoe UI" panose="020B0502040204020203" pitchFamily="34" charset="0"/>
-              <a:cs typeface="Segoe UI" panose="020B0502040204020203" pitchFamily="34" charset="0"/>
-            </a:rPr>
-            <a:t> </a:t>
-          </a:r>
-          <a:r>
-            <a:rPr lang="en-US" sz="1700" kern="1200" dirty="0" err="1">
+            <a:rPr lang="en-US" sz="1900" kern="1200" dirty="0">
+              <a:latin typeface="Segoe UI" panose="020B0502040204020203" pitchFamily="34" charset="0"/>
+              <a:cs typeface="Segoe UI" panose="020B0502040204020203" pitchFamily="34" charset="0"/>
+            </a:rPr>
+            <a:t> </a:t>
+          </a:r>
+          <a:r>
+            <a:rPr lang="en-US" sz="1900" kern="1200" dirty="0" err="1">
               <a:latin typeface="Segoe UI" panose="020B0502040204020203" pitchFamily="34" charset="0"/>
               <a:cs typeface="Segoe UI" panose="020B0502040204020203" pitchFamily="34" charset="0"/>
             </a:rPr>
             <a:t>tốt</a:t>
           </a:r>
           <a:r>
-            <a:rPr lang="en-US" sz="1700" kern="1200" dirty="0">
-              <a:latin typeface="Segoe UI" panose="020B0502040204020203" pitchFamily="34" charset="0"/>
-              <a:cs typeface="Segoe UI" panose="020B0502040204020203" pitchFamily="34" charset="0"/>
-            </a:rPr>
-            <a:t> </a:t>
-          </a:r>
-          <a:r>
-            <a:rPr lang="en-US" sz="1700" kern="1200" dirty="0" err="1">
+            <a:rPr lang="en-US" sz="1900" kern="1200" dirty="0">
+              <a:latin typeface="Segoe UI" panose="020B0502040204020203" pitchFamily="34" charset="0"/>
+              <a:cs typeface="Segoe UI" panose="020B0502040204020203" pitchFamily="34" charset="0"/>
+            </a:rPr>
+            <a:t> </a:t>
+          </a:r>
+          <a:r>
+            <a:rPr lang="en-US" sz="1900" kern="1200" dirty="0" err="1">
               <a:latin typeface="Segoe UI" panose="020B0502040204020203" pitchFamily="34" charset="0"/>
               <a:cs typeface="Segoe UI" panose="020B0502040204020203" pitchFamily="34" charset="0"/>
             </a:rPr>
             <a:t>hơn</a:t>
           </a:r>
           <a:r>
-            <a:rPr lang="en-US" sz="1700" kern="1200" dirty="0">
+            <a:rPr lang="en-US" sz="1900" kern="1200" dirty="0">
               <a:latin typeface="Segoe UI" panose="020B0502040204020203" pitchFamily="34" charset="0"/>
               <a:cs typeface="Segoe UI" panose="020B0502040204020203" pitchFamily="34" charset="0"/>
             </a:rPr>
@@ -14951,8 +14942,8 @@
         </a:p>
       </dsp:txBody>
       <dsp:txXfrm>
-        <a:off x="8729657" y="483"/>
-        <a:ext cx="2470074" cy="1482044"/>
+        <a:off x="9027273" y="2668"/>
+        <a:ext cx="2728871" cy="1637322"/>
       </dsp:txXfrm>
     </dsp:sp>
     <dsp:sp modelId="{EBB156CE-781E-4265-A3E4-FB79A108ADDE}">
@@ -14962,8 +14953,8 @@
       </dsp:nvSpPr>
       <dsp:spPr>
         <a:xfrm>
-          <a:off x="578411" y="1729535"/>
-          <a:ext cx="2470074" cy="1482044"/>
+          <a:off x="21997" y="1912879"/>
+          <a:ext cx="2728871" cy="1637322"/>
         </a:xfrm>
         <a:prstGeom prst="rect">
           <a:avLst/>
@@ -15004,12 +14995,12 @@
         </a:fontRef>
       </dsp:style>
       <dsp:txBody>
-        <a:bodyPr spcFirstLastPara="0" vert="horz" wrap="square" lIns="64770" tIns="64770" rIns="64770" bIns="64770" numCol="1" spcCol="1270" anchor="ctr" anchorCtr="0">
+        <a:bodyPr spcFirstLastPara="0" vert="horz" wrap="square" lIns="72390" tIns="72390" rIns="72390" bIns="72390" numCol="1" spcCol="1270" anchor="ctr" anchorCtr="0">
           <a:noAutofit/>
         </a:bodyPr>
         <a:lstStyle/>
         <a:p>
-          <a:pPr marL="0" lvl="0" indent="0" algn="ctr" defTabSz="755650">
+          <a:pPr marL="0" lvl="0" indent="0" algn="ctr" defTabSz="844550">
             <a:lnSpc>
               <a:spcPct val="90000"/>
             </a:lnSpc>
@@ -15022,280 +15013,280 @@
             <a:buNone/>
           </a:pPr>
           <a:r>
-            <a:rPr lang="en-US" sz="1700" kern="1200" dirty="0" err="1">
+            <a:rPr lang="en-US" sz="1900" kern="1200" dirty="0" err="1">
               <a:latin typeface="Segoe UI" panose="020B0502040204020203" pitchFamily="34" charset="0"/>
               <a:cs typeface="Segoe UI" panose="020B0502040204020203" pitchFamily="34" charset="0"/>
             </a:rPr>
             <a:t>Nâng</a:t>
           </a:r>
           <a:r>
-            <a:rPr lang="en-US" sz="1700" kern="1200" dirty="0">
-              <a:latin typeface="Segoe UI" panose="020B0502040204020203" pitchFamily="34" charset="0"/>
-              <a:cs typeface="Segoe UI" panose="020B0502040204020203" pitchFamily="34" charset="0"/>
-            </a:rPr>
-            <a:t> </a:t>
-          </a:r>
-          <a:r>
-            <a:rPr lang="en-US" sz="1700" kern="1200" dirty="0" err="1">
+            <a:rPr lang="en-US" sz="1900" kern="1200" dirty="0">
+              <a:latin typeface="Segoe UI" panose="020B0502040204020203" pitchFamily="34" charset="0"/>
+              <a:cs typeface="Segoe UI" panose="020B0502040204020203" pitchFamily="34" charset="0"/>
+            </a:rPr>
+            <a:t> </a:t>
+          </a:r>
+          <a:r>
+            <a:rPr lang="en-US" sz="1900" kern="1200" dirty="0" err="1">
               <a:latin typeface="Segoe UI" panose="020B0502040204020203" pitchFamily="34" charset="0"/>
               <a:cs typeface="Segoe UI" panose="020B0502040204020203" pitchFamily="34" charset="0"/>
             </a:rPr>
             <a:t>cao</a:t>
           </a:r>
           <a:r>
-            <a:rPr lang="en-US" sz="1700" kern="1200" dirty="0">
-              <a:latin typeface="Segoe UI" panose="020B0502040204020203" pitchFamily="34" charset="0"/>
-              <a:cs typeface="Segoe UI" panose="020B0502040204020203" pitchFamily="34" charset="0"/>
-            </a:rPr>
-            <a:t> </a:t>
-          </a:r>
-          <a:r>
-            <a:rPr lang="en-US" sz="1700" kern="1200" dirty="0" err="1">
+            <a:rPr lang="en-US" sz="1900" kern="1200" dirty="0">
+              <a:latin typeface="Segoe UI" panose="020B0502040204020203" pitchFamily="34" charset="0"/>
+              <a:cs typeface="Segoe UI" panose="020B0502040204020203" pitchFamily="34" charset="0"/>
+            </a:rPr>
+            <a:t> </a:t>
+          </a:r>
+          <a:r>
+            <a:rPr lang="en-US" sz="1900" kern="1200" dirty="0" err="1">
               <a:latin typeface="Segoe UI" panose="020B0502040204020203" pitchFamily="34" charset="0"/>
               <a:cs typeface="Segoe UI" panose="020B0502040204020203" pitchFamily="34" charset="0"/>
             </a:rPr>
             <a:t>kỹ</a:t>
           </a:r>
           <a:r>
-            <a:rPr lang="en-US" sz="1700" kern="1200" dirty="0">
-              <a:latin typeface="Segoe UI" panose="020B0502040204020203" pitchFamily="34" charset="0"/>
-              <a:cs typeface="Segoe UI" panose="020B0502040204020203" pitchFamily="34" charset="0"/>
-            </a:rPr>
-            <a:t> </a:t>
-          </a:r>
-          <a:r>
-            <a:rPr lang="en-US" sz="1700" kern="1200" dirty="0" err="1">
+            <a:rPr lang="en-US" sz="1900" kern="1200" dirty="0">
+              <a:latin typeface="Segoe UI" panose="020B0502040204020203" pitchFamily="34" charset="0"/>
+              <a:cs typeface="Segoe UI" panose="020B0502040204020203" pitchFamily="34" charset="0"/>
+            </a:rPr>
+            <a:t> </a:t>
+          </a:r>
+          <a:r>
+            <a:rPr lang="en-US" sz="1900" kern="1200" dirty="0" err="1">
               <a:latin typeface="Segoe UI" panose="020B0502040204020203" pitchFamily="34" charset="0"/>
               <a:cs typeface="Segoe UI" panose="020B0502040204020203" pitchFamily="34" charset="0"/>
             </a:rPr>
             <a:t>năng</a:t>
           </a:r>
           <a:r>
-            <a:rPr lang="en-US" sz="1700" kern="1200" dirty="0">
-              <a:latin typeface="Segoe UI" panose="020B0502040204020203" pitchFamily="34" charset="0"/>
-              <a:cs typeface="Segoe UI" panose="020B0502040204020203" pitchFamily="34" charset="0"/>
-            </a:rPr>
-            <a:t> </a:t>
-          </a:r>
-          <a:r>
-            <a:rPr lang="en-US" sz="1700" kern="1200" dirty="0" err="1">
+            <a:rPr lang="en-US" sz="1900" kern="1200" dirty="0">
+              <a:latin typeface="Segoe UI" panose="020B0502040204020203" pitchFamily="34" charset="0"/>
+              <a:cs typeface="Segoe UI" panose="020B0502040204020203" pitchFamily="34" charset="0"/>
+            </a:rPr>
+            <a:t> </a:t>
+          </a:r>
+          <a:r>
+            <a:rPr lang="en-US" sz="1900" kern="1200" dirty="0" err="1">
               <a:latin typeface="Segoe UI" panose="020B0502040204020203" pitchFamily="34" charset="0"/>
               <a:cs typeface="Segoe UI" panose="020B0502040204020203" pitchFamily="34" charset="0"/>
             </a:rPr>
             <a:t>ước</a:t>
           </a:r>
           <a:r>
-            <a:rPr lang="en-US" sz="1700" kern="1200" dirty="0">
-              <a:latin typeface="Segoe UI" panose="020B0502040204020203" pitchFamily="34" charset="0"/>
-              <a:cs typeface="Segoe UI" panose="020B0502040204020203" pitchFamily="34" charset="0"/>
-            </a:rPr>
-            <a:t> </a:t>
-          </a:r>
-          <a:r>
-            <a:rPr lang="en-US" sz="1700" kern="1200" dirty="0" err="1">
+            <a:rPr lang="en-US" sz="1900" kern="1200" dirty="0">
+              <a:latin typeface="Segoe UI" panose="020B0502040204020203" pitchFamily="34" charset="0"/>
+              <a:cs typeface="Segoe UI" panose="020B0502040204020203" pitchFamily="34" charset="0"/>
+            </a:rPr>
+            <a:t> </a:t>
+          </a:r>
+          <a:r>
+            <a:rPr lang="en-US" sz="1900" kern="1200" dirty="0" err="1">
               <a:latin typeface="Segoe UI" panose="020B0502040204020203" pitchFamily="34" charset="0"/>
               <a:cs typeface="Segoe UI" panose="020B0502040204020203" pitchFamily="34" charset="0"/>
             </a:rPr>
             <a:t>lượng</a:t>
           </a:r>
           <a:r>
-            <a:rPr lang="en-US" sz="1700" kern="1200" dirty="0">
+            <a:rPr lang="en-US" sz="1900" kern="1200" dirty="0">
               <a:latin typeface="Segoe UI" panose="020B0502040204020203" pitchFamily="34" charset="0"/>
               <a:cs typeface="Segoe UI" panose="020B0502040204020203" pitchFamily="34" charset="0"/>
             </a:rPr>
             <a:t>, </a:t>
           </a:r>
           <a:r>
-            <a:rPr lang="en-US" sz="1700" kern="1200" dirty="0" err="1">
+            <a:rPr lang="en-US" sz="1900" kern="1200" dirty="0" err="1">
               <a:latin typeface="Segoe UI" panose="020B0502040204020203" pitchFamily="34" charset="0"/>
               <a:cs typeface="Segoe UI" panose="020B0502040204020203" pitchFamily="34" charset="0"/>
             </a:rPr>
             <a:t>lên</a:t>
           </a:r>
           <a:r>
-            <a:rPr lang="en-US" sz="1700" kern="1200" dirty="0">
-              <a:latin typeface="Segoe UI" panose="020B0502040204020203" pitchFamily="34" charset="0"/>
-              <a:cs typeface="Segoe UI" panose="020B0502040204020203" pitchFamily="34" charset="0"/>
-            </a:rPr>
-            <a:t> </a:t>
-          </a:r>
-          <a:r>
-            <a:rPr lang="en-US" sz="1700" kern="1200" dirty="0" err="1">
+            <a:rPr lang="en-US" sz="1900" kern="1200" dirty="0">
+              <a:latin typeface="Segoe UI" panose="020B0502040204020203" pitchFamily="34" charset="0"/>
+              <a:cs typeface="Segoe UI" panose="020B0502040204020203" pitchFamily="34" charset="0"/>
+            </a:rPr>
+            <a:t> </a:t>
+          </a:r>
+          <a:r>
+            <a:rPr lang="en-US" sz="1900" kern="1200" dirty="0" err="1">
               <a:latin typeface="Segoe UI" panose="020B0502040204020203" pitchFamily="34" charset="0"/>
               <a:cs typeface="Segoe UI" panose="020B0502040204020203" pitchFamily="34" charset="0"/>
             </a:rPr>
             <a:t>kế</a:t>
           </a:r>
           <a:r>
-            <a:rPr lang="en-US" sz="1700" kern="1200" dirty="0">
-              <a:latin typeface="Segoe UI" panose="020B0502040204020203" pitchFamily="34" charset="0"/>
-              <a:cs typeface="Segoe UI" panose="020B0502040204020203" pitchFamily="34" charset="0"/>
-            </a:rPr>
-            <a:t> </a:t>
-          </a:r>
-          <a:r>
-            <a:rPr lang="en-US" sz="1700" kern="1200" dirty="0" err="1">
+            <a:rPr lang="en-US" sz="1900" kern="1200" dirty="0">
+              <a:latin typeface="Segoe UI" panose="020B0502040204020203" pitchFamily="34" charset="0"/>
+              <a:cs typeface="Segoe UI" panose="020B0502040204020203" pitchFamily="34" charset="0"/>
+            </a:rPr>
+            <a:t> </a:t>
+          </a:r>
+          <a:r>
+            <a:rPr lang="en-US" sz="1900" kern="1200" dirty="0" err="1">
               <a:latin typeface="Segoe UI" panose="020B0502040204020203" pitchFamily="34" charset="0"/>
               <a:cs typeface="Segoe UI" panose="020B0502040204020203" pitchFamily="34" charset="0"/>
             </a:rPr>
             <a:t>hoạch</a:t>
           </a:r>
           <a:r>
-            <a:rPr lang="en-US" sz="1700" kern="1200" dirty="0">
-              <a:latin typeface="Segoe UI" panose="020B0502040204020203" pitchFamily="34" charset="0"/>
-              <a:cs typeface="Segoe UI" panose="020B0502040204020203" pitchFamily="34" charset="0"/>
-            </a:rPr>
-            <a:t> </a:t>
-          </a:r>
-          <a:r>
-            <a:rPr lang="en-US" sz="1700" kern="1200" dirty="0" err="1">
+            <a:rPr lang="en-US" sz="1900" kern="1200" dirty="0">
+              <a:latin typeface="Segoe UI" panose="020B0502040204020203" pitchFamily="34" charset="0"/>
+              <a:cs typeface="Segoe UI" panose="020B0502040204020203" pitchFamily="34" charset="0"/>
+            </a:rPr>
+            <a:t> </a:t>
+          </a:r>
+          <a:r>
+            <a:rPr lang="en-US" sz="1900" kern="1200" dirty="0" err="1">
               <a:latin typeface="Segoe UI" panose="020B0502040204020203" pitchFamily="34" charset="0"/>
               <a:cs typeface="Segoe UI" panose="020B0502040204020203" pitchFamily="34" charset="0"/>
             </a:rPr>
             <a:t>và</a:t>
           </a:r>
           <a:r>
-            <a:rPr lang="en-US" sz="1700" kern="1200" dirty="0">
+            <a:rPr lang="en-US" sz="1900" kern="1200" dirty="0">
               <a:latin typeface="Segoe UI" panose="020B0502040204020203" pitchFamily="34" charset="0"/>
               <a:cs typeface="Segoe UI" panose="020B0502040204020203" pitchFamily="34" charset="0"/>
             </a:rPr>
             <a:t> hoàn </a:t>
           </a:r>
           <a:r>
-            <a:rPr lang="en-US" sz="1700" kern="1200" dirty="0" err="1">
+            <a:rPr lang="en-US" sz="1900" kern="1200" dirty="0" err="1">
               <a:latin typeface="Segoe UI" panose="020B0502040204020203" pitchFamily="34" charset="0"/>
               <a:cs typeface="Segoe UI" panose="020B0502040204020203" pitchFamily="34" charset="0"/>
             </a:rPr>
             <a:t>thành</a:t>
           </a:r>
           <a:r>
-            <a:rPr lang="en-US" sz="1700" kern="1200" dirty="0">
-              <a:latin typeface="Segoe UI" panose="020B0502040204020203" pitchFamily="34" charset="0"/>
-              <a:cs typeface="Segoe UI" panose="020B0502040204020203" pitchFamily="34" charset="0"/>
-            </a:rPr>
-            <a:t> </a:t>
-          </a:r>
-          <a:r>
-            <a:rPr lang="en-US" sz="1700" kern="1200" dirty="0" err="1">
+            <a:rPr lang="en-US" sz="1900" kern="1200" dirty="0">
+              <a:latin typeface="Segoe UI" panose="020B0502040204020203" pitchFamily="34" charset="0"/>
+              <a:cs typeface="Segoe UI" panose="020B0502040204020203" pitchFamily="34" charset="0"/>
+            </a:rPr>
+            <a:t> </a:t>
+          </a:r>
+          <a:r>
+            <a:rPr lang="en-US" sz="1900" kern="1200" dirty="0" err="1">
               <a:latin typeface="Segoe UI" panose="020B0502040204020203" pitchFamily="34" charset="0"/>
               <a:cs typeface="Segoe UI" panose="020B0502040204020203" pitchFamily="34" charset="0"/>
             </a:rPr>
             <a:t>công</a:t>
           </a:r>
           <a:r>
-            <a:rPr lang="en-US" sz="1700" kern="1200" dirty="0">
-              <a:latin typeface="Segoe UI" panose="020B0502040204020203" pitchFamily="34" charset="0"/>
-              <a:cs typeface="Segoe UI" panose="020B0502040204020203" pitchFamily="34" charset="0"/>
-            </a:rPr>
-            <a:t> </a:t>
-          </a:r>
-          <a:r>
-            <a:rPr lang="en-US" sz="1700" kern="1200" dirty="0" err="1">
+            <a:rPr lang="en-US" sz="1900" kern="1200" dirty="0">
+              <a:latin typeface="Segoe UI" panose="020B0502040204020203" pitchFamily="34" charset="0"/>
+              <a:cs typeface="Segoe UI" panose="020B0502040204020203" pitchFamily="34" charset="0"/>
+            </a:rPr>
+            <a:t> </a:t>
+          </a:r>
+          <a:r>
+            <a:rPr lang="en-US" sz="1900" kern="1200" dirty="0" err="1">
               <a:latin typeface="Segoe UI" panose="020B0502040204020203" pitchFamily="34" charset="0"/>
               <a:cs typeface="Segoe UI" panose="020B0502040204020203" pitchFamily="34" charset="0"/>
             </a:rPr>
             <a:t>việc</a:t>
           </a:r>
           <a:r>
-            <a:rPr lang="en-US" sz="1700" kern="1200" dirty="0">
-              <a:latin typeface="Segoe UI" panose="020B0502040204020203" pitchFamily="34" charset="0"/>
-              <a:cs typeface="Segoe UI" panose="020B0502040204020203" pitchFamily="34" charset="0"/>
-            </a:rPr>
-            <a:t> </a:t>
-          </a:r>
-          <a:r>
-            <a:rPr lang="en-US" sz="1700" kern="1200" dirty="0" err="1">
+            <a:rPr lang="en-US" sz="1900" kern="1200" dirty="0">
+              <a:latin typeface="Segoe UI" panose="020B0502040204020203" pitchFamily="34" charset="0"/>
+              <a:cs typeface="Segoe UI" panose="020B0502040204020203" pitchFamily="34" charset="0"/>
+            </a:rPr>
+            <a:t> </a:t>
+          </a:r>
+          <a:r>
+            <a:rPr lang="en-US" sz="1900" kern="1200" dirty="0" err="1">
               <a:latin typeface="Segoe UI" panose="020B0502040204020203" pitchFamily="34" charset="0"/>
               <a:cs typeface="Segoe UI" panose="020B0502040204020203" pitchFamily="34" charset="0"/>
             </a:rPr>
             <a:t>trong</a:t>
           </a:r>
           <a:r>
-            <a:rPr lang="en-US" sz="1700" kern="1200" dirty="0">
-              <a:latin typeface="Segoe UI" panose="020B0502040204020203" pitchFamily="34" charset="0"/>
-              <a:cs typeface="Segoe UI" panose="020B0502040204020203" pitchFamily="34" charset="0"/>
-            </a:rPr>
-            <a:t> </a:t>
-          </a:r>
-          <a:r>
-            <a:rPr lang="en-US" sz="1700" kern="1200" dirty="0" err="1">
+            <a:rPr lang="en-US" sz="1900" kern="1200" dirty="0">
+              <a:latin typeface="Segoe UI" panose="020B0502040204020203" pitchFamily="34" charset="0"/>
+              <a:cs typeface="Segoe UI" panose="020B0502040204020203" pitchFamily="34" charset="0"/>
+            </a:rPr>
+            <a:t> </a:t>
+          </a:r>
+          <a:r>
+            <a:rPr lang="en-US" sz="1900" kern="1200" dirty="0" err="1">
               <a:latin typeface="Segoe UI" panose="020B0502040204020203" pitchFamily="34" charset="0"/>
               <a:cs typeface="Segoe UI" panose="020B0502040204020203" pitchFamily="34" charset="0"/>
             </a:rPr>
             <a:t>một</a:t>
           </a:r>
           <a:r>
-            <a:rPr lang="en-US" sz="1700" kern="1200" dirty="0">
-              <a:latin typeface="Segoe UI" panose="020B0502040204020203" pitchFamily="34" charset="0"/>
-              <a:cs typeface="Segoe UI" panose="020B0502040204020203" pitchFamily="34" charset="0"/>
-            </a:rPr>
-            <a:t> </a:t>
-          </a:r>
-          <a:r>
-            <a:rPr lang="en-US" sz="1700" kern="1200" dirty="0" err="1">
+            <a:rPr lang="en-US" sz="1900" kern="1200" dirty="0">
+              <a:latin typeface="Segoe UI" panose="020B0502040204020203" pitchFamily="34" charset="0"/>
+              <a:cs typeface="Segoe UI" panose="020B0502040204020203" pitchFamily="34" charset="0"/>
+            </a:rPr>
+            <a:t> </a:t>
+          </a:r>
+          <a:r>
+            <a:rPr lang="en-US" sz="1900" kern="1200" dirty="0" err="1">
               <a:latin typeface="Segoe UI" panose="020B0502040204020203" pitchFamily="34" charset="0"/>
               <a:cs typeface="Segoe UI" panose="020B0502040204020203" pitchFamily="34" charset="0"/>
             </a:rPr>
             <a:t>quỹ</a:t>
           </a:r>
           <a:r>
-            <a:rPr lang="en-US" sz="1700" kern="1200" dirty="0">
-              <a:latin typeface="Segoe UI" panose="020B0502040204020203" pitchFamily="34" charset="0"/>
-              <a:cs typeface="Segoe UI" panose="020B0502040204020203" pitchFamily="34" charset="0"/>
-            </a:rPr>
-            <a:t> </a:t>
-          </a:r>
-          <a:r>
-            <a:rPr lang="en-US" sz="1700" kern="1200" dirty="0" err="1">
+            <a:rPr lang="en-US" sz="1900" kern="1200" dirty="0">
+              <a:latin typeface="Segoe UI" panose="020B0502040204020203" pitchFamily="34" charset="0"/>
+              <a:cs typeface="Segoe UI" panose="020B0502040204020203" pitchFamily="34" charset="0"/>
+            </a:rPr>
+            <a:t> </a:t>
+          </a:r>
+          <a:r>
+            <a:rPr lang="en-US" sz="1900" kern="1200" dirty="0" err="1">
               <a:latin typeface="Segoe UI" panose="020B0502040204020203" pitchFamily="34" charset="0"/>
               <a:cs typeface="Segoe UI" panose="020B0502040204020203" pitchFamily="34" charset="0"/>
             </a:rPr>
             <a:t>thời</a:t>
           </a:r>
           <a:r>
-            <a:rPr lang="en-US" sz="1700" kern="1200" dirty="0">
-              <a:latin typeface="Segoe UI" panose="020B0502040204020203" pitchFamily="34" charset="0"/>
-              <a:cs typeface="Segoe UI" panose="020B0502040204020203" pitchFamily="34" charset="0"/>
-            </a:rPr>
-            <a:t> </a:t>
-          </a:r>
-          <a:r>
-            <a:rPr lang="en-US" sz="1700" kern="1200" dirty="0" err="1">
+            <a:rPr lang="en-US" sz="1900" kern="1200" dirty="0">
+              <a:latin typeface="Segoe UI" panose="020B0502040204020203" pitchFamily="34" charset="0"/>
+              <a:cs typeface="Segoe UI" panose="020B0502040204020203" pitchFamily="34" charset="0"/>
+            </a:rPr>
+            <a:t> </a:t>
+          </a:r>
+          <a:r>
+            <a:rPr lang="en-US" sz="1900" kern="1200" dirty="0" err="1">
               <a:latin typeface="Segoe UI" panose="020B0502040204020203" pitchFamily="34" charset="0"/>
               <a:cs typeface="Segoe UI" panose="020B0502040204020203" pitchFamily="34" charset="0"/>
             </a:rPr>
             <a:t>gian</a:t>
           </a:r>
           <a:r>
-            <a:rPr lang="en-US" sz="1700" kern="1200" dirty="0">
-              <a:latin typeface="Segoe UI" panose="020B0502040204020203" pitchFamily="34" charset="0"/>
-              <a:cs typeface="Segoe UI" panose="020B0502040204020203" pitchFamily="34" charset="0"/>
-            </a:rPr>
-            <a:t> </a:t>
-          </a:r>
-          <a:r>
-            <a:rPr lang="en-US" sz="1700" kern="1200" dirty="0" err="1">
+            <a:rPr lang="en-US" sz="1900" kern="1200" dirty="0">
+              <a:latin typeface="Segoe UI" panose="020B0502040204020203" pitchFamily="34" charset="0"/>
+              <a:cs typeface="Segoe UI" panose="020B0502040204020203" pitchFamily="34" charset="0"/>
+            </a:rPr>
+            <a:t> </a:t>
+          </a:r>
+          <a:r>
+            <a:rPr lang="en-US" sz="1900" kern="1200" dirty="0" err="1">
               <a:latin typeface="Segoe UI" panose="020B0502040204020203" pitchFamily="34" charset="0"/>
               <a:cs typeface="Segoe UI" panose="020B0502040204020203" pitchFamily="34" charset="0"/>
             </a:rPr>
             <a:t>có</a:t>
           </a:r>
           <a:r>
-            <a:rPr lang="en-US" sz="1700" kern="1200" dirty="0">
-              <a:latin typeface="Segoe UI" panose="020B0502040204020203" pitchFamily="34" charset="0"/>
-              <a:cs typeface="Segoe UI" panose="020B0502040204020203" pitchFamily="34" charset="0"/>
-            </a:rPr>
-            <a:t> </a:t>
-          </a:r>
-          <a:r>
-            <a:rPr lang="en-US" sz="1700" kern="1200" dirty="0" err="1">
+            <a:rPr lang="en-US" sz="1900" kern="1200" dirty="0">
+              <a:latin typeface="Segoe UI" panose="020B0502040204020203" pitchFamily="34" charset="0"/>
+              <a:cs typeface="Segoe UI" panose="020B0502040204020203" pitchFamily="34" charset="0"/>
+            </a:rPr>
+            <a:t> </a:t>
+          </a:r>
+          <a:r>
+            <a:rPr lang="en-US" sz="1900" kern="1200" dirty="0" err="1">
               <a:latin typeface="Segoe UI" panose="020B0502040204020203" pitchFamily="34" charset="0"/>
               <a:cs typeface="Segoe UI" panose="020B0502040204020203" pitchFamily="34" charset="0"/>
             </a:rPr>
             <a:t>hạn</a:t>
           </a:r>
           <a:r>
-            <a:rPr lang="en-US" sz="1700" kern="1200" dirty="0">
+            <a:rPr lang="en-US" sz="1900" kern="1200" dirty="0">
               <a:latin typeface="Segoe UI" panose="020B0502040204020203" pitchFamily="34" charset="0"/>
               <a:cs typeface="Segoe UI" panose="020B0502040204020203" pitchFamily="34" charset="0"/>
             </a:rPr>
@@ -15304,8 +15295,8 @@
         </a:p>
       </dsp:txBody>
       <dsp:txXfrm>
-        <a:off x="578411" y="1729535"/>
-        <a:ext cx="2470074" cy="1482044"/>
+        <a:off x="21997" y="1912879"/>
+        <a:ext cx="2728871" cy="1637322"/>
       </dsp:txXfrm>
     </dsp:sp>
     <dsp:sp modelId="{CBF5D0F7-C99A-45D1-A78B-BAA1CFD05B46}">
@@ -15315,8 +15306,8 @@
       </dsp:nvSpPr>
       <dsp:spPr>
         <a:xfrm>
-          <a:off x="3295493" y="1729535"/>
-          <a:ext cx="2470074" cy="1482044"/>
+          <a:off x="3023756" y="1912879"/>
+          <a:ext cx="2728871" cy="1637322"/>
         </a:xfrm>
         <a:prstGeom prst="rect">
           <a:avLst/>
@@ -15357,12 +15348,12 @@
         </a:fontRef>
       </dsp:style>
       <dsp:txBody>
-        <a:bodyPr spcFirstLastPara="0" vert="horz" wrap="square" lIns="64770" tIns="64770" rIns="64770" bIns="64770" numCol="1" spcCol="1270" anchor="ctr" anchorCtr="0">
+        <a:bodyPr spcFirstLastPara="0" vert="horz" wrap="square" lIns="72390" tIns="72390" rIns="72390" bIns="72390" numCol="1" spcCol="1270" anchor="ctr" anchorCtr="0">
           <a:noAutofit/>
         </a:bodyPr>
         <a:lstStyle/>
         <a:p>
-          <a:pPr marL="0" lvl="0" indent="0" algn="ctr" defTabSz="755650">
+          <a:pPr marL="0" lvl="0" indent="0" algn="ctr" defTabSz="844550">
             <a:lnSpc>
               <a:spcPct val="90000"/>
             </a:lnSpc>
@@ -15375,182 +15366,182 @@
             <a:buNone/>
           </a:pPr>
           <a:r>
-            <a:rPr lang="en-US" sz="1700" kern="1200" dirty="0" err="1">
+            <a:rPr lang="en-US" sz="1900" kern="1200" dirty="0" err="1">
               <a:latin typeface="Segoe UI" panose="020B0502040204020203" pitchFamily="34" charset="0"/>
               <a:cs typeface="Segoe UI" panose="020B0502040204020203" pitchFamily="34" charset="0"/>
             </a:rPr>
             <a:t>Cải</a:t>
           </a:r>
           <a:r>
-            <a:rPr lang="en-US" sz="1700" kern="1200" dirty="0">
-              <a:latin typeface="Segoe UI" panose="020B0502040204020203" pitchFamily="34" charset="0"/>
-              <a:cs typeface="Segoe UI" panose="020B0502040204020203" pitchFamily="34" charset="0"/>
-            </a:rPr>
-            <a:t> </a:t>
-          </a:r>
-          <a:r>
-            <a:rPr lang="en-US" sz="1700" kern="1200" dirty="0" err="1">
+            <a:rPr lang="en-US" sz="1900" kern="1200" dirty="0">
+              <a:latin typeface="Segoe UI" panose="020B0502040204020203" pitchFamily="34" charset="0"/>
+              <a:cs typeface="Segoe UI" panose="020B0502040204020203" pitchFamily="34" charset="0"/>
+            </a:rPr>
+            <a:t> </a:t>
+          </a:r>
+          <a:r>
+            <a:rPr lang="en-US" sz="1900" kern="1200" dirty="0" err="1">
               <a:latin typeface="Segoe UI" panose="020B0502040204020203" pitchFamily="34" charset="0"/>
               <a:cs typeface="Segoe UI" panose="020B0502040204020203" pitchFamily="34" charset="0"/>
             </a:rPr>
             <a:t>thiện</a:t>
           </a:r>
           <a:r>
-            <a:rPr lang="en-US" sz="1700" kern="1200" dirty="0">
-              <a:latin typeface="Segoe UI" panose="020B0502040204020203" pitchFamily="34" charset="0"/>
-              <a:cs typeface="Segoe UI" panose="020B0502040204020203" pitchFamily="34" charset="0"/>
-            </a:rPr>
-            <a:t> </a:t>
-          </a:r>
-          <a:r>
-            <a:rPr lang="en-US" sz="1700" kern="1200" dirty="0" err="1">
+            <a:rPr lang="en-US" sz="1900" kern="1200" dirty="0">
+              <a:latin typeface="Segoe UI" panose="020B0502040204020203" pitchFamily="34" charset="0"/>
+              <a:cs typeface="Segoe UI" panose="020B0502040204020203" pitchFamily="34" charset="0"/>
+            </a:rPr>
+            <a:t> </a:t>
+          </a:r>
+          <a:r>
+            <a:rPr lang="en-US" sz="1900" kern="1200" dirty="0" err="1">
               <a:latin typeface="Segoe UI" panose="020B0502040204020203" pitchFamily="34" charset="0"/>
               <a:cs typeface="Segoe UI" panose="020B0502040204020203" pitchFamily="34" charset="0"/>
             </a:rPr>
             <a:t>tính</a:t>
           </a:r>
           <a:r>
-            <a:rPr lang="en-US" sz="1700" kern="1200" dirty="0">
-              <a:latin typeface="Segoe UI" panose="020B0502040204020203" pitchFamily="34" charset="0"/>
-              <a:cs typeface="Segoe UI" panose="020B0502040204020203" pitchFamily="34" charset="0"/>
-            </a:rPr>
-            <a:t> </a:t>
-          </a:r>
-          <a:r>
-            <a:rPr lang="en-US" sz="1700" kern="1200" dirty="0" err="1">
+            <a:rPr lang="en-US" sz="1900" kern="1200" dirty="0">
+              <a:latin typeface="Segoe UI" panose="020B0502040204020203" pitchFamily="34" charset="0"/>
+              <a:cs typeface="Segoe UI" panose="020B0502040204020203" pitchFamily="34" charset="0"/>
+            </a:rPr>
+            <a:t> </a:t>
+          </a:r>
+          <a:r>
+            <a:rPr lang="en-US" sz="1900" kern="1200" dirty="0" err="1">
               <a:latin typeface="Segoe UI" panose="020B0502040204020203" pitchFamily="34" charset="0"/>
               <a:cs typeface="Segoe UI" panose="020B0502040204020203" pitchFamily="34" charset="0"/>
             </a:rPr>
             <a:t>tự</a:t>
           </a:r>
           <a:r>
-            <a:rPr lang="en-US" sz="1700" kern="1200" dirty="0">
-              <a:latin typeface="Segoe UI" panose="020B0502040204020203" pitchFamily="34" charset="0"/>
-              <a:cs typeface="Segoe UI" panose="020B0502040204020203" pitchFamily="34" charset="0"/>
-            </a:rPr>
-            <a:t> </a:t>
-          </a:r>
-          <a:r>
-            <a:rPr lang="en-US" sz="1700" kern="1200" dirty="0" err="1">
+            <a:rPr lang="en-US" sz="1900" kern="1200" dirty="0">
+              <a:latin typeface="Segoe UI" panose="020B0502040204020203" pitchFamily="34" charset="0"/>
+              <a:cs typeface="Segoe UI" panose="020B0502040204020203" pitchFamily="34" charset="0"/>
+            </a:rPr>
+            <a:t> </a:t>
+          </a:r>
+          <a:r>
+            <a:rPr lang="en-US" sz="1900" kern="1200" dirty="0" err="1">
               <a:latin typeface="Segoe UI" panose="020B0502040204020203" pitchFamily="34" charset="0"/>
               <a:cs typeface="Segoe UI" panose="020B0502040204020203" pitchFamily="34" charset="0"/>
             </a:rPr>
             <a:t>chủ</a:t>
           </a:r>
           <a:r>
-            <a:rPr lang="en-US" sz="1700" kern="1200" dirty="0">
+            <a:rPr lang="en-US" sz="1900" kern="1200" dirty="0">
               <a:latin typeface="Segoe UI" panose="020B0502040204020203" pitchFamily="34" charset="0"/>
               <a:cs typeface="Segoe UI" panose="020B0502040204020203" pitchFamily="34" charset="0"/>
             </a:rPr>
             <a:t>, </a:t>
           </a:r>
           <a:r>
-            <a:rPr lang="en-US" sz="1700" kern="1200" dirty="0" err="1">
+            <a:rPr lang="en-US" sz="1900" kern="1200" dirty="0" err="1">
               <a:latin typeface="Segoe UI" panose="020B0502040204020203" pitchFamily="34" charset="0"/>
               <a:cs typeface="Segoe UI" panose="020B0502040204020203" pitchFamily="34" charset="0"/>
             </a:rPr>
             <a:t>tự</a:t>
           </a:r>
           <a:r>
-            <a:rPr lang="en-US" sz="1700" kern="1200" dirty="0">
-              <a:latin typeface="Segoe UI" panose="020B0502040204020203" pitchFamily="34" charset="0"/>
-              <a:cs typeface="Segoe UI" panose="020B0502040204020203" pitchFamily="34" charset="0"/>
-            </a:rPr>
-            <a:t> </a:t>
-          </a:r>
-          <a:r>
-            <a:rPr lang="en-US" sz="1700" kern="1200" dirty="0" err="1">
+            <a:rPr lang="en-US" sz="1900" kern="1200" dirty="0">
+              <a:latin typeface="Segoe UI" panose="020B0502040204020203" pitchFamily="34" charset="0"/>
+              <a:cs typeface="Segoe UI" panose="020B0502040204020203" pitchFamily="34" charset="0"/>
+            </a:rPr>
+            <a:t> </a:t>
+          </a:r>
+          <a:r>
+            <a:rPr lang="en-US" sz="1900" kern="1200" dirty="0" err="1">
               <a:latin typeface="Segoe UI" panose="020B0502040204020203" pitchFamily="34" charset="0"/>
               <a:cs typeface="Segoe UI" panose="020B0502040204020203" pitchFamily="34" charset="0"/>
             </a:rPr>
             <a:t>lập</a:t>
           </a:r>
           <a:r>
-            <a:rPr lang="en-US" sz="1700" kern="1200" dirty="0">
-              <a:latin typeface="Segoe UI" panose="020B0502040204020203" pitchFamily="34" charset="0"/>
-              <a:cs typeface="Segoe UI" panose="020B0502040204020203" pitchFamily="34" charset="0"/>
-            </a:rPr>
-            <a:t> </a:t>
-          </a:r>
-          <a:r>
-            <a:rPr lang="en-US" sz="1700" kern="1200" dirty="0" err="1">
+            <a:rPr lang="en-US" sz="1900" kern="1200" dirty="0">
+              <a:latin typeface="Segoe UI" panose="020B0502040204020203" pitchFamily="34" charset="0"/>
+              <a:cs typeface="Segoe UI" panose="020B0502040204020203" pitchFamily="34" charset="0"/>
+            </a:rPr>
+            <a:t> </a:t>
+          </a:r>
+          <a:r>
+            <a:rPr lang="en-US" sz="1900" kern="1200" dirty="0" err="1">
               <a:latin typeface="Segoe UI" panose="020B0502040204020203" pitchFamily="34" charset="0"/>
               <a:cs typeface="Segoe UI" panose="020B0502040204020203" pitchFamily="34" charset="0"/>
             </a:rPr>
             <a:t>và</a:t>
           </a:r>
           <a:r>
-            <a:rPr lang="en-US" sz="1700" kern="1200" dirty="0">
+            <a:rPr lang="en-US" sz="1900" kern="1200" dirty="0">
               <a:latin typeface="Segoe UI" panose="020B0502040204020203" pitchFamily="34" charset="0"/>
               <a:cs typeface="Segoe UI" panose="020B0502040204020203" pitchFamily="34" charset="0"/>
             </a:rPr>
             <a:t> tinh </a:t>
           </a:r>
           <a:r>
-            <a:rPr lang="en-US" sz="1700" kern="1200" dirty="0" err="1">
+            <a:rPr lang="en-US" sz="1900" kern="1200" dirty="0" err="1">
               <a:latin typeface="Segoe UI" panose="020B0502040204020203" pitchFamily="34" charset="0"/>
               <a:cs typeface="Segoe UI" panose="020B0502040204020203" pitchFamily="34" charset="0"/>
             </a:rPr>
             <a:t>thần</a:t>
           </a:r>
           <a:r>
-            <a:rPr lang="en-US" sz="1700" kern="1200" dirty="0">
-              <a:latin typeface="Segoe UI" panose="020B0502040204020203" pitchFamily="34" charset="0"/>
-              <a:cs typeface="Segoe UI" panose="020B0502040204020203" pitchFamily="34" charset="0"/>
-            </a:rPr>
-            <a:t> </a:t>
-          </a:r>
-          <a:r>
-            <a:rPr lang="en-US" sz="1700" kern="1200" dirty="0" err="1">
+            <a:rPr lang="en-US" sz="1900" kern="1200" dirty="0">
+              <a:latin typeface="Segoe UI" panose="020B0502040204020203" pitchFamily="34" charset="0"/>
+              <a:cs typeface="Segoe UI" panose="020B0502040204020203" pitchFamily="34" charset="0"/>
+            </a:rPr>
+            <a:t> </a:t>
+          </a:r>
+          <a:r>
+            <a:rPr lang="en-US" sz="1900" kern="1200" dirty="0" err="1">
               <a:latin typeface="Segoe UI" panose="020B0502040204020203" pitchFamily="34" charset="0"/>
               <a:cs typeface="Segoe UI" panose="020B0502040204020203" pitchFamily="34" charset="0"/>
             </a:rPr>
             <a:t>trách</a:t>
           </a:r>
           <a:r>
-            <a:rPr lang="en-US" sz="1700" kern="1200" dirty="0">
-              <a:latin typeface="Segoe UI" panose="020B0502040204020203" pitchFamily="34" charset="0"/>
-              <a:cs typeface="Segoe UI" panose="020B0502040204020203" pitchFamily="34" charset="0"/>
-            </a:rPr>
-            <a:t> </a:t>
-          </a:r>
-          <a:r>
-            <a:rPr lang="en-US" sz="1700" kern="1200" dirty="0" err="1">
+            <a:rPr lang="en-US" sz="1900" kern="1200" dirty="0">
+              <a:latin typeface="Segoe UI" panose="020B0502040204020203" pitchFamily="34" charset="0"/>
+              <a:cs typeface="Segoe UI" panose="020B0502040204020203" pitchFamily="34" charset="0"/>
+            </a:rPr>
+            <a:t> </a:t>
+          </a:r>
+          <a:r>
+            <a:rPr lang="en-US" sz="1900" kern="1200" dirty="0" err="1">
               <a:latin typeface="Segoe UI" panose="020B0502040204020203" pitchFamily="34" charset="0"/>
               <a:cs typeface="Segoe UI" panose="020B0502040204020203" pitchFamily="34" charset="0"/>
             </a:rPr>
             <a:t>nhiệm</a:t>
           </a:r>
           <a:r>
-            <a:rPr lang="en-US" sz="1700" kern="1200" dirty="0">
-              <a:latin typeface="Segoe UI" panose="020B0502040204020203" pitchFamily="34" charset="0"/>
-              <a:cs typeface="Segoe UI" panose="020B0502040204020203" pitchFamily="34" charset="0"/>
-            </a:rPr>
-            <a:t> </a:t>
-          </a:r>
-          <a:r>
-            <a:rPr lang="en-US" sz="1700" kern="1200" dirty="0" err="1">
+            <a:rPr lang="en-US" sz="1900" kern="1200" dirty="0">
+              <a:latin typeface="Segoe UI" panose="020B0502040204020203" pitchFamily="34" charset="0"/>
+              <a:cs typeface="Segoe UI" panose="020B0502040204020203" pitchFamily="34" charset="0"/>
+            </a:rPr>
+            <a:t> </a:t>
+          </a:r>
+          <a:r>
+            <a:rPr lang="en-US" sz="1900" kern="1200" dirty="0" err="1">
               <a:latin typeface="Segoe UI" panose="020B0502040204020203" pitchFamily="34" charset="0"/>
               <a:cs typeface="Segoe UI" panose="020B0502040204020203" pitchFamily="34" charset="0"/>
             </a:rPr>
             <a:t>công</a:t>
           </a:r>
           <a:r>
-            <a:rPr lang="en-US" sz="1700" kern="1200" dirty="0">
-              <a:latin typeface="Segoe UI" panose="020B0502040204020203" pitchFamily="34" charset="0"/>
-              <a:cs typeface="Segoe UI" panose="020B0502040204020203" pitchFamily="34" charset="0"/>
-            </a:rPr>
-            <a:t> </a:t>
-          </a:r>
-          <a:r>
-            <a:rPr lang="en-US" sz="1700" kern="1200" dirty="0" err="1">
+            <a:rPr lang="en-US" sz="1900" kern="1200" dirty="0">
+              <a:latin typeface="Segoe UI" panose="020B0502040204020203" pitchFamily="34" charset="0"/>
+              <a:cs typeface="Segoe UI" panose="020B0502040204020203" pitchFamily="34" charset="0"/>
+            </a:rPr>
+            <a:t> </a:t>
+          </a:r>
+          <a:r>
+            <a:rPr lang="en-US" sz="1900" kern="1200" dirty="0" err="1">
               <a:latin typeface="Segoe UI" panose="020B0502040204020203" pitchFamily="34" charset="0"/>
               <a:cs typeface="Segoe UI" panose="020B0502040204020203" pitchFamily="34" charset="0"/>
             </a:rPr>
             <a:t>việc</a:t>
           </a:r>
           <a:r>
-            <a:rPr lang="en-US" sz="1700" kern="1200" dirty="0">
+            <a:rPr lang="en-US" sz="1900" kern="1200" dirty="0">
               <a:latin typeface="Segoe UI" panose="020B0502040204020203" pitchFamily="34" charset="0"/>
               <a:cs typeface="Segoe UI" panose="020B0502040204020203" pitchFamily="34" charset="0"/>
             </a:rPr>
@@ -15559,8 +15550,8 @@
         </a:p>
       </dsp:txBody>
       <dsp:txXfrm>
-        <a:off x="3295493" y="1729535"/>
-        <a:ext cx="2470074" cy="1482044"/>
+        <a:off x="3023756" y="1912879"/>
+        <a:ext cx="2728871" cy="1637322"/>
       </dsp:txXfrm>
     </dsp:sp>
     <dsp:sp modelId="{6FAD193C-48B8-4D02-BE30-6AD3C0FEFC07}">
@@ -15570,8 +15561,8 @@
       </dsp:nvSpPr>
       <dsp:spPr>
         <a:xfrm>
-          <a:off x="6012575" y="1729535"/>
-          <a:ext cx="2470074" cy="1482044"/>
+          <a:off x="6025515" y="1912879"/>
+          <a:ext cx="2728871" cy="1637322"/>
         </a:xfrm>
         <a:prstGeom prst="rect">
           <a:avLst/>
@@ -15612,12 +15603,12 @@
         </a:fontRef>
       </dsp:style>
       <dsp:txBody>
-        <a:bodyPr spcFirstLastPara="0" vert="horz" wrap="square" lIns="64770" tIns="64770" rIns="64770" bIns="64770" numCol="1" spcCol="1270" anchor="ctr" anchorCtr="0">
+        <a:bodyPr spcFirstLastPara="0" vert="horz" wrap="square" lIns="72390" tIns="72390" rIns="72390" bIns="72390" numCol="1" spcCol="1270" anchor="ctr" anchorCtr="0">
           <a:noAutofit/>
         </a:bodyPr>
         <a:lstStyle/>
         <a:p>
-          <a:pPr marL="0" lvl="0" indent="0" algn="ctr" defTabSz="755650">
+          <a:pPr marL="0" lvl="0" indent="0" algn="ctr" defTabSz="844550">
             <a:lnSpc>
               <a:spcPct val="90000"/>
             </a:lnSpc>
@@ -15630,182 +15621,182 @@
             <a:buNone/>
           </a:pPr>
           <a:r>
-            <a:rPr lang="en-US" sz="1700" kern="1200" dirty="0" err="1">
+            <a:rPr lang="en-US" sz="1900" kern="1200" dirty="0" err="1">
               <a:latin typeface="Segoe UI" panose="020B0502040204020203" pitchFamily="34" charset="0"/>
               <a:cs typeface="Segoe UI" panose="020B0502040204020203" pitchFamily="34" charset="0"/>
             </a:rPr>
             <a:t>Khả</a:t>
           </a:r>
           <a:r>
-            <a:rPr lang="en-US" sz="1700" kern="1200" dirty="0">
-              <a:latin typeface="Segoe UI" panose="020B0502040204020203" pitchFamily="34" charset="0"/>
-              <a:cs typeface="Segoe UI" panose="020B0502040204020203" pitchFamily="34" charset="0"/>
-            </a:rPr>
-            <a:t> </a:t>
-          </a:r>
-          <a:r>
-            <a:rPr lang="en-US" sz="1700" kern="1200" dirty="0" err="1">
+            <a:rPr lang="en-US" sz="1900" kern="1200" dirty="0">
+              <a:latin typeface="Segoe UI" panose="020B0502040204020203" pitchFamily="34" charset="0"/>
+              <a:cs typeface="Segoe UI" panose="020B0502040204020203" pitchFamily="34" charset="0"/>
+            </a:rPr>
+            <a:t> </a:t>
+          </a:r>
+          <a:r>
+            <a:rPr lang="en-US" sz="1900" kern="1200" dirty="0" err="1">
               <a:latin typeface="Segoe UI" panose="020B0502040204020203" pitchFamily="34" charset="0"/>
               <a:cs typeface="Segoe UI" panose="020B0502040204020203" pitchFamily="34" charset="0"/>
             </a:rPr>
             <a:t>năng</a:t>
           </a:r>
           <a:r>
-            <a:rPr lang="en-US" sz="1700" kern="1200" dirty="0">
-              <a:latin typeface="Segoe UI" panose="020B0502040204020203" pitchFamily="34" charset="0"/>
-              <a:cs typeface="Segoe UI" panose="020B0502040204020203" pitchFamily="34" charset="0"/>
-            </a:rPr>
-            <a:t> </a:t>
-          </a:r>
-          <a:r>
-            <a:rPr lang="en-US" sz="1700" kern="1200" dirty="0" err="1">
+            <a:rPr lang="en-US" sz="1900" kern="1200" dirty="0">
+              <a:latin typeface="Segoe UI" panose="020B0502040204020203" pitchFamily="34" charset="0"/>
+              <a:cs typeface="Segoe UI" panose="020B0502040204020203" pitchFamily="34" charset="0"/>
+            </a:rPr>
+            <a:t> </a:t>
+          </a:r>
+          <a:r>
+            <a:rPr lang="en-US" sz="1900" kern="1200" dirty="0" err="1">
               <a:latin typeface="Segoe UI" panose="020B0502040204020203" pitchFamily="34" charset="0"/>
               <a:cs typeface="Segoe UI" panose="020B0502040204020203" pitchFamily="34" charset="0"/>
             </a:rPr>
             <a:t>tìm</a:t>
           </a:r>
           <a:r>
-            <a:rPr lang="en-US" sz="1700" kern="1200" dirty="0">
-              <a:latin typeface="Segoe UI" panose="020B0502040204020203" pitchFamily="34" charset="0"/>
-              <a:cs typeface="Segoe UI" panose="020B0502040204020203" pitchFamily="34" charset="0"/>
-            </a:rPr>
-            <a:t> </a:t>
-          </a:r>
-          <a:r>
-            <a:rPr lang="en-US" sz="1700" kern="1200" dirty="0" err="1">
+            <a:rPr lang="en-US" sz="1900" kern="1200" dirty="0">
+              <a:latin typeface="Segoe UI" panose="020B0502040204020203" pitchFamily="34" charset="0"/>
+              <a:cs typeface="Segoe UI" panose="020B0502040204020203" pitchFamily="34" charset="0"/>
+            </a:rPr>
+            <a:t> </a:t>
+          </a:r>
+          <a:r>
+            <a:rPr lang="en-US" sz="1900" kern="1200" dirty="0" err="1">
               <a:latin typeface="Segoe UI" panose="020B0502040204020203" pitchFamily="34" charset="0"/>
               <a:cs typeface="Segoe UI" panose="020B0502040204020203" pitchFamily="34" charset="0"/>
             </a:rPr>
             <a:t>kiếm</a:t>
           </a:r>
           <a:r>
-            <a:rPr lang="en-US" sz="1700" kern="1200" dirty="0">
-              <a:latin typeface="Segoe UI" panose="020B0502040204020203" pitchFamily="34" charset="0"/>
-              <a:cs typeface="Segoe UI" panose="020B0502040204020203" pitchFamily="34" charset="0"/>
-            </a:rPr>
-            <a:t> </a:t>
-          </a:r>
-          <a:r>
-            <a:rPr lang="en-US" sz="1700" kern="1200" dirty="0" err="1">
+            <a:rPr lang="en-US" sz="1900" kern="1200" dirty="0">
+              <a:latin typeface="Segoe UI" panose="020B0502040204020203" pitchFamily="34" charset="0"/>
+              <a:cs typeface="Segoe UI" panose="020B0502040204020203" pitchFamily="34" charset="0"/>
+            </a:rPr>
+            <a:t> </a:t>
+          </a:r>
+          <a:r>
+            <a:rPr lang="en-US" sz="1900" kern="1200" dirty="0" err="1">
               <a:latin typeface="Segoe UI" panose="020B0502040204020203" pitchFamily="34" charset="0"/>
               <a:cs typeface="Segoe UI" panose="020B0502040204020203" pitchFamily="34" charset="0"/>
             </a:rPr>
             <a:t>và</a:t>
           </a:r>
           <a:r>
-            <a:rPr lang="en-US" sz="1700" kern="1200" dirty="0">
-              <a:latin typeface="Segoe UI" panose="020B0502040204020203" pitchFamily="34" charset="0"/>
-              <a:cs typeface="Segoe UI" panose="020B0502040204020203" pitchFamily="34" charset="0"/>
-            </a:rPr>
-            <a:t> </a:t>
-          </a:r>
-          <a:r>
-            <a:rPr lang="en-US" sz="1700" kern="1200" dirty="0" err="1">
+            <a:rPr lang="en-US" sz="1900" kern="1200" dirty="0">
+              <a:latin typeface="Segoe UI" panose="020B0502040204020203" pitchFamily="34" charset="0"/>
+              <a:cs typeface="Segoe UI" panose="020B0502040204020203" pitchFamily="34" charset="0"/>
+            </a:rPr>
+            <a:t> </a:t>
+          </a:r>
+          <a:r>
+            <a:rPr lang="en-US" sz="1900" kern="1200" dirty="0" err="1">
               <a:latin typeface="Segoe UI" panose="020B0502040204020203" pitchFamily="34" charset="0"/>
               <a:cs typeface="Segoe UI" panose="020B0502040204020203" pitchFamily="34" charset="0"/>
             </a:rPr>
             <a:t>đọc</a:t>
           </a:r>
           <a:r>
-            <a:rPr lang="en-US" sz="1700" kern="1200" dirty="0">
-              <a:latin typeface="Segoe UI" panose="020B0502040204020203" pitchFamily="34" charset="0"/>
-              <a:cs typeface="Segoe UI" panose="020B0502040204020203" pitchFamily="34" charset="0"/>
-            </a:rPr>
-            <a:t> </a:t>
-          </a:r>
-          <a:r>
-            <a:rPr lang="en-US" sz="1700" kern="1200" dirty="0" err="1">
+            <a:rPr lang="en-US" sz="1900" kern="1200" dirty="0">
+              <a:latin typeface="Segoe UI" panose="020B0502040204020203" pitchFamily="34" charset="0"/>
+              <a:cs typeface="Segoe UI" panose="020B0502040204020203" pitchFamily="34" charset="0"/>
+            </a:rPr>
+            <a:t> </a:t>
+          </a:r>
+          <a:r>
+            <a:rPr lang="en-US" sz="1900" kern="1200" dirty="0" err="1">
               <a:latin typeface="Segoe UI" panose="020B0502040204020203" pitchFamily="34" charset="0"/>
               <a:cs typeface="Segoe UI" panose="020B0502040204020203" pitchFamily="34" charset="0"/>
             </a:rPr>
             <a:t>hiểu</a:t>
           </a:r>
           <a:r>
-            <a:rPr lang="en-US" sz="1700" kern="1200" dirty="0">
+            <a:rPr lang="en-US" sz="1900" kern="1200" dirty="0">
               <a:latin typeface="Segoe UI" panose="020B0502040204020203" pitchFamily="34" charset="0"/>
               <a:cs typeface="Segoe UI" panose="020B0502040204020203" pitchFamily="34" charset="0"/>
             </a:rPr>
             <a:t> tài </a:t>
           </a:r>
           <a:r>
-            <a:rPr lang="en-US" sz="1700" kern="1200" dirty="0" err="1">
+            <a:rPr lang="en-US" sz="1900" kern="1200" dirty="0" err="1">
               <a:latin typeface="Segoe UI" panose="020B0502040204020203" pitchFamily="34" charset="0"/>
               <a:cs typeface="Segoe UI" panose="020B0502040204020203" pitchFamily="34" charset="0"/>
             </a:rPr>
             <a:t>liệu</a:t>
           </a:r>
           <a:r>
-            <a:rPr lang="en-US" sz="1700" kern="1200" dirty="0">
+            <a:rPr lang="en-US" sz="1900" kern="1200" dirty="0">
               <a:latin typeface="Segoe UI" panose="020B0502040204020203" pitchFamily="34" charset="0"/>
               <a:cs typeface="Segoe UI" panose="020B0502040204020203" pitchFamily="34" charset="0"/>
             </a:rPr>
             <a:t>, </a:t>
           </a:r>
           <a:r>
-            <a:rPr lang="en-US" sz="1700" kern="1200" dirty="0" err="1">
+            <a:rPr lang="en-US" sz="1900" kern="1200" dirty="0" err="1">
               <a:latin typeface="Segoe UI" panose="020B0502040204020203" pitchFamily="34" charset="0"/>
               <a:cs typeface="Segoe UI" panose="020B0502040204020203" pitchFamily="34" charset="0"/>
             </a:rPr>
             <a:t>sách</a:t>
           </a:r>
           <a:r>
-            <a:rPr lang="en-US" sz="1700" kern="1200" dirty="0">
-              <a:latin typeface="Segoe UI" panose="020B0502040204020203" pitchFamily="34" charset="0"/>
-              <a:cs typeface="Segoe UI" panose="020B0502040204020203" pitchFamily="34" charset="0"/>
-            </a:rPr>
-            <a:t> </a:t>
-          </a:r>
-          <a:r>
-            <a:rPr lang="en-US" sz="1700" kern="1200" dirty="0" err="1">
+            <a:rPr lang="en-US" sz="1900" kern="1200" dirty="0">
+              <a:latin typeface="Segoe UI" panose="020B0502040204020203" pitchFamily="34" charset="0"/>
+              <a:cs typeface="Segoe UI" panose="020B0502040204020203" pitchFamily="34" charset="0"/>
+            </a:rPr>
+            <a:t> </a:t>
+          </a:r>
+          <a:r>
+            <a:rPr lang="en-US" sz="1900" kern="1200" dirty="0" err="1">
               <a:latin typeface="Segoe UI" panose="020B0502040204020203" pitchFamily="34" charset="0"/>
               <a:cs typeface="Segoe UI" panose="020B0502040204020203" pitchFamily="34" charset="0"/>
             </a:rPr>
             <a:t>báo</a:t>
           </a:r>
           <a:r>
-            <a:rPr lang="en-US" sz="1700" kern="1200" dirty="0">
-              <a:latin typeface="Segoe UI" panose="020B0502040204020203" pitchFamily="34" charset="0"/>
-              <a:cs typeface="Segoe UI" panose="020B0502040204020203" pitchFamily="34" charset="0"/>
-            </a:rPr>
-            <a:t> </a:t>
-          </a:r>
-          <a:r>
-            <a:rPr lang="en-US" sz="1700" kern="1200" dirty="0" err="1">
+            <a:rPr lang="en-US" sz="1900" kern="1200" dirty="0">
+              <a:latin typeface="Segoe UI" panose="020B0502040204020203" pitchFamily="34" charset="0"/>
+              <a:cs typeface="Segoe UI" panose="020B0502040204020203" pitchFamily="34" charset="0"/>
+            </a:rPr>
+            <a:t> </a:t>
+          </a:r>
+          <a:r>
+            <a:rPr lang="en-US" sz="1900" kern="1200" dirty="0" err="1">
               <a:latin typeface="Segoe UI" panose="020B0502040204020203" pitchFamily="34" charset="0"/>
               <a:cs typeface="Segoe UI" panose="020B0502040204020203" pitchFamily="34" charset="0"/>
             </a:rPr>
             <a:t>được</a:t>
           </a:r>
           <a:r>
-            <a:rPr lang="en-US" sz="1700" kern="1200" dirty="0">
-              <a:latin typeface="Segoe UI" panose="020B0502040204020203" pitchFamily="34" charset="0"/>
-              <a:cs typeface="Segoe UI" panose="020B0502040204020203" pitchFamily="34" charset="0"/>
-            </a:rPr>
-            <a:t> </a:t>
-          </a:r>
-          <a:r>
-            <a:rPr lang="en-US" sz="1700" kern="1200" dirty="0" err="1">
+            <a:rPr lang="en-US" sz="1900" kern="1200" dirty="0">
+              <a:latin typeface="Segoe UI" panose="020B0502040204020203" pitchFamily="34" charset="0"/>
+              <a:cs typeface="Segoe UI" panose="020B0502040204020203" pitchFamily="34" charset="0"/>
+            </a:rPr>
+            <a:t> </a:t>
+          </a:r>
+          <a:r>
+            <a:rPr lang="en-US" sz="1900" kern="1200" dirty="0" err="1">
               <a:latin typeface="Segoe UI" panose="020B0502040204020203" pitchFamily="34" charset="0"/>
               <a:cs typeface="Segoe UI" panose="020B0502040204020203" pitchFamily="34" charset="0"/>
             </a:rPr>
             <a:t>nâng</a:t>
           </a:r>
           <a:r>
-            <a:rPr lang="en-US" sz="1700" kern="1200" dirty="0">
-              <a:latin typeface="Segoe UI" panose="020B0502040204020203" pitchFamily="34" charset="0"/>
-              <a:cs typeface="Segoe UI" panose="020B0502040204020203" pitchFamily="34" charset="0"/>
-            </a:rPr>
-            <a:t> </a:t>
-          </a:r>
-          <a:r>
-            <a:rPr lang="en-US" sz="1700" kern="1200" dirty="0" err="1">
+            <a:rPr lang="en-US" sz="1900" kern="1200" dirty="0">
+              <a:latin typeface="Segoe UI" panose="020B0502040204020203" pitchFamily="34" charset="0"/>
+              <a:cs typeface="Segoe UI" panose="020B0502040204020203" pitchFamily="34" charset="0"/>
+            </a:rPr>
+            <a:t> </a:t>
+          </a:r>
+          <a:r>
+            <a:rPr lang="en-US" sz="1900" kern="1200" dirty="0" err="1">
               <a:latin typeface="Segoe UI" panose="020B0502040204020203" pitchFamily="34" charset="0"/>
               <a:cs typeface="Segoe UI" panose="020B0502040204020203" pitchFamily="34" charset="0"/>
             </a:rPr>
             <a:t>cao</a:t>
           </a:r>
           <a:r>
-            <a:rPr lang="en-US" sz="1700" kern="1200" dirty="0">
+            <a:rPr lang="en-US" sz="1900" kern="1200" dirty="0">
               <a:latin typeface="Segoe UI" panose="020B0502040204020203" pitchFamily="34" charset="0"/>
               <a:cs typeface="Segoe UI" panose="020B0502040204020203" pitchFamily="34" charset="0"/>
             </a:rPr>
@@ -15814,8 +15805,8 @@
         </a:p>
       </dsp:txBody>
       <dsp:txXfrm>
-        <a:off x="6012575" y="1729535"/>
-        <a:ext cx="2470074" cy="1482044"/>
+        <a:off x="6025515" y="1912879"/>
+        <a:ext cx="2728871" cy="1637322"/>
       </dsp:txXfrm>
     </dsp:sp>
     <dsp:sp modelId="{A4BCAB88-085F-4AC6-802B-9F6E87796E7F}">
@@ -15825,8 +15816,8 @@
       </dsp:nvSpPr>
       <dsp:spPr>
         <a:xfrm>
-          <a:off x="8729657" y="1729535"/>
-          <a:ext cx="2470074" cy="1482044"/>
+          <a:off x="9027273" y="1912879"/>
+          <a:ext cx="2728871" cy="1637322"/>
         </a:xfrm>
         <a:prstGeom prst="rect">
           <a:avLst/>
@@ -15867,12 +15858,12 @@
         </a:fontRef>
       </dsp:style>
       <dsp:txBody>
-        <a:bodyPr spcFirstLastPara="0" vert="horz" wrap="square" lIns="64770" tIns="64770" rIns="64770" bIns="64770" numCol="1" spcCol="1270" anchor="ctr" anchorCtr="0">
+        <a:bodyPr spcFirstLastPara="0" vert="horz" wrap="square" lIns="72390" tIns="72390" rIns="72390" bIns="72390" numCol="1" spcCol="1270" anchor="ctr" anchorCtr="0">
           <a:noAutofit/>
         </a:bodyPr>
         <a:lstStyle/>
         <a:p>
-          <a:pPr marL="0" lvl="0" indent="0" algn="ctr" defTabSz="755650">
+          <a:pPr marL="0" lvl="0" indent="0" algn="ctr" defTabSz="844550">
             <a:lnSpc>
               <a:spcPct val="90000"/>
             </a:lnSpc>
@@ -15885,154 +15876,154 @@
             <a:buNone/>
           </a:pPr>
           <a:r>
-            <a:rPr lang="en-US" sz="1700" kern="1200" dirty="0" err="1">
+            <a:rPr lang="en-US" sz="1900" kern="1200" dirty="0" err="1">
               <a:latin typeface="Segoe UI" panose="020B0502040204020203" pitchFamily="34" charset="0"/>
               <a:cs typeface="Segoe UI" panose="020B0502040204020203" pitchFamily="34" charset="0"/>
             </a:rPr>
             <a:t>Thói</a:t>
           </a:r>
           <a:r>
-            <a:rPr lang="en-US" sz="1700" kern="1200" dirty="0">
-              <a:latin typeface="Segoe UI" panose="020B0502040204020203" pitchFamily="34" charset="0"/>
-              <a:cs typeface="Segoe UI" panose="020B0502040204020203" pitchFamily="34" charset="0"/>
-            </a:rPr>
-            <a:t> </a:t>
-          </a:r>
-          <a:r>
-            <a:rPr lang="en-US" sz="1700" kern="1200" dirty="0" err="1">
+            <a:rPr lang="en-US" sz="1900" kern="1200" dirty="0">
+              <a:latin typeface="Segoe UI" panose="020B0502040204020203" pitchFamily="34" charset="0"/>
+              <a:cs typeface="Segoe UI" panose="020B0502040204020203" pitchFamily="34" charset="0"/>
+            </a:rPr>
+            <a:t> </a:t>
+          </a:r>
+          <a:r>
+            <a:rPr lang="en-US" sz="1900" kern="1200" dirty="0" err="1">
               <a:latin typeface="Segoe UI" panose="020B0502040204020203" pitchFamily="34" charset="0"/>
               <a:cs typeface="Segoe UI" panose="020B0502040204020203" pitchFamily="34" charset="0"/>
             </a:rPr>
             <a:t>quen</a:t>
           </a:r>
           <a:r>
-            <a:rPr lang="en-US" sz="1700" kern="1200" dirty="0">
-              <a:latin typeface="Segoe UI" panose="020B0502040204020203" pitchFamily="34" charset="0"/>
-              <a:cs typeface="Segoe UI" panose="020B0502040204020203" pitchFamily="34" charset="0"/>
-            </a:rPr>
-            <a:t> </a:t>
-          </a:r>
-          <a:r>
-            <a:rPr lang="en-US" sz="1700" kern="1200" dirty="0" err="1">
+            <a:rPr lang="en-US" sz="1900" kern="1200" dirty="0">
+              <a:latin typeface="Segoe UI" panose="020B0502040204020203" pitchFamily="34" charset="0"/>
+              <a:cs typeface="Segoe UI" panose="020B0502040204020203" pitchFamily="34" charset="0"/>
+            </a:rPr>
+            <a:t> </a:t>
+          </a:r>
+          <a:r>
+            <a:rPr lang="en-US" sz="1900" kern="1200" dirty="0" err="1">
               <a:latin typeface="Segoe UI" panose="020B0502040204020203" pitchFamily="34" charset="0"/>
               <a:cs typeface="Segoe UI" panose="020B0502040204020203" pitchFamily="34" charset="0"/>
             </a:rPr>
             <a:t>trích</a:t>
           </a:r>
           <a:r>
-            <a:rPr lang="en-US" sz="1700" kern="1200" dirty="0">
-              <a:latin typeface="Segoe UI" panose="020B0502040204020203" pitchFamily="34" charset="0"/>
-              <a:cs typeface="Segoe UI" panose="020B0502040204020203" pitchFamily="34" charset="0"/>
-            </a:rPr>
-            <a:t> </a:t>
-          </a:r>
-          <a:r>
-            <a:rPr lang="en-US" sz="1700" kern="1200" dirty="0" err="1">
+            <a:rPr lang="en-US" sz="1900" kern="1200" dirty="0">
+              <a:latin typeface="Segoe UI" panose="020B0502040204020203" pitchFamily="34" charset="0"/>
+              <a:cs typeface="Segoe UI" panose="020B0502040204020203" pitchFamily="34" charset="0"/>
+            </a:rPr>
+            <a:t> </a:t>
+          </a:r>
+          <a:r>
+            <a:rPr lang="en-US" sz="1900" kern="1200" dirty="0" err="1">
               <a:latin typeface="Segoe UI" panose="020B0502040204020203" pitchFamily="34" charset="0"/>
               <a:cs typeface="Segoe UI" panose="020B0502040204020203" pitchFamily="34" charset="0"/>
             </a:rPr>
             <a:t>dẫn</a:t>
           </a:r>
           <a:r>
-            <a:rPr lang="en-US" sz="1700" kern="1200" dirty="0">
+            <a:rPr lang="en-US" sz="1900" kern="1200" dirty="0">
               <a:latin typeface="Segoe UI" panose="020B0502040204020203" pitchFamily="34" charset="0"/>
               <a:cs typeface="Segoe UI" panose="020B0502040204020203" pitchFamily="34" charset="0"/>
             </a:rPr>
             <a:t> tài </a:t>
           </a:r>
           <a:r>
-            <a:rPr lang="en-US" sz="1700" kern="1200" dirty="0" err="1">
+            <a:rPr lang="en-US" sz="1900" kern="1200" dirty="0" err="1">
               <a:latin typeface="Segoe UI" panose="020B0502040204020203" pitchFamily="34" charset="0"/>
               <a:cs typeface="Segoe UI" panose="020B0502040204020203" pitchFamily="34" charset="0"/>
             </a:rPr>
             <a:t>liệu</a:t>
           </a:r>
           <a:r>
-            <a:rPr lang="en-US" sz="1700" kern="1200" dirty="0">
+            <a:rPr lang="en-US" sz="1900" kern="1200" dirty="0">
               <a:latin typeface="Segoe UI" panose="020B0502040204020203" pitchFamily="34" charset="0"/>
               <a:cs typeface="Segoe UI" panose="020B0502040204020203" pitchFamily="34" charset="0"/>
             </a:rPr>
             <a:t>, ý </a:t>
           </a:r>
           <a:r>
-            <a:rPr lang="en-US" sz="1700" kern="1200" dirty="0" err="1">
+            <a:rPr lang="en-US" sz="1900" kern="1200" dirty="0" err="1">
               <a:latin typeface="Segoe UI" panose="020B0502040204020203" pitchFamily="34" charset="0"/>
               <a:cs typeface="Segoe UI" panose="020B0502040204020203" pitchFamily="34" charset="0"/>
             </a:rPr>
             <a:t>tưởng</a:t>
           </a:r>
           <a:r>
-            <a:rPr lang="en-US" sz="1700" kern="1200" dirty="0">
+            <a:rPr lang="en-US" sz="1900" kern="1200" dirty="0">
               <a:latin typeface="Segoe UI" panose="020B0502040204020203" pitchFamily="34" charset="0"/>
               <a:cs typeface="Segoe UI" panose="020B0502040204020203" pitchFamily="34" charset="0"/>
             </a:rPr>
             <a:t> của </a:t>
           </a:r>
           <a:r>
-            <a:rPr lang="en-US" sz="1700" kern="1200" dirty="0" err="1">
+            <a:rPr lang="en-US" sz="1900" kern="1200" dirty="0" err="1">
               <a:latin typeface="Segoe UI" panose="020B0502040204020203" pitchFamily="34" charset="0"/>
               <a:cs typeface="Segoe UI" panose="020B0502040204020203" pitchFamily="34" charset="0"/>
             </a:rPr>
             <a:t>người</a:t>
           </a:r>
           <a:r>
-            <a:rPr lang="en-US" sz="1700" kern="1200" dirty="0">
-              <a:latin typeface="Segoe UI" panose="020B0502040204020203" pitchFamily="34" charset="0"/>
-              <a:cs typeface="Segoe UI" panose="020B0502040204020203" pitchFamily="34" charset="0"/>
-            </a:rPr>
-            <a:t> </a:t>
-          </a:r>
-          <a:r>
-            <a:rPr lang="en-US" sz="1700" kern="1200" dirty="0" err="1">
+            <a:rPr lang="en-US" sz="1900" kern="1200" dirty="0">
+              <a:latin typeface="Segoe UI" panose="020B0502040204020203" pitchFamily="34" charset="0"/>
+              <a:cs typeface="Segoe UI" panose="020B0502040204020203" pitchFamily="34" charset="0"/>
+            </a:rPr>
+            <a:t> </a:t>
+          </a:r>
+          <a:r>
+            <a:rPr lang="en-US" sz="1900" kern="1200" dirty="0" err="1">
               <a:latin typeface="Segoe UI" panose="020B0502040204020203" pitchFamily="34" charset="0"/>
               <a:cs typeface="Segoe UI" panose="020B0502040204020203" pitchFamily="34" charset="0"/>
             </a:rPr>
             <a:t>khác</a:t>
           </a:r>
           <a:r>
-            <a:rPr lang="en-US" sz="1700" kern="1200" dirty="0">
-              <a:latin typeface="Segoe UI" panose="020B0502040204020203" pitchFamily="34" charset="0"/>
-              <a:cs typeface="Segoe UI" panose="020B0502040204020203" pitchFamily="34" charset="0"/>
-            </a:rPr>
-            <a:t> </a:t>
-          </a:r>
-          <a:r>
-            <a:rPr lang="en-US" sz="1700" kern="1200" dirty="0" err="1">
+            <a:rPr lang="en-US" sz="1900" kern="1200" dirty="0">
+              <a:latin typeface="Segoe UI" panose="020B0502040204020203" pitchFamily="34" charset="0"/>
+              <a:cs typeface="Segoe UI" panose="020B0502040204020203" pitchFamily="34" charset="0"/>
+            </a:rPr>
+            <a:t> </a:t>
+          </a:r>
+          <a:r>
+            <a:rPr lang="en-US" sz="1900" kern="1200" dirty="0" err="1">
               <a:latin typeface="Segoe UI" panose="020B0502040204020203" pitchFamily="34" charset="0"/>
               <a:cs typeface="Segoe UI" panose="020B0502040204020203" pitchFamily="34" charset="0"/>
             </a:rPr>
             <a:t>được</a:t>
           </a:r>
           <a:r>
-            <a:rPr lang="en-US" sz="1700" kern="1200" dirty="0">
-              <a:latin typeface="Segoe UI" panose="020B0502040204020203" pitchFamily="34" charset="0"/>
-              <a:cs typeface="Segoe UI" panose="020B0502040204020203" pitchFamily="34" charset="0"/>
-            </a:rPr>
-            <a:t> </a:t>
-          </a:r>
-          <a:r>
-            <a:rPr lang="en-US" sz="1700" kern="1200" dirty="0" err="1">
+            <a:rPr lang="en-US" sz="1900" kern="1200" dirty="0">
+              <a:latin typeface="Segoe UI" panose="020B0502040204020203" pitchFamily="34" charset="0"/>
+              <a:cs typeface="Segoe UI" panose="020B0502040204020203" pitchFamily="34" charset="0"/>
+            </a:rPr>
+            <a:t> </a:t>
+          </a:r>
+          <a:r>
+            <a:rPr lang="en-US" sz="1900" kern="1200" dirty="0" err="1">
               <a:latin typeface="Segoe UI" panose="020B0502040204020203" pitchFamily="34" charset="0"/>
               <a:cs typeface="Segoe UI" panose="020B0502040204020203" pitchFamily="34" charset="0"/>
             </a:rPr>
             <a:t>hình</a:t>
           </a:r>
           <a:r>
-            <a:rPr lang="en-US" sz="1700" kern="1200" dirty="0">
-              <a:latin typeface="Segoe UI" panose="020B0502040204020203" pitchFamily="34" charset="0"/>
-              <a:cs typeface="Segoe UI" panose="020B0502040204020203" pitchFamily="34" charset="0"/>
-            </a:rPr>
-            <a:t> </a:t>
-          </a:r>
-          <a:r>
-            <a:rPr lang="en-US" sz="1700" kern="1200" dirty="0" err="1">
+            <a:rPr lang="en-US" sz="1900" kern="1200" dirty="0">
+              <a:latin typeface="Segoe UI" panose="020B0502040204020203" pitchFamily="34" charset="0"/>
+              <a:cs typeface="Segoe UI" panose="020B0502040204020203" pitchFamily="34" charset="0"/>
+            </a:rPr>
+            <a:t> </a:t>
+          </a:r>
+          <a:r>
+            <a:rPr lang="en-US" sz="1900" kern="1200" dirty="0" err="1">
               <a:latin typeface="Segoe UI" panose="020B0502040204020203" pitchFamily="34" charset="0"/>
               <a:cs typeface="Segoe UI" panose="020B0502040204020203" pitchFamily="34" charset="0"/>
             </a:rPr>
             <a:t>thành</a:t>
           </a:r>
           <a:r>
-            <a:rPr lang="en-US" sz="1700" kern="1200" dirty="0">
+            <a:rPr lang="en-US" sz="1900" kern="1200" dirty="0">
               <a:latin typeface="Segoe UI" panose="020B0502040204020203" pitchFamily="34" charset="0"/>
               <a:cs typeface="Segoe UI" panose="020B0502040204020203" pitchFamily="34" charset="0"/>
             </a:rPr>
@@ -16041,8 +16032,8 @@
         </a:p>
       </dsp:txBody>
       <dsp:txXfrm>
-        <a:off x="8729657" y="1729535"/>
-        <a:ext cx="2470074" cy="1482044"/>
+        <a:off x="9027273" y="1912879"/>
+        <a:ext cx="2728871" cy="1637322"/>
       </dsp:txXfrm>
     </dsp:sp>
     <dsp:sp modelId="{B7720ABC-ED7B-4F4C-BA24-3C7689BE391B}">
@@ -16052,8 +16043,8 @@
       </dsp:nvSpPr>
       <dsp:spPr>
         <a:xfrm>
-          <a:off x="3295493" y="3458587"/>
-          <a:ext cx="2470074" cy="1482044"/>
+          <a:off x="3023756" y="3823089"/>
+          <a:ext cx="2728871" cy="1637322"/>
         </a:xfrm>
         <a:prstGeom prst="rect">
           <a:avLst/>
@@ -16094,12 +16085,12 @@
         </a:fontRef>
       </dsp:style>
       <dsp:txBody>
-        <a:bodyPr spcFirstLastPara="0" vert="horz" wrap="square" lIns="64770" tIns="64770" rIns="64770" bIns="64770" numCol="1" spcCol="1270" anchor="ctr" anchorCtr="0">
+        <a:bodyPr spcFirstLastPara="0" vert="horz" wrap="square" lIns="72390" tIns="72390" rIns="72390" bIns="72390" numCol="1" spcCol="1270" anchor="ctr" anchorCtr="0">
           <a:noAutofit/>
         </a:bodyPr>
         <a:lstStyle/>
         <a:p>
-          <a:pPr marL="0" lvl="0" indent="0" algn="ctr" defTabSz="755650">
+          <a:pPr marL="0" lvl="0" indent="0" algn="ctr" defTabSz="844550">
             <a:lnSpc>
               <a:spcPct val="90000"/>
             </a:lnSpc>
@@ -16112,196 +16103,196 @@
             <a:buNone/>
           </a:pPr>
           <a:r>
-            <a:rPr lang="en-US" sz="1700" kern="1200" dirty="0" err="1">
+            <a:rPr lang="en-US" sz="1900" kern="1200" dirty="0" err="1">
               <a:latin typeface="Segoe UI" panose="020B0502040204020203" pitchFamily="34" charset="0"/>
               <a:cs typeface="Segoe UI" panose="020B0502040204020203" pitchFamily="34" charset="0"/>
             </a:rPr>
             <a:t>Khả</a:t>
           </a:r>
           <a:r>
-            <a:rPr lang="en-US" sz="1700" kern="1200" dirty="0">
-              <a:latin typeface="Segoe UI" panose="020B0502040204020203" pitchFamily="34" charset="0"/>
-              <a:cs typeface="Segoe UI" panose="020B0502040204020203" pitchFamily="34" charset="0"/>
-            </a:rPr>
-            <a:t> </a:t>
-          </a:r>
-          <a:r>
-            <a:rPr lang="en-US" sz="1700" kern="1200" dirty="0" err="1">
+            <a:rPr lang="en-US" sz="1900" kern="1200" dirty="0">
+              <a:latin typeface="Segoe UI" panose="020B0502040204020203" pitchFamily="34" charset="0"/>
+              <a:cs typeface="Segoe UI" panose="020B0502040204020203" pitchFamily="34" charset="0"/>
+            </a:rPr>
+            <a:t> </a:t>
+          </a:r>
+          <a:r>
+            <a:rPr lang="en-US" sz="1900" kern="1200" dirty="0" err="1">
               <a:latin typeface="Segoe UI" panose="020B0502040204020203" pitchFamily="34" charset="0"/>
               <a:cs typeface="Segoe UI" panose="020B0502040204020203" pitchFamily="34" charset="0"/>
             </a:rPr>
             <a:t>năng</a:t>
           </a:r>
           <a:r>
-            <a:rPr lang="en-US" sz="1700" kern="1200" dirty="0">
+            <a:rPr lang="en-US" sz="1900" kern="1200" dirty="0">
               <a:latin typeface="Segoe UI" panose="020B0502040204020203" pitchFamily="34" charset="0"/>
               <a:cs typeface="Segoe UI" panose="020B0502040204020203" pitchFamily="34" charset="0"/>
             </a:rPr>
             <a:t> tổng </a:t>
           </a:r>
           <a:r>
-            <a:rPr lang="en-US" sz="1700" kern="1200" dirty="0" err="1">
+            <a:rPr lang="en-US" sz="1900" kern="1200" dirty="0" err="1">
               <a:latin typeface="Segoe UI" panose="020B0502040204020203" pitchFamily="34" charset="0"/>
               <a:cs typeface="Segoe UI" panose="020B0502040204020203" pitchFamily="34" charset="0"/>
             </a:rPr>
             <a:t>hợp</a:t>
           </a:r>
           <a:r>
-            <a:rPr lang="en-US" sz="1700" kern="1200" dirty="0">
-              <a:latin typeface="Segoe UI" panose="020B0502040204020203" pitchFamily="34" charset="0"/>
-              <a:cs typeface="Segoe UI" panose="020B0502040204020203" pitchFamily="34" charset="0"/>
-            </a:rPr>
-            <a:t> </a:t>
-          </a:r>
-          <a:r>
-            <a:rPr lang="en-US" sz="1700" kern="1200" dirty="0" err="1">
+            <a:rPr lang="en-US" sz="1900" kern="1200" dirty="0">
+              <a:latin typeface="Segoe UI" panose="020B0502040204020203" pitchFamily="34" charset="0"/>
+              <a:cs typeface="Segoe UI" panose="020B0502040204020203" pitchFamily="34" charset="0"/>
+            </a:rPr>
+            <a:t> </a:t>
+          </a:r>
+          <a:r>
+            <a:rPr lang="en-US" sz="1900" kern="1200" dirty="0" err="1">
               <a:latin typeface="Segoe UI" panose="020B0502040204020203" pitchFamily="34" charset="0"/>
               <a:cs typeface="Segoe UI" panose="020B0502040204020203" pitchFamily="34" charset="0"/>
             </a:rPr>
             <a:t>các</a:t>
           </a:r>
           <a:r>
-            <a:rPr lang="en-US" sz="1700" kern="1200" dirty="0">
+            <a:rPr lang="en-US" sz="1900" kern="1200" dirty="0">
               <a:latin typeface="Segoe UI" panose="020B0502040204020203" pitchFamily="34" charset="0"/>
               <a:cs typeface="Segoe UI" panose="020B0502040204020203" pitchFamily="34" charset="0"/>
             </a:rPr>
             <a:t> kiến </a:t>
           </a:r>
           <a:r>
-            <a:rPr lang="en-US" sz="1700" kern="1200" dirty="0" err="1">
+            <a:rPr lang="en-US" sz="1900" kern="1200" dirty="0" err="1">
               <a:latin typeface="Segoe UI" panose="020B0502040204020203" pitchFamily="34" charset="0"/>
               <a:cs typeface="Segoe UI" panose="020B0502040204020203" pitchFamily="34" charset="0"/>
             </a:rPr>
             <a:t>thức</a:t>
           </a:r>
           <a:r>
-            <a:rPr lang="en-US" sz="1700" kern="1200" dirty="0">
-              <a:latin typeface="Segoe UI" panose="020B0502040204020203" pitchFamily="34" charset="0"/>
-              <a:cs typeface="Segoe UI" panose="020B0502040204020203" pitchFamily="34" charset="0"/>
-            </a:rPr>
-            <a:t> </a:t>
-          </a:r>
-          <a:r>
-            <a:rPr lang="en-US" sz="1700" kern="1200" dirty="0" err="1">
+            <a:rPr lang="en-US" sz="1900" kern="1200" dirty="0">
+              <a:latin typeface="Segoe UI" panose="020B0502040204020203" pitchFamily="34" charset="0"/>
+              <a:cs typeface="Segoe UI" panose="020B0502040204020203" pitchFamily="34" charset="0"/>
+            </a:rPr>
+            <a:t> </a:t>
+          </a:r>
+          <a:r>
+            <a:rPr lang="en-US" sz="1900" kern="1200" dirty="0" err="1">
               <a:latin typeface="Segoe UI" panose="020B0502040204020203" pitchFamily="34" charset="0"/>
               <a:cs typeface="Segoe UI" panose="020B0502040204020203" pitchFamily="34" charset="0"/>
             </a:rPr>
             <a:t>từ</a:t>
           </a:r>
           <a:r>
-            <a:rPr lang="en-US" sz="1700" kern="1200" dirty="0">
-              <a:latin typeface="Segoe UI" panose="020B0502040204020203" pitchFamily="34" charset="0"/>
-              <a:cs typeface="Segoe UI" panose="020B0502040204020203" pitchFamily="34" charset="0"/>
-            </a:rPr>
-            <a:t> </a:t>
-          </a:r>
-          <a:r>
-            <a:rPr lang="en-US" sz="1700" kern="1200" dirty="0" err="1">
+            <a:rPr lang="en-US" sz="1900" kern="1200" dirty="0">
+              <a:latin typeface="Segoe UI" panose="020B0502040204020203" pitchFamily="34" charset="0"/>
+              <a:cs typeface="Segoe UI" panose="020B0502040204020203" pitchFamily="34" charset="0"/>
+            </a:rPr>
+            <a:t> </a:t>
+          </a:r>
+          <a:r>
+            <a:rPr lang="en-US" sz="1900" kern="1200" dirty="0" err="1">
               <a:latin typeface="Segoe UI" panose="020B0502040204020203" pitchFamily="34" charset="0"/>
               <a:cs typeface="Segoe UI" panose="020B0502040204020203" pitchFamily="34" charset="0"/>
             </a:rPr>
             <a:t>các</a:t>
           </a:r>
           <a:r>
-            <a:rPr lang="en-US" sz="1700" kern="1200" dirty="0">
+            <a:rPr lang="en-US" sz="1900" kern="1200" dirty="0">
               <a:latin typeface="Segoe UI" panose="020B0502040204020203" pitchFamily="34" charset="0"/>
               <a:cs typeface="Segoe UI" panose="020B0502040204020203" pitchFamily="34" charset="0"/>
             </a:rPr>
             <a:t> tài </a:t>
           </a:r>
           <a:r>
-            <a:rPr lang="en-US" sz="1700" kern="1200" dirty="0" err="1">
+            <a:rPr lang="en-US" sz="1900" kern="1200" dirty="0" err="1">
               <a:latin typeface="Segoe UI" panose="020B0502040204020203" pitchFamily="34" charset="0"/>
               <a:cs typeface="Segoe UI" panose="020B0502040204020203" pitchFamily="34" charset="0"/>
             </a:rPr>
             <a:t>liệu</a:t>
           </a:r>
           <a:r>
-            <a:rPr lang="en-US" sz="1700" kern="1200" dirty="0">
-              <a:latin typeface="Segoe UI" panose="020B0502040204020203" pitchFamily="34" charset="0"/>
-              <a:cs typeface="Segoe UI" panose="020B0502040204020203" pitchFamily="34" charset="0"/>
-            </a:rPr>
-            <a:t> </a:t>
-          </a:r>
-          <a:r>
-            <a:rPr lang="en-US" sz="1700" kern="1200" dirty="0" err="1">
+            <a:rPr lang="en-US" sz="1900" kern="1200" dirty="0">
+              <a:latin typeface="Segoe UI" panose="020B0502040204020203" pitchFamily="34" charset="0"/>
+              <a:cs typeface="Segoe UI" panose="020B0502040204020203" pitchFamily="34" charset="0"/>
+            </a:rPr>
+            <a:t> </a:t>
+          </a:r>
+          <a:r>
+            <a:rPr lang="en-US" sz="1900" kern="1200" dirty="0" err="1">
               <a:latin typeface="Segoe UI" panose="020B0502040204020203" pitchFamily="34" charset="0"/>
               <a:cs typeface="Segoe UI" panose="020B0502040204020203" pitchFamily="34" charset="0"/>
             </a:rPr>
             <a:t>cũng</a:t>
           </a:r>
           <a:r>
-            <a:rPr lang="en-US" sz="1700" kern="1200" dirty="0">
-              <a:latin typeface="Segoe UI" panose="020B0502040204020203" pitchFamily="34" charset="0"/>
-              <a:cs typeface="Segoe UI" panose="020B0502040204020203" pitchFamily="34" charset="0"/>
-            </a:rPr>
-            <a:t> </a:t>
-          </a:r>
-          <a:r>
-            <a:rPr lang="en-US" sz="1700" kern="1200" dirty="0" err="1">
+            <a:rPr lang="en-US" sz="1900" kern="1200" dirty="0">
+              <a:latin typeface="Segoe UI" panose="020B0502040204020203" pitchFamily="34" charset="0"/>
+              <a:cs typeface="Segoe UI" panose="020B0502040204020203" pitchFamily="34" charset="0"/>
+            </a:rPr>
+            <a:t> </a:t>
+          </a:r>
+          <a:r>
+            <a:rPr lang="en-US" sz="1900" kern="1200" dirty="0" err="1">
               <a:latin typeface="Segoe UI" panose="020B0502040204020203" pitchFamily="34" charset="0"/>
               <a:cs typeface="Segoe UI" panose="020B0502040204020203" pitchFamily="34" charset="0"/>
             </a:rPr>
             <a:t>được</a:t>
           </a:r>
           <a:r>
-            <a:rPr lang="en-US" sz="1700" kern="1200" dirty="0">
-              <a:latin typeface="Segoe UI" panose="020B0502040204020203" pitchFamily="34" charset="0"/>
-              <a:cs typeface="Segoe UI" panose="020B0502040204020203" pitchFamily="34" charset="0"/>
-            </a:rPr>
-            <a:t> </a:t>
-          </a:r>
-          <a:r>
-            <a:rPr lang="en-US" sz="1700" kern="1200" dirty="0" err="1">
+            <a:rPr lang="en-US" sz="1900" kern="1200" dirty="0">
+              <a:latin typeface="Segoe UI" panose="020B0502040204020203" pitchFamily="34" charset="0"/>
+              <a:cs typeface="Segoe UI" panose="020B0502040204020203" pitchFamily="34" charset="0"/>
+            </a:rPr>
+            <a:t> </a:t>
+          </a:r>
+          <a:r>
+            <a:rPr lang="en-US" sz="1900" kern="1200" dirty="0" err="1">
               <a:latin typeface="Segoe UI" panose="020B0502040204020203" pitchFamily="34" charset="0"/>
               <a:cs typeface="Segoe UI" panose="020B0502040204020203" pitchFamily="34" charset="0"/>
             </a:rPr>
             <a:t>cải</a:t>
           </a:r>
           <a:r>
-            <a:rPr lang="en-US" sz="1700" kern="1200" dirty="0">
-              <a:latin typeface="Segoe UI" panose="020B0502040204020203" pitchFamily="34" charset="0"/>
-              <a:cs typeface="Segoe UI" panose="020B0502040204020203" pitchFamily="34" charset="0"/>
-            </a:rPr>
-            <a:t> </a:t>
-          </a:r>
-          <a:r>
-            <a:rPr lang="en-US" sz="1700" kern="1200" dirty="0" err="1">
+            <a:rPr lang="en-US" sz="1900" kern="1200" dirty="0">
+              <a:latin typeface="Segoe UI" panose="020B0502040204020203" pitchFamily="34" charset="0"/>
+              <a:cs typeface="Segoe UI" panose="020B0502040204020203" pitchFamily="34" charset="0"/>
+            </a:rPr>
+            <a:t> </a:t>
+          </a:r>
+          <a:r>
+            <a:rPr lang="en-US" sz="1900" kern="1200" dirty="0" err="1">
               <a:latin typeface="Segoe UI" panose="020B0502040204020203" pitchFamily="34" charset="0"/>
               <a:cs typeface="Segoe UI" panose="020B0502040204020203" pitchFamily="34" charset="0"/>
             </a:rPr>
             <a:t>thiện</a:t>
           </a:r>
           <a:r>
-            <a:rPr lang="en-US" sz="1700" kern="1200" dirty="0">
-              <a:latin typeface="Segoe UI" panose="020B0502040204020203" pitchFamily="34" charset="0"/>
-              <a:cs typeface="Segoe UI" panose="020B0502040204020203" pitchFamily="34" charset="0"/>
-            </a:rPr>
-            <a:t> </a:t>
-          </a:r>
-          <a:r>
-            <a:rPr lang="en-US" sz="1700" kern="1200" dirty="0" err="1">
+            <a:rPr lang="en-US" sz="1900" kern="1200" dirty="0">
+              <a:latin typeface="Segoe UI" panose="020B0502040204020203" pitchFamily="34" charset="0"/>
+              <a:cs typeface="Segoe UI" panose="020B0502040204020203" pitchFamily="34" charset="0"/>
+            </a:rPr>
+            <a:t> </a:t>
+          </a:r>
+          <a:r>
+            <a:rPr lang="en-US" sz="1900" kern="1200" dirty="0" err="1">
               <a:latin typeface="Segoe UI" panose="020B0502040204020203" pitchFamily="34" charset="0"/>
               <a:cs typeface="Segoe UI" panose="020B0502040204020203" pitchFamily="34" charset="0"/>
             </a:rPr>
             <a:t>đáng</a:t>
           </a:r>
           <a:r>
-            <a:rPr lang="en-US" sz="1700" kern="1200" dirty="0">
-              <a:latin typeface="Segoe UI" panose="020B0502040204020203" pitchFamily="34" charset="0"/>
-              <a:cs typeface="Segoe UI" panose="020B0502040204020203" pitchFamily="34" charset="0"/>
-            </a:rPr>
-            <a:t> </a:t>
-          </a:r>
-          <a:r>
-            <a:rPr lang="en-US" sz="1700" kern="1200" dirty="0" err="1">
+            <a:rPr lang="en-US" sz="1900" kern="1200" dirty="0">
+              <a:latin typeface="Segoe UI" panose="020B0502040204020203" pitchFamily="34" charset="0"/>
+              <a:cs typeface="Segoe UI" panose="020B0502040204020203" pitchFamily="34" charset="0"/>
+            </a:rPr>
+            <a:t> </a:t>
+          </a:r>
+          <a:r>
+            <a:rPr lang="en-US" sz="1900" kern="1200" dirty="0" err="1">
               <a:latin typeface="Segoe UI" panose="020B0502040204020203" pitchFamily="34" charset="0"/>
               <a:cs typeface="Segoe UI" panose="020B0502040204020203" pitchFamily="34" charset="0"/>
             </a:rPr>
             <a:t>kể</a:t>
           </a:r>
           <a:r>
-            <a:rPr lang="en-US" sz="1700" kern="1200" dirty="0">
+            <a:rPr lang="en-US" sz="1900" kern="1200" dirty="0">
               <a:latin typeface="Segoe UI" panose="020B0502040204020203" pitchFamily="34" charset="0"/>
               <a:cs typeface="Segoe UI" panose="020B0502040204020203" pitchFamily="34" charset="0"/>
             </a:rPr>
@@ -16310,8 +16301,8 @@
         </a:p>
       </dsp:txBody>
       <dsp:txXfrm>
-        <a:off x="3295493" y="3458587"/>
-        <a:ext cx="2470074" cy="1482044"/>
+        <a:off x="3023756" y="3823089"/>
+        <a:ext cx="2728871" cy="1637322"/>
       </dsp:txXfrm>
     </dsp:sp>
     <dsp:sp modelId="{4419DFF5-1F24-4385-B1AC-44B45E8763BD}">
@@ -16321,8 +16312,8 @@
       </dsp:nvSpPr>
       <dsp:spPr>
         <a:xfrm>
-          <a:off x="6012575" y="3458587"/>
-          <a:ext cx="2470074" cy="1482044"/>
+          <a:off x="6025515" y="3823089"/>
+          <a:ext cx="2728871" cy="1637322"/>
         </a:xfrm>
         <a:prstGeom prst="rect">
           <a:avLst/>
@@ -16363,12 +16354,12 @@
         </a:fontRef>
       </dsp:style>
       <dsp:txBody>
-        <a:bodyPr spcFirstLastPara="0" vert="horz" wrap="square" lIns="64770" tIns="64770" rIns="64770" bIns="64770" numCol="1" spcCol="1270" anchor="ctr" anchorCtr="0">
+        <a:bodyPr spcFirstLastPara="0" vert="horz" wrap="square" lIns="72390" tIns="72390" rIns="72390" bIns="72390" numCol="1" spcCol="1270" anchor="ctr" anchorCtr="0">
           <a:noAutofit/>
         </a:bodyPr>
         <a:lstStyle/>
         <a:p>
-          <a:pPr marL="0" lvl="0" indent="0" algn="ctr" defTabSz="755650">
+          <a:pPr marL="0" lvl="0" indent="0" algn="ctr" defTabSz="844550">
             <a:lnSpc>
               <a:spcPct val="90000"/>
             </a:lnSpc>
@@ -16381,196 +16372,196 @@
             <a:buNone/>
           </a:pPr>
           <a:r>
-            <a:rPr lang="en-US" sz="1700" kern="1200" dirty="0" err="1">
+            <a:rPr lang="en-US" sz="1900" kern="1200" dirty="0" err="1">
               <a:latin typeface="Segoe UI" panose="020B0502040204020203" pitchFamily="34" charset="0"/>
               <a:cs typeface="Segoe UI" panose="020B0502040204020203" pitchFamily="34" charset="0"/>
             </a:rPr>
             <a:t>Kinh</a:t>
           </a:r>
           <a:r>
-            <a:rPr lang="en-US" sz="1700" kern="1200" dirty="0">
-              <a:latin typeface="Segoe UI" panose="020B0502040204020203" pitchFamily="34" charset="0"/>
-              <a:cs typeface="Segoe UI" panose="020B0502040204020203" pitchFamily="34" charset="0"/>
-            </a:rPr>
-            <a:t> </a:t>
-          </a:r>
-          <a:r>
-            <a:rPr lang="en-US" sz="1700" kern="1200" dirty="0" err="1">
+            <a:rPr lang="en-US" sz="1900" kern="1200" dirty="0">
+              <a:latin typeface="Segoe UI" panose="020B0502040204020203" pitchFamily="34" charset="0"/>
+              <a:cs typeface="Segoe UI" panose="020B0502040204020203" pitchFamily="34" charset="0"/>
+            </a:rPr>
+            <a:t> </a:t>
+          </a:r>
+          <a:r>
+            <a:rPr lang="en-US" sz="1900" kern="1200" dirty="0" err="1">
               <a:latin typeface="Segoe UI" panose="020B0502040204020203" pitchFamily="34" charset="0"/>
               <a:cs typeface="Segoe UI" panose="020B0502040204020203" pitchFamily="34" charset="0"/>
             </a:rPr>
             <a:t>nghiệm</a:t>
           </a:r>
           <a:r>
-            <a:rPr lang="en-US" sz="1700" kern="1200" dirty="0">
-              <a:latin typeface="Segoe UI" panose="020B0502040204020203" pitchFamily="34" charset="0"/>
-              <a:cs typeface="Segoe UI" panose="020B0502040204020203" pitchFamily="34" charset="0"/>
-            </a:rPr>
-            <a:t> </a:t>
-          </a:r>
-          <a:r>
-            <a:rPr lang="en-US" sz="1700" kern="1200" dirty="0" err="1">
+            <a:rPr lang="en-US" sz="1900" kern="1200" dirty="0">
+              <a:latin typeface="Segoe UI" panose="020B0502040204020203" pitchFamily="34" charset="0"/>
+              <a:cs typeface="Segoe UI" panose="020B0502040204020203" pitchFamily="34" charset="0"/>
+            </a:rPr>
+            <a:t> </a:t>
+          </a:r>
+          <a:r>
+            <a:rPr lang="en-US" sz="1900" kern="1200" dirty="0" err="1">
               <a:latin typeface="Segoe UI" panose="020B0502040204020203" pitchFamily="34" charset="0"/>
               <a:cs typeface="Segoe UI" panose="020B0502040204020203" pitchFamily="34" charset="0"/>
             </a:rPr>
             <a:t>đọc</a:t>
           </a:r>
           <a:r>
-            <a:rPr lang="en-US" sz="1700" kern="1200" dirty="0">
-              <a:latin typeface="Segoe UI" panose="020B0502040204020203" pitchFamily="34" charset="0"/>
-              <a:cs typeface="Segoe UI" panose="020B0502040204020203" pitchFamily="34" charset="0"/>
-            </a:rPr>
-            <a:t> </a:t>
-          </a:r>
-          <a:r>
-            <a:rPr lang="en-US" sz="1700" kern="1200" dirty="0" err="1">
+            <a:rPr lang="en-US" sz="1900" kern="1200" dirty="0">
+              <a:latin typeface="Segoe UI" panose="020B0502040204020203" pitchFamily="34" charset="0"/>
+              <a:cs typeface="Segoe UI" panose="020B0502040204020203" pitchFamily="34" charset="0"/>
+            </a:rPr>
+            <a:t> </a:t>
+          </a:r>
+          <a:r>
+            <a:rPr lang="en-US" sz="1900" kern="1200" dirty="0" err="1">
               <a:latin typeface="Segoe UI" panose="020B0502040204020203" pitchFamily="34" charset="0"/>
               <a:cs typeface="Segoe UI" panose="020B0502040204020203" pitchFamily="34" charset="0"/>
             </a:rPr>
             <a:t>hiểu</a:t>
           </a:r>
           <a:r>
-            <a:rPr lang="en-US" sz="1700" kern="1200" dirty="0">
+            <a:rPr lang="en-US" sz="1900" kern="1200" dirty="0">
               <a:latin typeface="Segoe UI" panose="020B0502040204020203" pitchFamily="34" charset="0"/>
               <a:cs typeface="Segoe UI" panose="020B0502040204020203" pitchFamily="34" charset="0"/>
             </a:rPr>
             <a:t>, </a:t>
           </a:r>
           <a:r>
-            <a:rPr lang="en-US" sz="1700" kern="1200" dirty="0" err="1">
+            <a:rPr lang="en-US" sz="1900" kern="1200" dirty="0" err="1">
               <a:latin typeface="Segoe UI" panose="020B0502040204020203" pitchFamily="34" charset="0"/>
               <a:cs typeface="Segoe UI" panose="020B0502040204020203" pitchFamily="34" charset="0"/>
             </a:rPr>
             <a:t>hiệu</a:t>
           </a:r>
           <a:r>
-            <a:rPr lang="en-US" sz="1700" kern="1200" dirty="0">
-              <a:latin typeface="Segoe UI" panose="020B0502040204020203" pitchFamily="34" charset="0"/>
-              <a:cs typeface="Segoe UI" panose="020B0502040204020203" pitchFamily="34" charset="0"/>
-            </a:rPr>
-            <a:t> </a:t>
-          </a:r>
-          <a:r>
-            <a:rPr lang="en-US" sz="1700" kern="1200" dirty="0" err="1">
+            <a:rPr lang="en-US" sz="1900" kern="1200" dirty="0">
+              <a:latin typeface="Segoe UI" panose="020B0502040204020203" pitchFamily="34" charset="0"/>
+              <a:cs typeface="Segoe UI" panose="020B0502040204020203" pitchFamily="34" charset="0"/>
+            </a:rPr>
+            <a:t> </a:t>
+          </a:r>
+          <a:r>
+            <a:rPr lang="en-US" sz="1900" kern="1200" dirty="0" err="1">
               <a:latin typeface="Segoe UI" panose="020B0502040204020203" pitchFamily="34" charset="0"/>
               <a:cs typeface="Segoe UI" panose="020B0502040204020203" pitchFamily="34" charset="0"/>
             </a:rPr>
             <a:t>chỉnh</a:t>
           </a:r>
           <a:r>
-            <a:rPr lang="en-US" sz="1700" kern="1200" dirty="0">
-              <a:latin typeface="Segoe UI" panose="020B0502040204020203" pitchFamily="34" charset="0"/>
-              <a:cs typeface="Segoe UI" panose="020B0502040204020203" pitchFamily="34" charset="0"/>
-            </a:rPr>
-            <a:t> </a:t>
-          </a:r>
-          <a:r>
-            <a:rPr lang="en-US" sz="1700" kern="1200" dirty="0" err="1">
+            <a:rPr lang="en-US" sz="1900" kern="1200" dirty="0">
+              <a:latin typeface="Segoe UI" panose="020B0502040204020203" pitchFamily="34" charset="0"/>
+              <a:cs typeface="Segoe UI" panose="020B0502040204020203" pitchFamily="34" charset="0"/>
+            </a:rPr>
+            <a:t> </a:t>
+          </a:r>
+          <a:r>
+            <a:rPr lang="en-US" sz="1900" kern="1200" dirty="0" err="1">
               <a:latin typeface="Segoe UI" panose="020B0502040204020203" pitchFamily="34" charset="0"/>
               <a:cs typeface="Segoe UI" panose="020B0502040204020203" pitchFamily="34" charset="0"/>
             </a:rPr>
             <a:t>mã</a:t>
           </a:r>
           <a:r>
-            <a:rPr lang="en-US" sz="1700" kern="1200" dirty="0">
-              <a:latin typeface="Segoe UI" panose="020B0502040204020203" pitchFamily="34" charset="0"/>
-              <a:cs typeface="Segoe UI" panose="020B0502040204020203" pitchFamily="34" charset="0"/>
-            </a:rPr>
-            <a:t> </a:t>
-          </a:r>
-          <a:r>
-            <a:rPr lang="en-US" sz="1700" kern="1200" dirty="0" err="1">
+            <a:rPr lang="en-US" sz="1900" kern="1200" dirty="0">
+              <a:latin typeface="Segoe UI" panose="020B0502040204020203" pitchFamily="34" charset="0"/>
+              <a:cs typeface="Segoe UI" panose="020B0502040204020203" pitchFamily="34" charset="0"/>
+            </a:rPr>
+            <a:t> </a:t>
+          </a:r>
+          <a:r>
+            <a:rPr lang="en-US" sz="1900" kern="1200" dirty="0" err="1">
               <a:latin typeface="Segoe UI" panose="020B0502040204020203" pitchFamily="34" charset="0"/>
               <a:cs typeface="Segoe UI" panose="020B0502040204020203" pitchFamily="34" charset="0"/>
             </a:rPr>
             <a:t>nguồn</a:t>
           </a:r>
           <a:r>
-            <a:rPr lang="en-US" sz="1700" kern="1200" dirty="0">
-              <a:latin typeface="Segoe UI" panose="020B0502040204020203" pitchFamily="34" charset="0"/>
-              <a:cs typeface="Segoe UI" panose="020B0502040204020203" pitchFamily="34" charset="0"/>
-            </a:rPr>
-            <a:t> </a:t>
-          </a:r>
-          <a:r>
-            <a:rPr lang="en-US" sz="1700" kern="1200" dirty="0" err="1">
+            <a:rPr lang="en-US" sz="1900" kern="1200" dirty="0">
+              <a:latin typeface="Segoe UI" panose="020B0502040204020203" pitchFamily="34" charset="0"/>
+              <a:cs typeface="Segoe UI" panose="020B0502040204020203" pitchFamily="34" charset="0"/>
+            </a:rPr>
+            <a:t> </a:t>
+          </a:r>
+          <a:r>
+            <a:rPr lang="en-US" sz="1900" kern="1200" dirty="0" err="1">
               <a:latin typeface="Segoe UI" panose="020B0502040204020203" pitchFamily="34" charset="0"/>
               <a:cs typeface="Segoe UI" panose="020B0502040204020203" pitchFamily="34" charset="0"/>
             </a:rPr>
             <a:t>được</a:t>
           </a:r>
           <a:r>
-            <a:rPr lang="en-US" sz="1700" kern="1200" dirty="0">
-              <a:latin typeface="Segoe UI" panose="020B0502040204020203" pitchFamily="34" charset="0"/>
-              <a:cs typeface="Segoe UI" panose="020B0502040204020203" pitchFamily="34" charset="0"/>
-            </a:rPr>
-            <a:t> </a:t>
-          </a:r>
-          <a:r>
-            <a:rPr lang="en-US" sz="1700" kern="1200" dirty="0" err="1">
+            <a:rPr lang="en-US" sz="1900" kern="1200" dirty="0">
+              <a:latin typeface="Segoe UI" panose="020B0502040204020203" pitchFamily="34" charset="0"/>
+              <a:cs typeface="Segoe UI" panose="020B0502040204020203" pitchFamily="34" charset="0"/>
+            </a:rPr>
+            <a:t> </a:t>
+          </a:r>
+          <a:r>
+            <a:rPr lang="en-US" sz="1900" kern="1200" dirty="0" err="1">
               <a:latin typeface="Segoe UI" panose="020B0502040204020203" pitchFamily="34" charset="0"/>
               <a:cs typeface="Segoe UI" panose="020B0502040204020203" pitchFamily="34" charset="0"/>
             </a:rPr>
             <a:t>phát</a:t>
           </a:r>
           <a:r>
-            <a:rPr lang="en-US" sz="1700" kern="1200" dirty="0">
-              <a:latin typeface="Segoe UI" panose="020B0502040204020203" pitchFamily="34" charset="0"/>
-              <a:cs typeface="Segoe UI" panose="020B0502040204020203" pitchFamily="34" charset="0"/>
-            </a:rPr>
-            <a:t> </a:t>
-          </a:r>
-          <a:r>
-            <a:rPr lang="en-US" sz="1700" kern="1200" dirty="0" err="1">
+            <a:rPr lang="en-US" sz="1900" kern="1200" dirty="0">
+              <a:latin typeface="Segoe UI" panose="020B0502040204020203" pitchFamily="34" charset="0"/>
+              <a:cs typeface="Segoe UI" panose="020B0502040204020203" pitchFamily="34" charset="0"/>
+            </a:rPr>
+            <a:t> </a:t>
+          </a:r>
+          <a:r>
+            <a:rPr lang="en-US" sz="1900" kern="1200" dirty="0" err="1">
               <a:latin typeface="Segoe UI" panose="020B0502040204020203" pitchFamily="34" charset="0"/>
               <a:cs typeface="Segoe UI" panose="020B0502040204020203" pitchFamily="34" charset="0"/>
             </a:rPr>
             <a:t>triển</a:t>
           </a:r>
           <a:r>
-            <a:rPr lang="en-US" sz="1700" kern="1200" dirty="0">
-              <a:latin typeface="Segoe UI" panose="020B0502040204020203" pitchFamily="34" charset="0"/>
-              <a:cs typeface="Segoe UI" panose="020B0502040204020203" pitchFamily="34" charset="0"/>
-            </a:rPr>
-            <a:t> </a:t>
-          </a:r>
-          <a:r>
-            <a:rPr lang="en-US" sz="1700" kern="1200" dirty="0" err="1">
+            <a:rPr lang="en-US" sz="1900" kern="1200" dirty="0">
+              <a:latin typeface="Segoe UI" panose="020B0502040204020203" pitchFamily="34" charset="0"/>
+              <a:cs typeface="Segoe UI" panose="020B0502040204020203" pitchFamily="34" charset="0"/>
+            </a:rPr>
+            <a:t> </a:t>
+          </a:r>
+          <a:r>
+            <a:rPr lang="en-US" sz="1900" kern="1200" dirty="0" err="1">
               <a:latin typeface="Segoe UI" panose="020B0502040204020203" pitchFamily="34" charset="0"/>
               <a:cs typeface="Segoe UI" panose="020B0502040204020203" pitchFamily="34" charset="0"/>
             </a:rPr>
             <a:t>và</a:t>
           </a:r>
           <a:r>
-            <a:rPr lang="en-US" sz="1700" kern="1200" dirty="0">
-              <a:latin typeface="Segoe UI" panose="020B0502040204020203" pitchFamily="34" charset="0"/>
-              <a:cs typeface="Segoe UI" panose="020B0502040204020203" pitchFamily="34" charset="0"/>
-            </a:rPr>
-            <a:t> </a:t>
-          </a:r>
-          <a:r>
-            <a:rPr lang="en-US" sz="1700" kern="1200" dirty="0" err="1">
+            <a:rPr lang="en-US" sz="1900" kern="1200" dirty="0">
+              <a:latin typeface="Segoe UI" panose="020B0502040204020203" pitchFamily="34" charset="0"/>
+              <a:cs typeface="Segoe UI" panose="020B0502040204020203" pitchFamily="34" charset="0"/>
+            </a:rPr>
+            <a:t> </a:t>
+          </a:r>
+          <a:r>
+            <a:rPr lang="en-US" sz="1900" kern="1200" dirty="0" err="1">
               <a:latin typeface="Segoe UI" panose="020B0502040204020203" pitchFamily="34" charset="0"/>
               <a:cs typeface="Segoe UI" panose="020B0502040204020203" pitchFamily="34" charset="0"/>
             </a:rPr>
             <a:t>cải</a:t>
           </a:r>
           <a:r>
-            <a:rPr lang="en-US" sz="1700" kern="1200" dirty="0">
-              <a:latin typeface="Segoe UI" panose="020B0502040204020203" pitchFamily="34" charset="0"/>
-              <a:cs typeface="Segoe UI" panose="020B0502040204020203" pitchFamily="34" charset="0"/>
-            </a:rPr>
-            <a:t> </a:t>
-          </a:r>
-          <a:r>
-            <a:rPr lang="en-US" sz="1700" kern="1200" dirty="0" err="1">
+            <a:rPr lang="en-US" sz="1900" kern="1200" dirty="0">
+              <a:latin typeface="Segoe UI" panose="020B0502040204020203" pitchFamily="34" charset="0"/>
+              <a:cs typeface="Segoe UI" panose="020B0502040204020203" pitchFamily="34" charset="0"/>
+            </a:rPr>
+            <a:t> </a:t>
+          </a:r>
+          <a:r>
+            <a:rPr lang="en-US" sz="1900" kern="1200" dirty="0" err="1">
               <a:latin typeface="Segoe UI" panose="020B0502040204020203" pitchFamily="34" charset="0"/>
               <a:cs typeface="Segoe UI" panose="020B0502040204020203" pitchFamily="34" charset="0"/>
             </a:rPr>
             <a:t>thiện</a:t>
           </a:r>
           <a:r>
-            <a:rPr lang="en-US" sz="1700" kern="1200" dirty="0">
+            <a:rPr lang="en-US" sz="1900" kern="1200" dirty="0">
               <a:latin typeface="Segoe UI" panose="020B0502040204020203" pitchFamily="34" charset="0"/>
               <a:cs typeface="Segoe UI" panose="020B0502040204020203" pitchFamily="34" charset="0"/>
             </a:rPr>
@@ -16579,8 +16570,8 @@
         </a:p>
       </dsp:txBody>
       <dsp:txXfrm>
-        <a:off x="6012575" y="3458587"/>
-        <a:ext cx="2470074" cy="1482044"/>
+        <a:off x="6025515" y="3823089"/>
+        <a:ext cx="2728871" cy="1637322"/>
       </dsp:txXfrm>
     </dsp:sp>
   </dsp:spTree>
@@ -16934,13 +16925,10 @@
             </a:rPr>
             <a:t>thực</a:t>
           </a:r>
-          <a:r>
-            <a:rPr lang="en-US" sz="2100" kern="1200" dirty="0">
-              <a:latin typeface="Segoe UI" panose="020B0502040204020203" pitchFamily="34" charset="0"/>
-              <a:cs typeface="Segoe UI" panose="020B0502040204020203" pitchFamily="34" charset="0"/>
-            </a:rPr>
-            <a:t>.</a:t>
-          </a:r>
+          <a:endParaRPr lang="en-US" sz="2100" kern="1200" dirty="0">
+            <a:latin typeface="Segoe UI" panose="020B0502040204020203" pitchFamily="34" charset="0"/>
+            <a:cs typeface="Segoe UI" panose="020B0502040204020203" pitchFamily="34" charset="0"/>
+          </a:endParaRPr>
         </a:p>
       </dsp:txBody>
       <dsp:txXfrm>
@@ -17306,7 +17294,7 @@
               <a:latin typeface="Segoe UI" panose="020B0502040204020203" pitchFamily="34" charset="0"/>
               <a:cs typeface="Segoe UI" panose="020B0502040204020203" pitchFamily="34" charset="0"/>
             </a:rPr>
-            <a:t>).</a:t>
+            <a:t>)</a:t>
           </a:r>
         </a:p>
       </dsp:txBody>
@@ -17668,13 +17656,10 @@
             </a:rPr>
             <a:t>dạng</a:t>
           </a:r>
-          <a:r>
-            <a:rPr lang="en-US" sz="2100" kern="1200" dirty="0">
-              <a:latin typeface="Segoe UI" panose="020B0502040204020203" pitchFamily="34" charset="0"/>
-              <a:cs typeface="Segoe UI" panose="020B0502040204020203" pitchFamily="34" charset="0"/>
-            </a:rPr>
-            <a:t>.</a:t>
-          </a:r>
+          <a:endParaRPr lang="en-US" sz="2100" kern="1200" dirty="0">
+            <a:latin typeface="Segoe UI" panose="020B0502040204020203" pitchFamily="34" charset="0"/>
+            <a:cs typeface="Segoe UI" panose="020B0502040204020203" pitchFamily="34" charset="0"/>
+          </a:endParaRPr>
         </a:p>
       </dsp:txBody>
       <dsp:txXfrm>
@@ -17993,13 +17978,10 @@
             </a:rPr>
             <a:t>lai</a:t>
           </a:r>
-          <a:r>
-            <a:rPr lang="en-US" sz="2100" kern="1200" dirty="0">
-              <a:latin typeface="Segoe UI" panose="020B0502040204020203" pitchFamily="34" charset="0"/>
-              <a:cs typeface="Segoe UI" panose="020B0502040204020203" pitchFamily="34" charset="0"/>
-            </a:rPr>
-            <a:t>.</a:t>
-          </a:r>
+          <a:endParaRPr lang="en-US" sz="2100" kern="1200" dirty="0">
+            <a:latin typeface="Segoe UI" panose="020B0502040204020203" pitchFamily="34" charset="0"/>
+            <a:cs typeface="Segoe UI" panose="020B0502040204020203" pitchFamily="34" charset="0"/>
+          </a:endParaRPr>
         </a:p>
       </dsp:txBody>
       <dsp:txXfrm>
@@ -18351,7 +18333,7 @@
               <a:latin typeface="Segoe UI" panose="020B0502040204020203" pitchFamily="34" charset="0"/>
               <a:cs typeface="Segoe UI" panose="020B0502040204020203" pitchFamily="34" charset="0"/>
             </a:rPr>
-            <a:t>…).</a:t>
+            <a:t>…)</a:t>
           </a:r>
         </a:p>
       </dsp:txBody>
@@ -18676,7 +18658,7 @@
               <a:latin typeface="Segoe UI" panose="020B0502040204020203" pitchFamily="34" charset="0"/>
               <a:cs typeface="Segoe UI" panose="020B0502040204020203" pitchFamily="34" charset="0"/>
             </a:rPr>
-            <a:t> (python, ruby ,…).</a:t>
+            <a:t> (python, ruby ,…)</a:t>
           </a:r>
         </a:p>
       </dsp:txBody>
@@ -23854,7 +23836,7 @@
           <a:p>
             <a:fld id="{A5A219BD-9B4C-421F-9036-2E6ED97C10AE}" type="datetimeFigureOut">
               <a:rPr lang="en-US" smtClean="0"/>
-              <a:t>6/19/2020</a:t>
+              <a:t>6/22/2020</a:t>
             </a:fld>
             <a:endParaRPr lang="en-US"/>
           </a:p>
@@ -24276,7 +24258,7 @@
           <a:p>
             <a:fld id="{44CCD127-F5AE-48F5-B318-2C5EFDC108FF}" type="datetime1">
               <a:rPr lang="en-US" smtClean="0"/>
-              <a:t>6/19/2020</a:t>
+              <a:t>6/22/2020</a:t>
             </a:fld>
             <a:endParaRPr lang="en-US"/>
           </a:p>
@@ -24442,7 +24424,7 @@
           <a:p>
             <a:fld id="{79289ED6-0066-439E-AD4B-D33CA9396B27}" type="datetime1">
               <a:rPr lang="en-US" smtClean="0"/>
-              <a:t>6/19/2020</a:t>
+              <a:t>6/22/2020</a:t>
             </a:fld>
             <a:endParaRPr lang="en-US"/>
           </a:p>
@@ -24617,7 +24599,7 @@
           <a:p>
             <a:fld id="{25360872-9192-4AD0-BEE7-10AB4360CF72}" type="datetime1">
               <a:rPr lang="en-US" smtClean="0"/>
-              <a:t>6/19/2020</a:t>
+              <a:t>6/22/2020</a:t>
             </a:fld>
             <a:endParaRPr lang="en-US"/>
           </a:p>
@@ -24782,7 +24764,7 @@
           <a:p>
             <a:fld id="{4BA12F1A-867E-43D1-9C10-699F4DDE0528}" type="datetime1">
               <a:rPr lang="en-US" smtClean="0"/>
-              <a:t>6/19/2020</a:t>
+              <a:t>6/22/2020</a:t>
             </a:fld>
             <a:endParaRPr lang="en-US"/>
           </a:p>
@@ -25038,7 +25020,7 @@
           <a:p>
             <a:fld id="{8FEB4067-9C29-4EA1-B13E-40A634AFA2F7}" type="datetime1">
               <a:rPr lang="en-US" smtClean="0"/>
-              <a:t>6/19/2020</a:t>
+              <a:t>6/22/2020</a:t>
             </a:fld>
             <a:endParaRPr lang="en-US"/>
           </a:p>
@@ -25266,7 +25248,7 @@
           <a:p>
             <a:fld id="{EB71E352-9116-47A8-9AC6-017003E685BA}" type="datetime1">
               <a:rPr lang="en-US" smtClean="0"/>
-              <a:t>6/19/2020</a:t>
+              <a:t>6/22/2020</a:t>
             </a:fld>
             <a:endParaRPr lang="en-US"/>
           </a:p>
@@ -25616,7 +25598,7 @@
           <a:p>
             <a:fld id="{8F37030F-BF9D-4562-BC26-4F50080B40FC}" type="datetime1">
               <a:rPr lang="en-US" smtClean="0"/>
-              <a:t>6/19/2020</a:t>
+              <a:t>6/22/2020</a:t>
             </a:fld>
             <a:endParaRPr lang="en-US"/>
           </a:p>
@@ -25752,7 +25734,7 @@
           <a:p>
             <a:fld id="{65DBED86-71E0-4B6C-9851-C85816BF1CBC}" type="datetime1">
               <a:rPr lang="en-US" smtClean="0"/>
-              <a:t>6/19/2020</a:t>
+              <a:t>6/22/2020</a:t>
             </a:fld>
             <a:endParaRPr lang="en-US"/>
           </a:p>
@@ -25842,7 +25824,7 @@
           <a:p>
             <a:fld id="{631D0F67-7044-46F1-962D-236D6726669E}" type="datetime1">
               <a:rPr lang="en-US" smtClean="0"/>
-              <a:t>6/19/2020</a:t>
+              <a:t>6/22/2020</a:t>
             </a:fld>
             <a:endParaRPr lang="en-US"/>
           </a:p>
@@ -26194,7 +26176,7 @@
           <a:p>
             <a:fld id="{5A6777DD-D588-4E1C-896B-05482EF0233A}" type="datetime1">
               <a:rPr lang="en-US" smtClean="0"/>
-              <a:t>6/19/2020</a:t>
+              <a:t>6/22/2020</a:t>
             </a:fld>
             <a:endParaRPr lang="en-US"/>
           </a:p>
@@ -26506,7 +26488,7 @@
           <a:p>
             <a:fld id="{B095945E-C052-42BA-8EC6-3C768E09B191}" type="datetime1">
               <a:rPr lang="en-US" smtClean="0"/>
-              <a:t>6/19/2020</a:t>
+              <a:t>6/22/2020</a:t>
             </a:fld>
             <a:endParaRPr lang="en-US"/>
           </a:p>
@@ -26746,7 +26728,7 @@
           <a:p>
             <a:fld id="{48EF5F6D-661C-4B58-86A0-D26B44A0BC78}" type="datetime1">
               <a:rPr lang="en-US" smtClean="0"/>
-              <a:t>6/19/2020</a:t>
+              <a:t>6/22/2020</a:t>
             </a:fld>
             <a:endParaRPr lang="en-US"/>
           </a:p>
@@ -27277,7 +27259,7 @@
         </p:nvSpPr>
         <p:spPr>
           <a:xfrm>
-            <a:off x="6322504" y="257420"/>
+            <a:off x="6367244" y="215597"/>
             <a:ext cx="5824756" cy="1420004"/>
           </a:xfrm>
           <a:prstGeom prst="rect">
@@ -27554,7 +27536,7 @@
         </p:nvSpPr>
         <p:spPr>
           <a:xfrm>
-            <a:off x="8306500" y="5243526"/>
+            <a:off x="8264556" y="4983305"/>
             <a:ext cx="3345809" cy="1131528"/>
           </a:xfrm>
           <a:prstGeom prst="rect">
@@ -27574,63 +27556,63 @@
               </a:lnSpc>
             </a:pPr>
             <a:r>
-              <a:rPr lang="en-US" sz="2400" b="1" err="1">
+              <a:rPr lang="en-US" sz="2400" b="1" dirty="0" err="1">
                 <a:latin typeface="Segoe UI" panose="020B0502040204020203" pitchFamily="34" charset="0"/>
                 <a:cs typeface="Segoe UI" panose="020B0502040204020203" pitchFamily="34" charset="0"/>
               </a:rPr>
               <a:t>Giáo</a:t>
             </a:r>
             <a:r>
-              <a:rPr lang="en-US" sz="2400" b="1">
+              <a:rPr lang="en-US" sz="2400" b="1" dirty="0">
                 <a:latin typeface="Segoe UI" panose="020B0502040204020203" pitchFamily="34" charset="0"/>
                 <a:cs typeface="Segoe UI" panose="020B0502040204020203" pitchFamily="34" charset="0"/>
               </a:rPr>
               <a:t> </a:t>
             </a:r>
             <a:r>
-              <a:rPr lang="en-US" sz="2400" b="1" err="1">
+              <a:rPr lang="en-US" sz="2400" b="1" dirty="0" err="1">
                 <a:latin typeface="Segoe UI" panose="020B0502040204020203" pitchFamily="34" charset="0"/>
                 <a:cs typeface="Segoe UI" panose="020B0502040204020203" pitchFamily="34" charset="0"/>
               </a:rPr>
               <a:t>viên</a:t>
             </a:r>
             <a:r>
-              <a:rPr lang="en-US" sz="2400" b="1">
+              <a:rPr lang="en-US" sz="2400" b="1" dirty="0">
                 <a:latin typeface="Segoe UI" panose="020B0502040204020203" pitchFamily="34" charset="0"/>
                 <a:cs typeface="Segoe UI" panose="020B0502040204020203" pitchFamily="34" charset="0"/>
               </a:rPr>
               <a:t> h</a:t>
             </a:r>
             <a:r>
-              <a:rPr lang="vi-VN" sz="2400" b="1">
+              <a:rPr lang="vi-VN" sz="2400" b="1" dirty="0">
                 <a:latin typeface="Segoe UI" panose="020B0502040204020203" pitchFamily="34" charset="0"/>
                 <a:cs typeface="Segoe UI" panose="020B0502040204020203" pitchFamily="34" charset="0"/>
               </a:rPr>
               <a:t>ư</a:t>
             </a:r>
             <a:r>
-              <a:rPr lang="en-US" sz="2400" b="1" err="1">
+              <a:rPr lang="en-US" sz="2400" b="1" dirty="0" err="1">
                 <a:latin typeface="Segoe UI" panose="020B0502040204020203" pitchFamily="34" charset="0"/>
                 <a:cs typeface="Segoe UI" panose="020B0502040204020203" pitchFamily="34" charset="0"/>
               </a:rPr>
               <a:t>ớng</a:t>
             </a:r>
             <a:r>
-              <a:rPr lang="en-US" sz="2400" b="1">
+              <a:rPr lang="en-US" sz="2400" b="1" dirty="0">
                 <a:latin typeface="Segoe UI" panose="020B0502040204020203" pitchFamily="34" charset="0"/>
                 <a:cs typeface="Segoe UI" panose="020B0502040204020203" pitchFamily="34" charset="0"/>
               </a:rPr>
               <a:t> </a:t>
             </a:r>
             <a:r>
-              <a:rPr lang="en-US" sz="2400" b="1" err="1">
+              <a:rPr lang="en-US" sz="2400" b="1" dirty="0" err="1">
                 <a:latin typeface="Segoe UI" panose="020B0502040204020203" pitchFamily="34" charset="0"/>
                 <a:cs typeface="Segoe UI" panose="020B0502040204020203" pitchFamily="34" charset="0"/>
               </a:rPr>
               <a:t>dẫn</a:t>
             </a:r>
             <a:r>
-              <a:rPr lang="en-US" sz="2400">
+              <a:rPr lang="en-US" sz="2400" dirty="0">
                 <a:latin typeface="Segoe UI" panose="020B0502040204020203" pitchFamily="34" charset="0"/>
                 <a:cs typeface="Segoe UI" panose="020B0502040204020203" pitchFamily="34" charset="0"/>
               </a:rPr>
@@ -27638,56 +27620,54 @@
             </a:r>
           </a:p>
           <a:p>
-            <a:pPr marL="342900" indent="-342900">
+            <a:pPr>
               <a:lnSpc>
                 <a:spcPct val="150000"/>
               </a:lnSpc>
-              <a:buFont typeface="Wingdings" panose="05000000000000000000" pitchFamily="2" charset="2"/>
-              <a:buChar char="§"/>
             </a:pPr>
             <a:r>
-              <a:rPr lang="en-US" sz="2400" b="1">
+              <a:rPr lang="en-US" sz="2400" b="1" dirty="0">
                 <a:latin typeface="Segoe UI" panose="020B0502040204020203" pitchFamily="34" charset="0"/>
                 <a:cs typeface="Segoe UI" panose="020B0502040204020203" pitchFamily="34" charset="0"/>
               </a:rPr>
               <a:t>TS. </a:t>
             </a:r>
             <a:r>
-              <a:rPr lang="en-US" sz="2400" b="1" err="1">
+              <a:rPr lang="en-US" sz="2400" b="1" dirty="0" err="1">
                 <a:latin typeface="Segoe UI" panose="020B0502040204020203" pitchFamily="34" charset="0"/>
                 <a:cs typeface="Segoe UI" panose="020B0502040204020203" pitchFamily="34" charset="0"/>
               </a:rPr>
               <a:t>Ngô</a:t>
             </a:r>
             <a:r>
-              <a:rPr lang="en-US" sz="2400" b="1">
+              <a:rPr lang="en-US" sz="2400" b="1" dirty="0">
                 <a:latin typeface="Segoe UI" panose="020B0502040204020203" pitchFamily="34" charset="0"/>
                 <a:cs typeface="Segoe UI" panose="020B0502040204020203" pitchFamily="34" charset="0"/>
               </a:rPr>
               <a:t> </a:t>
             </a:r>
             <a:r>
-              <a:rPr lang="en-US" sz="2400" b="1" err="1">
+              <a:rPr lang="en-US" sz="2400" b="1" dirty="0" err="1">
                 <a:latin typeface="Segoe UI" panose="020B0502040204020203" pitchFamily="34" charset="0"/>
                 <a:cs typeface="Segoe UI" panose="020B0502040204020203" pitchFamily="34" charset="0"/>
               </a:rPr>
               <a:t>Huy</a:t>
             </a:r>
             <a:r>
-              <a:rPr lang="en-US" sz="2400" b="1">
+              <a:rPr lang="en-US" sz="2400" b="1" dirty="0">
                 <a:latin typeface="Segoe UI" panose="020B0502040204020203" pitchFamily="34" charset="0"/>
                 <a:cs typeface="Segoe UI" panose="020B0502040204020203" pitchFamily="34" charset="0"/>
               </a:rPr>
               <a:t> </a:t>
             </a:r>
             <a:r>
-              <a:rPr lang="en-US" sz="2400" b="1" err="1">
+              <a:rPr lang="en-US" sz="2400" b="1" dirty="0" err="1">
                 <a:latin typeface="Segoe UI" panose="020B0502040204020203" pitchFamily="34" charset="0"/>
                 <a:cs typeface="Segoe UI" panose="020B0502040204020203" pitchFamily="34" charset="0"/>
               </a:rPr>
               <a:t>Biên</a:t>
             </a:r>
-            <a:endParaRPr lang="en-US" sz="2400" b="1">
+            <a:endParaRPr lang="en-US" sz="2400" b="1" dirty="0">
               <a:latin typeface="Segoe UI" panose="020B0502040204020203" pitchFamily="34" charset="0"/>
               <a:cs typeface="Segoe UI" panose="020B0502040204020203" pitchFamily="34" charset="0"/>
             </a:endParaRPr>
@@ -27783,7 +27763,7 @@
           <a:p>
             <a:pPr algn="ctr"/>
             <a:r>
-              <a:rPr lang="en-US" sz="3600" b="1">
+              <a:rPr lang="en-US" sz="3600" b="1" dirty="0">
                 <a:solidFill>
                   <a:schemeClr val="accent5">
                     <a:lumMod val="50000"/>
@@ -27794,7 +27774,7 @@
               </a:rPr>
               <a:t>KHÓA LUẬN TỐT NGHIỆP CỬ NHÂN CNTT</a:t>
             </a:r>
-            <a:endParaRPr lang="en-US" sz="3600"/>
+            <a:endParaRPr lang="en-US" sz="3600" dirty="0"/>
           </a:p>
         </p:txBody>
       </p:sp>
@@ -27829,7 +27809,7 @@
               <a:pPr/>
               <a:t>1</a:t>
             </a:fld>
-            <a:endParaRPr lang="en-US"/>
+            <a:endParaRPr lang="en-US" dirty="0"/>
           </a:p>
         </p:txBody>
       </p:sp>
@@ -28085,12 +28065,20 @@
         </p:nvSpPr>
         <p:spPr>
           <a:xfrm>
-            <a:off x="1303880" y="5882605"/>
-            <a:ext cx="9584240" cy="461665"/>
+            <a:off x="771584" y="5978668"/>
+            <a:ext cx="10614218" cy="461665"/>
           </a:xfrm>
           <a:prstGeom prst="rect">
             <a:avLst/>
           </a:prstGeom>
+          <a:ln>
+            <a:solidFill>
+              <a:schemeClr val="tx1">
+                <a:lumMod val="85000"/>
+                <a:lumOff val="15000"/>
+              </a:schemeClr>
+            </a:solidFill>
+          </a:ln>
         </p:spPr>
         <p:style>
           <a:lnRef idx="2">
@@ -28115,6 +28103,12 @@
             <a:pPr algn="ctr"/>
             <a:r>
               <a:rPr lang="en-US" sz="2400" dirty="0" err="1">
+                <a:solidFill>
+                  <a:schemeClr val="tx1">
+                    <a:lumMod val="85000"/>
+                    <a:lumOff val="15000"/>
+                  </a:schemeClr>
+                </a:solidFill>
                 <a:latin typeface="Segoe UI" panose="020B0502040204020203" pitchFamily="34" charset="0"/>
                 <a:cs typeface="Segoe UI" panose="020B0502040204020203" pitchFamily="34" charset="0"/>
               </a:rPr>
@@ -28122,6 +28116,12 @@
             </a:r>
             <a:r>
               <a:rPr lang="en-US" sz="2400" dirty="0">
+                <a:solidFill>
+                  <a:schemeClr val="tx1">
+                    <a:lumMod val="85000"/>
+                    <a:lumOff val="15000"/>
+                  </a:schemeClr>
+                </a:solidFill>
                 <a:latin typeface="Segoe UI" panose="020B0502040204020203" pitchFamily="34" charset="0"/>
                 <a:cs typeface="Segoe UI" panose="020B0502040204020203" pitchFamily="34" charset="0"/>
               </a:rPr>
@@ -28129,6 +28129,12 @@
             </a:r>
             <a:r>
               <a:rPr lang="en-US" sz="2400" dirty="0" err="1">
+                <a:solidFill>
+                  <a:schemeClr val="tx1">
+                    <a:lumMod val="85000"/>
+                    <a:lumOff val="15000"/>
+                  </a:schemeClr>
+                </a:solidFill>
                 <a:latin typeface="Segoe UI" panose="020B0502040204020203" pitchFamily="34" charset="0"/>
                 <a:cs typeface="Segoe UI" panose="020B0502040204020203" pitchFamily="34" charset="0"/>
               </a:rPr>
@@ -28136,6 +28142,12 @@
             </a:r>
             <a:r>
               <a:rPr lang="en-US" sz="2400" dirty="0">
+                <a:solidFill>
+                  <a:schemeClr val="tx1">
+                    <a:lumMod val="85000"/>
+                    <a:lumOff val="15000"/>
+                  </a:schemeClr>
+                </a:solidFill>
                 <a:latin typeface="Segoe UI" panose="020B0502040204020203" pitchFamily="34" charset="0"/>
                 <a:cs typeface="Segoe UI" panose="020B0502040204020203" pitchFamily="34" charset="0"/>
               </a:rPr>
@@ -28143,6 +28155,12 @@
             </a:r>
             <a:r>
               <a:rPr lang="en-US" sz="2400" dirty="0" err="1">
+                <a:solidFill>
+                  <a:schemeClr val="tx1">
+                    <a:lumMod val="85000"/>
+                    <a:lumOff val="15000"/>
+                  </a:schemeClr>
+                </a:solidFill>
                 <a:latin typeface="Segoe UI" panose="020B0502040204020203" pitchFamily="34" charset="0"/>
                 <a:cs typeface="Segoe UI" panose="020B0502040204020203" pitchFamily="34" charset="0"/>
               </a:rPr>
@@ -28150,6 +28168,12 @@
             </a:r>
             <a:r>
               <a:rPr lang="en-US" sz="2400" dirty="0">
+                <a:solidFill>
+                  <a:schemeClr val="tx1">
+                    <a:lumMod val="85000"/>
+                    <a:lumOff val="15000"/>
+                  </a:schemeClr>
+                </a:solidFill>
                 <a:latin typeface="Segoe UI" panose="020B0502040204020203" pitchFamily="34" charset="0"/>
                 <a:cs typeface="Segoe UI" panose="020B0502040204020203" pitchFamily="34" charset="0"/>
               </a:rPr>
@@ -28157,6 +28181,12 @@
             </a:r>
             <a:r>
               <a:rPr lang="en-US" sz="2400" dirty="0" err="1">
+                <a:solidFill>
+                  <a:schemeClr val="tx1">
+                    <a:lumMod val="85000"/>
+                    <a:lumOff val="15000"/>
+                  </a:schemeClr>
+                </a:solidFill>
                 <a:latin typeface="Segoe UI" panose="020B0502040204020203" pitchFamily="34" charset="0"/>
                 <a:cs typeface="Segoe UI" panose="020B0502040204020203" pitchFamily="34" charset="0"/>
               </a:rPr>
@@ -28164,6 +28194,12 @@
             </a:r>
             <a:r>
               <a:rPr lang="en-US" sz="2400" dirty="0">
+                <a:solidFill>
+                  <a:schemeClr val="tx1">
+                    <a:lumMod val="85000"/>
+                    <a:lumOff val="15000"/>
+                  </a:schemeClr>
+                </a:solidFill>
                 <a:latin typeface="Segoe UI" panose="020B0502040204020203" pitchFamily="34" charset="0"/>
                 <a:cs typeface="Segoe UI" panose="020B0502040204020203" pitchFamily="34" charset="0"/>
               </a:rPr>
@@ -28171,6 +28207,12 @@
             </a:r>
             <a:r>
               <a:rPr lang="en-US" sz="2400" dirty="0" err="1">
+                <a:solidFill>
+                  <a:schemeClr val="tx1">
+                    <a:lumMod val="85000"/>
+                    <a:lumOff val="15000"/>
+                  </a:schemeClr>
+                </a:solidFill>
                 <a:latin typeface="Segoe UI" panose="020B0502040204020203" pitchFamily="34" charset="0"/>
                 <a:cs typeface="Segoe UI" panose="020B0502040204020203" pitchFamily="34" charset="0"/>
               </a:rPr>
@@ -28178,6 +28220,12 @@
             </a:r>
             <a:r>
               <a:rPr lang="en-US" sz="2400" dirty="0">
+                <a:solidFill>
+                  <a:schemeClr val="tx1">
+                    <a:lumMod val="85000"/>
+                    <a:lumOff val="15000"/>
+                  </a:schemeClr>
+                </a:solidFill>
                 <a:latin typeface="Segoe UI" panose="020B0502040204020203" pitchFamily="34" charset="0"/>
                 <a:cs typeface="Segoe UI" panose="020B0502040204020203" pitchFamily="34" charset="0"/>
               </a:rPr>
@@ -28185,12 +28233,24 @@
             </a:r>
             <a:r>
               <a:rPr lang="en-US" sz="2400" dirty="0" err="1">
+                <a:solidFill>
+                  <a:schemeClr val="tx1">
+                    <a:lumMod val="85000"/>
+                    <a:lumOff val="15000"/>
+                  </a:schemeClr>
+                </a:solidFill>
                 <a:latin typeface="Segoe UI" panose="020B0502040204020203" pitchFamily="34" charset="0"/>
                 <a:cs typeface="Segoe UI" panose="020B0502040204020203" pitchFamily="34" charset="0"/>
               </a:rPr>
               <a:t>khảo</a:t>
             </a:r>
             <a:endParaRPr lang="en-US" sz="2400" dirty="0">
+              <a:solidFill>
+                <a:schemeClr val="tx1">
+                  <a:lumMod val="85000"/>
+                  <a:lumOff val="15000"/>
+                </a:schemeClr>
+              </a:solidFill>
               <a:latin typeface="Segoe UI" panose="020B0502040204020203" pitchFamily="34" charset="0"/>
               <a:cs typeface="Segoe UI" panose="020B0502040204020203" pitchFamily="34" charset="0"/>
             </a:endParaRPr>
@@ -28215,9 +28275,14 @@
         </p:nvSpPr>
         <p:spPr>
           <a:xfrm>
-            <a:off x="155196" y="117864"/>
-            <a:ext cx="11881607" cy="830997"/>
+            <a:off x="806196" y="388459"/>
+            <a:ext cx="10579609" cy="830997"/>
           </a:xfrm>
+          <a:ln>
+            <a:solidFill>
+              <a:srgbClr val="000099"/>
+            </a:solidFill>
+          </a:ln>
         </p:spPr>
         <p:txBody>
           <a:bodyPr vert="horz" lIns="182880" tIns="182880" rIns="182880" bIns="182880" rtlCol="0" anchor="ctr">
@@ -28390,42 +28455,42 @@
           <p:nvPr>
             <p:extLst>
               <p:ext uri="{D42A27DB-BD31-4B8C-83A1-F6EECF244321}">
-                <p14:modId xmlns:p14="http://schemas.microsoft.com/office/powerpoint/2010/main" val="2081211399"/>
+                <p14:modId xmlns:p14="http://schemas.microsoft.com/office/powerpoint/2010/main" val="4079089923"/>
               </p:ext>
             </p:extLst>
           </p:nvPr>
         </p:nvGraphicFramePr>
         <p:xfrm>
-          <a:off x="806196" y="1607873"/>
-          <a:ext cx="4832880" cy="3398520"/>
+          <a:off x="806195" y="1607874"/>
+          <a:ext cx="4971753" cy="3425263"/>
         </p:xfrm>
         <a:graphic>
           <a:graphicData uri="http://schemas.openxmlformats.org/drawingml/2006/table">
             <a:tbl>
               <a:tblPr/>
               <a:tblGrid>
-                <a:gridCol w="1208220">
+                <a:gridCol w="1242938">
                   <a:extLst>
                     <a:ext uri="{9D8B030D-6E8A-4147-A177-3AD203B41FA5}">
                       <a16:colId xmlns:a16="http://schemas.microsoft.com/office/drawing/2014/main" val="2127666613"/>
                     </a:ext>
                   </a:extLst>
                 </a:gridCol>
-                <a:gridCol w="1208220">
+                <a:gridCol w="1242938">
                   <a:extLst>
                     <a:ext uri="{9D8B030D-6E8A-4147-A177-3AD203B41FA5}">
                       <a16:colId xmlns:a16="http://schemas.microsoft.com/office/drawing/2014/main" val="1263340631"/>
                     </a:ext>
                   </a:extLst>
                 </a:gridCol>
-                <a:gridCol w="1159719">
+                <a:gridCol w="1193044">
                   <a:extLst>
                     <a:ext uri="{9D8B030D-6E8A-4147-A177-3AD203B41FA5}">
                       <a16:colId xmlns:a16="http://schemas.microsoft.com/office/drawing/2014/main" val="2831046318"/>
                     </a:ext>
                   </a:extLst>
                 </a:gridCol>
-                <a:gridCol w="1256721">
+                <a:gridCol w="1292833">
                   <a:extLst>
                     <a:ext uri="{9D8B030D-6E8A-4147-A177-3AD203B41FA5}">
                       <a16:colId xmlns:a16="http://schemas.microsoft.com/office/drawing/2014/main" val="518002026"/>
@@ -28433,7 +28498,7 @@
                   </a:extLst>
                 </a:gridCol>
               </a:tblGrid>
-              <a:tr h="0">
+              <a:tr h="629757">
                 <a:tc>
                   <a:txBody>
                     <a:bodyPr/>
@@ -28668,7 +28733,7 @@
                   </a:ext>
                 </a:extLst>
               </a:tr>
-              <a:tr h="0">
+              <a:tr h="1459193">
                 <a:tc>
                   <a:txBody>
                     <a:bodyPr/>
@@ -28991,7 +29056,7 @@
                   </a:ext>
                 </a:extLst>
               </a:tr>
-              <a:tr h="0">
+              <a:tr h="353278">
                 <a:tc rowSpan="3">
                   <a:txBody>
                     <a:bodyPr/>
@@ -29286,7 +29351,7 @@
                   </a:ext>
                 </a:extLst>
               </a:tr>
-              <a:tr h="0">
+              <a:tr h="353278">
                 <a:tc vMerge="1">
                   <a:txBody>
                     <a:bodyPr/>
@@ -29427,7 +29492,7 @@
                   </a:ext>
                 </a:extLst>
               </a:tr>
-              <a:tr h="0">
+              <a:tr h="629757">
                 <a:tc vMerge="1">
                   <a:txBody>
                     <a:bodyPr/>
@@ -29587,14 +29652,14 @@
           <p:nvPr>
             <p:extLst>
               <p:ext uri="{D42A27DB-BD31-4B8C-83A1-F6EECF244321}">
-                <p14:modId xmlns:p14="http://schemas.microsoft.com/office/powerpoint/2010/main" val="2707598045"/>
+                <p14:modId xmlns:p14="http://schemas.microsoft.com/office/powerpoint/2010/main" val="2055242979"/>
               </p:ext>
             </p:extLst>
           </p:nvPr>
         </p:nvGraphicFramePr>
         <p:xfrm>
-          <a:off x="6096000" y="1607873"/>
-          <a:ext cx="5289804" cy="3398521"/>
+          <a:off x="5976730" y="1607873"/>
+          <a:ext cx="5409072" cy="3430309"/>
         </p:xfrm>
         <a:graphic>
           <a:graphicData uri="http://schemas.openxmlformats.org/drawingml/2006/table">
@@ -29603,35 +29668,35 @@
                 <a:tableStyleId>{5C22544A-7EE6-4342-B048-85BDC9FD1C3A}</a:tableStyleId>
               </a:tblPr>
               <a:tblGrid>
-                <a:gridCol w="1621830">
+                <a:gridCol w="1658397">
                   <a:extLst>
                     <a:ext uri="{9D8B030D-6E8A-4147-A177-3AD203B41FA5}">
                       <a16:colId xmlns:a16="http://schemas.microsoft.com/office/drawing/2014/main" val="2400481918"/>
                     </a:ext>
                   </a:extLst>
                 </a:gridCol>
-                <a:gridCol w="1291806">
+                <a:gridCol w="1320932">
                   <a:extLst>
                     <a:ext uri="{9D8B030D-6E8A-4147-A177-3AD203B41FA5}">
                       <a16:colId xmlns:a16="http://schemas.microsoft.com/office/drawing/2014/main" val="775132194"/>
                     </a:ext>
                   </a:extLst>
                 </a:gridCol>
-                <a:gridCol w="933495">
+                <a:gridCol w="954543">
                   <a:extLst>
                     <a:ext uri="{9D8B030D-6E8A-4147-A177-3AD203B41FA5}">
                       <a16:colId xmlns:a16="http://schemas.microsoft.com/office/drawing/2014/main" val="2497453993"/>
                     </a:ext>
                   </a:extLst>
                 </a:gridCol>
-                <a:gridCol w="697764">
+                <a:gridCol w="713496">
                   <a:extLst>
                     <a:ext uri="{9D8B030D-6E8A-4147-A177-3AD203B41FA5}">
                       <a16:colId xmlns:a16="http://schemas.microsoft.com/office/drawing/2014/main" val="328917101"/>
                     </a:ext>
                   </a:extLst>
                 </a:gridCol>
-                <a:gridCol w="744909">
+                <a:gridCol w="761704">
                   <a:extLst>
                     <a:ext uri="{9D8B030D-6E8A-4147-A177-3AD203B41FA5}">
                       <a16:colId xmlns:a16="http://schemas.microsoft.com/office/drawing/2014/main" val="886405958"/>
@@ -29639,7 +29704,7 @@
                   </a:extLst>
                 </a:gridCol>
               </a:tblGrid>
-              <a:tr h="212913">
+              <a:tr h="214905">
                 <a:tc rowSpan="2">
                   <a:txBody>
                     <a:bodyPr/>
@@ -29735,7 +29800,7 @@
                   </a:ext>
                 </a:extLst>
               </a:tr>
-              <a:tr h="398380">
+              <a:tr h="402106">
                 <a:tc vMerge="1">
                   <a:txBody>
                     <a:bodyPr/>
@@ -29786,12 +29851,12 @@
                     <a:p>
                       <a:pPr algn="l" fontAlgn="ctr"/>
                       <a:r>
-                        <a:rPr lang="vi-VN" sz="1200" u="none" strike="noStrike">
+                        <a:rPr lang="vi-VN" sz="1200" u="none" strike="noStrike" dirty="0">
                           <a:effectLst/>
                         </a:rPr>
                         <a:t>(video, phone call)</a:t>
                       </a:r>
-                      <a:endParaRPr lang="vi-VN" sz="1200" b="0" i="0" u="none" strike="noStrike">
+                      <a:endParaRPr lang="vi-VN" sz="1200" b="0" i="0" u="none" strike="noStrike" dirty="0">
                         <a:solidFill>
                           <a:srgbClr val="202124"/>
                         </a:solidFill>
@@ -29818,7 +29883,7 @@
                   </a:ext>
                 </a:extLst>
               </a:tr>
-              <a:tr h="1071018">
+              <a:tr h="1081036">
                 <a:tc>
                   <a:txBody>
                     <a:bodyPr/>
@@ -29946,7 +30011,7 @@
                   </a:ext>
                 </a:extLst>
               </a:tr>
-              <a:tr h="858105">
+              <a:tr h="866131">
                 <a:tc>
                   <a:txBody>
                     <a:bodyPr/>
@@ -30068,7 +30133,7 @@
                   </a:ext>
                 </a:extLst>
               </a:tr>
-              <a:tr h="858105">
+              <a:tr h="866131">
                 <a:tc>
                   <a:txBody>
                     <a:bodyPr/>
@@ -30233,7 +30298,7 @@
         <p:spPr>
           <a:xfrm flipH="1">
             <a:off x="7105470" y="5277591"/>
-            <a:ext cx="3836332" cy="523220"/>
+            <a:ext cx="3217973" cy="492443"/>
           </a:xfrm>
           <a:prstGeom prst="rect">
             <a:avLst/>
@@ -30247,7 +30312,7 @@
           <a:lstStyle/>
           <a:p>
             <a:r>
-              <a:rPr lang="en-US" sz="2800" b="1" cap="all" spc="200" dirty="0">
+              <a:rPr lang="en-US" sz="2600" b="1" cap="all" spc="200" dirty="0">
                 <a:solidFill>
                   <a:srgbClr val="0070C0"/>
                 </a:solidFill>
@@ -30257,7 +30322,7 @@
               </a:rPr>
               <a:t>Google Speech</a:t>
             </a:r>
-            <a:endParaRPr lang="vi-VN" sz="2800" b="1" cap="all" spc="200" dirty="0">
+            <a:endParaRPr lang="vi-VN" sz="2600" b="1" cap="all" spc="200" dirty="0">
               <a:solidFill>
                 <a:srgbClr val="0070C0"/>
               </a:solidFill>
@@ -30283,7 +30348,7 @@
         <p:spPr>
           <a:xfrm flipH="1">
             <a:off x="2520548" y="5272547"/>
-            <a:ext cx="1609473" cy="523220"/>
+            <a:ext cx="1609473" cy="492443"/>
           </a:xfrm>
           <a:prstGeom prst="rect">
             <a:avLst/>
@@ -30297,7 +30362,7 @@
           <a:lstStyle/>
           <a:p>
             <a:r>
-              <a:rPr lang="en-US" sz="2800" b="1" cap="all" spc="200" dirty="0">
+              <a:rPr lang="en-US" sz="2600" b="1" cap="all" spc="200" dirty="0">
                 <a:solidFill>
                   <a:srgbClr val="0070C0"/>
                 </a:solidFill>
@@ -30307,7 +30372,7 @@
               </a:rPr>
               <a:t>FPT AI</a:t>
             </a:r>
-            <a:endParaRPr lang="vi-VN" sz="2800" b="1" cap="all" spc="200" dirty="0">
+            <a:endParaRPr lang="vi-VN" sz="2600" b="1" cap="all" spc="200" dirty="0">
               <a:solidFill>
                 <a:srgbClr val="0070C0"/>
               </a:solidFill>
@@ -30507,20 +30572,97 @@
         </p:spPr>
         <p:txBody>
           <a:bodyPr vert="horz" wrap="square" lIns="182880" tIns="182880" rIns="182880" bIns="182880" rtlCol="0">
-            <a:normAutofit fontScale="90000"/>
+            <a:normAutofit/>
           </a:bodyPr>
           <a:lstStyle/>
           <a:p>
             <a:r>
-              <a:rPr lang="en-US" sz="3200" b="1">
+              <a:rPr lang="en-US" sz="3200" b="1" dirty="0">
                 <a:solidFill>
                   <a:schemeClr val="bg1"/>
                 </a:solidFill>
                 <a:latin typeface="Segoe UI" panose="020B0502040204020203" pitchFamily="34" charset="0"/>
                 <a:cs typeface="Segoe UI" panose="020B0502040204020203" pitchFamily="34" charset="0"/>
               </a:rPr>
-              <a:t>4.1. mục tiêu luận văn</a:t>
-            </a:r>
+              <a:t>4. </a:t>
+            </a:r>
+            <a:r>
+              <a:rPr lang="en-US" sz="3200" b="1" dirty="0" err="1">
+                <a:solidFill>
+                  <a:schemeClr val="bg1"/>
+                </a:solidFill>
+                <a:latin typeface="Segoe UI" panose="020B0502040204020203" pitchFamily="34" charset="0"/>
+                <a:cs typeface="Segoe UI" panose="020B0502040204020203" pitchFamily="34" charset="0"/>
+              </a:rPr>
+              <a:t>mục</a:t>
+            </a:r>
+            <a:r>
+              <a:rPr lang="en-US" sz="3200" b="1" dirty="0">
+                <a:solidFill>
+                  <a:schemeClr val="bg1"/>
+                </a:solidFill>
+                <a:latin typeface="Segoe UI" panose="020B0502040204020203" pitchFamily="34" charset="0"/>
+                <a:cs typeface="Segoe UI" panose="020B0502040204020203" pitchFamily="34" charset="0"/>
+              </a:rPr>
+              <a:t> </a:t>
+            </a:r>
+            <a:r>
+              <a:rPr lang="en-US" sz="3200" b="1" dirty="0" err="1">
+                <a:solidFill>
+                  <a:schemeClr val="bg1"/>
+                </a:solidFill>
+                <a:latin typeface="Segoe UI" panose="020B0502040204020203" pitchFamily="34" charset="0"/>
+                <a:cs typeface="Segoe UI" panose="020B0502040204020203" pitchFamily="34" charset="0"/>
+              </a:rPr>
+              <a:t>tiêu</a:t>
+            </a:r>
+            <a:r>
+              <a:rPr lang="en-US" sz="3200" b="1" dirty="0">
+                <a:solidFill>
+                  <a:schemeClr val="bg1"/>
+                </a:solidFill>
+                <a:latin typeface="Segoe UI" panose="020B0502040204020203" pitchFamily="34" charset="0"/>
+                <a:cs typeface="Segoe UI" panose="020B0502040204020203" pitchFamily="34" charset="0"/>
+              </a:rPr>
+              <a:t> </a:t>
+            </a:r>
+            <a:r>
+              <a:rPr lang="en-US" sz="3200" b="1" dirty="0" err="1">
+                <a:solidFill>
+                  <a:schemeClr val="bg1"/>
+                </a:solidFill>
+                <a:latin typeface="Segoe UI" panose="020B0502040204020203" pitchFamily="34" charset="0"/>
+                <a:cs typeface="Segoe UI" panose="020B0502040204020203" pitchFamily="34" charset="0"/>
+              </a:rPr>
+              <a:t>luận</a:t>
+            </a:r>
+            <a:r>
+              <a:rPr lang="en-US" sz="3200" b="1" dirty="0">
+                <a:solidFill>
+                  <a:schemeClr val="bg1"/>
+                </a:solidFill>
+                <a:latin typeface="Segoe UI" panose="020B0502040204020203" pitchFamily="34" charset="0"/>
+                <a:cs typeface="Segoe UI" panose="020B0502040204020203" pitchFamily="34" charset="0"/>
+              </a:rPr>
+              <a:t> </a:t>
+            </a:r>
+            <a:r>
+              <a:rPr lang="en-US" sz="3200" b="1" dirty="0" err="1">
+                <a:solidFill>
+                  <a:schemeClr val="bg1"/>
+                </a:solidFill>
+                <a:latin typeface="Segoe UI" panose="020B0502040204020203" pitchFamily="34" charset="0"/>
+                <a:cs typeface="Segoe UI" panose="020B0502040204020203" pitchFamily="34" charset="0"/>
+              </a:rPr>
+              <a:t>văn</a:t>
+            </a:r>
+            <a:endParaRPr lang="en-US" sz="3200" b="1" dirty="0">
+              <a:solidFill>
+                <a:schemeClr val="bg1"/>
+              </a:solidFill>
+              <a:latin typeface="Segoe UI" panose="020B0502040204020203" pitchFamily="34" charset="0"/>
+              <a:cs typeface="Segoe UI" panose="020B0502040204020203" pitchFamily="34" charset="0"/>
+            </a:endParaRPr>
           </a:p>
         </p:txBody>
       </p:sp>
@@ -30919,17 +31061,17 @@
           <a:lstStyle/>
           <a:p>
             <a:r>
-              <a:rPr lang="en-US" sz="3200" b="1" dirty="0">
+              <a:rPr lang="en-US" sz="2900" b="1" dirty="0">
                 <a:solidFill>
                   <a:srgbClr val="0070C0"/>
                 </a:solidFill>
                 <a:latin typeface="Segoe UI" panose="020B0502040204020203" pitchFamily="34" charset="0"/>
                 <a:cs typeface="Segoe UI" panose="020B0502040204020203" pitchFamily="34" charset="0"/>
               </a:rPr>
-              <a:t>4.2. </a:t>
-            </a:r>
-            <a:r>
-              <a:rPr lang="en-US" sz="3200" b="1" dirty="0" err="1">
+              <a:t>5. </a:t>
+            </a:r>
+            <a:r>
+              <a:rPr lang="en-US" sz="2900" b="1" dirty="0" err="1">
                 <a:solidFill>
                   <a:srgbClr val="0070C0"/>
                 </a:solidFill>
@@ -30939,7 +31081,7 @@
               <a:t>một</a:t>
             </a:r>
             <a:r>
-              <a:rPr lang="en-US" sz="3200" b="1" dirty="0">
+              <a:rPr lang="en-US" sz="2900" b="1" dirty="0">
                 <a:solidFill>
                   <a:srgbClr val="0070C0"/>
                 </a:solidFill>
@@ -30949,7 +31091,7 @@
               <a:t> </a:t>
             </a:r>
             <a:r>
-              <a:rPr lang="en-US" sz="3200" b="1" dirty="0" err="1">
+              <a:rPr lang="en-US" sz="2900" b="1" dirty="0" err="1">
                 <a:solidFill>
                   <a:srgbClr val="0070C0"/>
                 </a:solidFill>
@@ -30959,7 +31101,7 @@
               <a:t>số</a:t>
             </a:r>
             <a:r>
-              <a:rPr lang="en-US" sz="3200" b="1" dirty="0">
+              <a:rPr lang="en-US" sz="2900" b="1" dirty="0">
                 <a:solidFill>
                   <a:srgbClr val="0070C0"/>
                 </a:solidFill>
@@ -30969,7 +31111,7 @@
               <a:t> </a:t>
             </a:r>
             <a:r>
-              <a:rPr lang="en-US" sz="3200" b="1" dirty="0" err="1">
+              <a:rPr lang="en-US" sz="2900" b="1" dirty="0" err="1">
                 <a:solidFill>
                   <a:srgbClr val="0070C0"/>
                 </a:solidFill>
@@ -30979,7 +31121,7 @@
               <a:t>tính</a:t>
             </a:r>
             <a:r>
-              <a:rPr lang="en-US" sz="3200" b="1" dirty="0">
+              <a:rPr lang="en-US" sz="2900" b="1" dirty="0">
                 <a:solidFill>
                   <a:srgbClr val="0070C0"/>
                 </a:solidFill>
@@ -30989,7 +31131,7 @@
               <a:t> </a:t>
             </a:r>
             <a:r>
-              <a:rPr lang="en-US" sz="3200" b="1" dirty="0" err="1">
+              <a:rPr lang="en-US" sz="2900" b="1" dirty="0" err="1">
                 <a:solidFill>
                   <a:srgbClr val="0070C0"/>
                 </a:solidFill>
@@ -30999,7 +31141,7 @@
               <a:t>năng</a:t>
             </a:r>
             <a:r>
-              <a:rPr lang="en-US" sz="3200" b="1" dirty="0">
+              <a:rPr lang="en-US" sz="2900" b="1" dirty="0">
                 <a:solidFill>
                   <a:srgbClr val="0070C0"/>
                 </a:solidFill>
@@ -31009,7 +31151,7 @@
               <a:t> </a:t>
             </a:r>
             <a:r>
-              <a:rPr lang="en-US" sz="3200" b="1" dirty="0" err="1">
+              <a:rPr lang="en-US" sz="2900" b="1" dirty="0" err="1">
                 <a:solidFill>
                   <a:srgbClr val="0070C0"/>
                 </a:solidFill>
@@ -31019,7 +31161,7 @@
               <a:t>nổi</a:t>
             </a:r>
             <a:r>
-              <a:rPr lang="en-US" sz="3200" b="1" dirty="0">
+              <a:rPr lang="en-US" sz="2900" b="1" dirty="0">
                 <a:solidFill>
                   <a:srgbClr val="0070C0"/>
                 </a:solidFill>
@@ -31029,7 +31171,7 @@
               <a:t> </a:t>
             </a:r>
             <a:r>
-              <a:rPr lang="en-US" sz="3200" b="1" dirty="0" err="1">
+              <a:rPr lang="en-US" sz="2900" b="1" dirty="0" err="1">
                 <a:solidFill>
                   <a:srgbClr val="0070C0"/>
                 </a:solidFill>
@@ -31038,7 +31180,7 @@
               </a:rPr>
               <a:t>bật</a:t>
             </a:r>
-            <a:endParaRPr lang="en-US" sz="3200" b="1" dirty="0">
+            <a:endParaRPr lang="en-US" sz="2900" b="1" dirty="0">
               <a:solidFill>
                 <a:srgbClr val="0070C0"/>
               </a:solidFill>
@@ -31602,15 +31744,92 @@
           <a:lstStyle/>
           <a:p>
             <a:r>
-              <a:rPr lang="en-US" sz="2500" b="1">
+              <a:rPr lang="en-US" sz="2900" b="1" dirty="0">
                 <a:solidFill>
                   <a:srgbClr val="FFFFFF"/>
                 </a:solidFill>
                 <a:latin typeface="Segoe UI" panose="020B0502040204020203" pitchFamily="34" charset="0"/>
                 <a:cs typeface="Segoe UI" panose="020B0502040204020203" pitchFamily="34" charset="0"/>
               </a:rPr>
-              <a:t>5. Giải pháp tổng quát</a:t>
-            </a:r>
+              <a:t>6. </a:t>
+            </a:r>
+            <a:r>
+              <a:rPr lang="en-US" sz="2900" b="1" dirty="0" err="1">
+                <a:solidFill>
+                  <a:srgbClr val="FFFFFF"/>
+                </a:solidFill>
+                <a:latin typeface="Segoe UI" panose="020B0502040204020203" pitchFamily="34" charset="0"/>
+                <a:cs typeface="Segoe UI" panose="020B0502040204020203" pitchFamily="34" charset="0"/>
+              </a:rPr>
+              <a:t>Giải</a:t>
+            </a:r>
+            <a:r>
+              <a:rPr lang="en-US" sz="2900" b="1" dirty="0">
+                <a:solidFill>
+                  <a:srgbClr val="FFFFFF"/>
+                </a:solidFill>
+                <a:latin typeface="Segoe UI" panose="020B0502040204020203" pitchFamily="34" charset="0"/>
+                <a:cs typeface="Segoe UI" panose="020B0502040204020203" pitchFamily="34" charset="0"/>
+              </a:rPr>
+              <a:t> </a:t>
+            </a:r>
+            <a:r>
+              <a:rPr lang="en-US" sz="2900" b="1" dirty="0" err="1">
+                <a:solidFill>
+                  <a:srgbClr val="FFFFFF"/>
+                </a:solidFill>
+                <a:latin typeface="Segoe UI" panose="020B0502040204020203" pitchFamily="34" charset="0"/>
+                <a:cs typeface="Segoe UI" panose="020B0502040204020203" pitchFamily="34" charset="0"/>
+              </a:rPr>
+              <a:t>pháp</a:t>
+            </a:r>
+            <a:r>
+              <a:rPr lang="en-US" sz="2900" b="1" dirty="0">
+                <a:solidFill>
+                  <a:srgbClr val="FFFFFF"/>
+                </a:solidFill>
+                <a:latin typeface="Segoe UI" panose="020B0502040204020203" pitchFamily="34" charset="0"/>
+                <a:cs typeface="Segoe UI" panose="020B0502040204020203" pitchFamily="34" charset="0"/>
+              </a:rPr>
+              <a:t> </a:t>
+            </a:r>
+            <a:r>
+              <a:rPr lang="en-US" sz="2900" b="1" dirty="0" err="1">
+                <a:solidFill>
+                  <a:srgbClr val="FFFFFF"/>
+                </a:solidFill>
+                <a:latin typeface="Segoe UI" panose="020B0502040204020203" pitchFamily="34" charset="0"/>
+                <a:cs typeface="Segoe UI" panose="020B0502040204020203" pitchFamily="34" charset="0"/>
+              </a:rPr>
+              <a:t>tổng</a:t>
+            </a:r>
+            <a:r>
+              <a:rPr lang="en-US" sz="2900" b="1" dirty="0">
+                <a:solidFill>
+                  <a:srgbClr val="FFFFFF"/>
+                </a:solidFill>
+                <a:latin typeface="Segoe UI" panose="020B0502040204020203" pitchFamily="34" charset="0"/>
+                <a:cs typeface="Segoe UI" panose="020B0502040204020203" pitchFamily="34" charset="0"/>
+              </a:rPr>
+              <a:t> </a:t>
+            </a:r>
+            <a:r>
+              <a:rPr lang="en-US" sz="2900" b="1" dirty="0" err="1">
+                <a:solidFill>
+                  <a:srgbClr val="FFFFFF"/>
+                </a:solidFill>
+                <a:latin typeface="Segoe UI" panose="020B0502040204020203" pitchFamily="34" charset="0"/>
+                <a:cs typeface="Segoe UI" panose="020B0502040204020203" pitchFamily="34" charset="0"/>
+              </a:rPr>
+              <a:t>quát</a:t>
+            </a:r>
+            <a:endParaRPr lang="en-US" sz="2900" b="1" dirty="0">
+              <a:solidFill>
+                <a:srgbClr val="FFFFFF"/>
+              </a:solidFill>
+              <a:latin typeface="Segoe UI" panose="020B0502040204020203" pitchFamily="34" charset="0"/>
+              <a:cs typeface="Segoe UI" panose="020B0502040204020203" pitchFamily="34" charset="0"/>
+            </a:endParaRPr>
           </a:p>
         </p:txBody>
       </p:sp>
@@ -31826,7 +32045,7 @@
         <p:spPr>
           <a:xfrm>
             <a:off x="253068" y="159391"/>
-            <a:ext cx="11785134" cy="562061"/>
+            <a:ext cx="11785134" cy="678937"/>
           </a:xfrm>
         </p:spPr>
         <p:txBody>
@@ -31843,7 +32062,7 @@
                 <a:latin typeface="Segoe UI" panose="020B0502040204020203" pitchFamily="34" charset="0"/>
                 <a:cs typeface="Segoe UI" panose="020B0502040204020203" pitchFamily="34" charset="0"/>
               </a:rPr>
-              <a:t>6.2. So </a:t>
+              <a:t>7. So </a:t>
             </a:r>
             <a:r>
               <a:rPr lang="en-US" b="1" dirty="0" err="1">
@@ -32136,7 +32355,7 @@
                         </a:spcAft>
                       </a:pPr>
                       <a:r>
-                        <a:rPr lang="en-US" sz="2000">
+                        <a:rPr lang="en-US" sz="2000" dirty="0" err="1">
                           <a:solidFill>
                             <a:schemeClr val="bg1"/>
                           </a:solidFill>
@@ -32144,9 +32363,53 @@
                           <a:latin typeface="Segoe UI" panose="020B0502040204020203" pitchFamily="34" charset="0"/>
                           <a:cs typeface="Segoe UI" panose="020B0502040204020203" pitchFamily="34" charset="0"/>
                         </a:rPr>
-                        <a:t>Tên chức năng</a:t>
+                        <a:t>Tên</a:t>
                       </a:r>
-                      <a:endParaRPr lang="en-US" sz="2000">
+                      <a:r>
+                        <a:rPr lang="en-US" sz="2000" dirty="0">
+                          <a:solidFill>
+                            <a:schemeClr val="bg1"/>
+                          </a:solidFill>
+                          <a:effectLst/>
+                          <a:latin typeface="Segoe UI" panose="020B0502040204020203" pitchFamily="34" charset="0"/>
+                          <a:cs typeface="Segoe UI" panose="020B0502040204020203" pitchFamily="34" charset="0"/>
+                        </a:rPr>
+                        <a:t> </a:t>
+                      </a:r>
+                      <a:r>
+                        <a:rPr lang="en-US" sz="2000" dirty="0" err="1">
+                          <a:solidFill>
+                            <a:schemeClr val="bg1"/>
+                          </a:solidFill>
+                          <a:effectLst/>
+                          <a:latin typeface="Segoe UI" panose="020B0502040204020203" pitchFamily="34" charset="0"/>
+                          <a:cs typeface="Segoe UI" panose="020B0502040204020203" pitchFamily="34" charset="0"/>
+                        </a:rPr>
+                        <a:t>chức</a:t>
+                      </a:r>
+                      <a:r>
+                        <a:rPr lang="en-US" sz="2000" dirty="0">
+                          <a:solidFill>
+                            <a:schemeClr val="bg1"/>
+                          </a:solidFill>
+                          <a:effectLst/>
+                          <a:latin typeface="Segoe UI" panose="020B0502040204020203" pitchFamily="34" charset="0"/>
+                          <a:cs typeface="Segoe UI" panose="020B0502040204020203" pitchFamily="34" charset="0"/>
+                        </a:rPr>
+                        <a:t> </a:t>
+                      </a:r>
+                      <a:r>
+                        <a:rPr lang="en-US" sz="2000" dirty="0" err="1">
+                          <a:solidFill>
+                            <a:schemeClr val="bg1"/>
+                          </a:solidFill>
+                          <a:effectLst/>
+                          <a:latin typeface="Segoe UI" panose="020B0502040204020203" pitchFamily="34" charset="0"/>
+                          <a:cs typeface="Segoe UI" panose="020B0502040204020203" pitchFamily="34" charset="0"/>
+                        </a:rPr>
+                        <a:t>năng</a:t>
+                      </a:r>
+                      <a:endParaRPr lang="en-US" sz="2000" dirty="0">
                         <a:solidFill>
                           <a:schemeClr val="bg1"/>
                         </a:solidFill>
@@ -35221,15 +35484,15 @@
         </p:nvSpPr>
         <p:spPr>
           <a:xfrm>
-            <a:off x="2018782" y="243968"/>
-            <a:ext cx="8215787" cy="980825"/>
+            <a:off x="1988106" y="203336"/>
+            <a:ext cx="8215787" cy="910207"/>
           </a:xfrm>
           <a:solidFill>
             <a:srgbClr val="FFFFFF"/>
           </a:solidFill>
           <a:ln>
             <a:solidFill>
-              <a:srgbClr val="404040"/>
+              <a:srgbClr val="000099"/>
             </a:solidFill>
           </a:ln>
         </p:spPr>
@@ -35240,27 +35503,127 @@
           <a:lstStyle/>
           <a:p>
             <a:r>
-              <a:rPr lang="en-US" b="1">
+              <a:rPr lang="en-US" sz="2900" b="1" dirty="0">
                 <a:solidFill>
                   <a:srgbClr val="0070C0"/>
                 </a:solidFill>
                 <a:latin typeface="Segoe UI" panose="020B0502040204020203" pitchFamily="34" charset="0"/>
                 <a:cs typeface="Segoe UI" panose="020B0502040204020203" pitchFamily="34" charset="0"/>
               </a:rPr>
-              <a:t>6.3. Một số kinh nghiệm đạt đ</a:t>
-            </a:r>
-            <a:r>
-              <a:rPr lang="vi-VN" b="1">
+              <a:t>8. </a:t>
+            </a:r>
+            <a:r>
+              <a:rPr lang="en-US" sz="2900" b="1" dirty="0" err="1">
                 <a:solidFill>
                   <a:srgbClr val="0070C0"/>
                 </a:solidFill>
                 <a:latin typeface="Segoe UI" panose="020B0502040204020203" pitchFamily="34" charset="0"/>
                 <a:cs typeface="Segoe UI" panose="020B0502040204020203" pitchFamily="34" charset="0"/>
               </a:rPr>
+              <a:t>Một</a:t>
+            </a:r>
+            <a:r>
+              <a:rPr lang="en-US" sz="2900" b="1" dirty="0">
+                <a:solidFill>
+                  <a:srgbClr val="0070C0"/>
+                </a:solidFill>
+                <a:latin typeface="Segoe UI" panose="020B0502040204020203" pitchFamily="34" charset="0"/>
+                <a:cs typeface="Segoe UI" panose="020B0502040204020203" pitchFamily="34" charset="0"/>
+              </a:rPr>
+              <a:t> </a:t>
+            </a:r>
+            <a:r>
+              <a:rPr lang="en-US" sz="2900" b="1" dirty="0" err="1">
+                <a:solidFill>
+                  <a:srgbClr val="0070C0"/>
+                </a:solidFill>
+                <a:latin typeface="Segoe UI" panose="020B0502040204020203" pitchFamily="34" charset="0"/>
+                <a:cs typeface="Segoe UI" panose="020B0502040204020203" pitchFamily="34" charset="0"/>
+              </a:rPr>
+              <a:t>số</a:t>
+            </a:r>
+            <a:r>
+              <a:rPr lang="en-US" sz="2900" b="1" dirty="0">
+                <a:solidFill>
+                  <a:srgbClr val="0070C0"/>
+                </a:solidFill>
+                <a:latin typeface="Segoe UI" panose="020B0502040204020203" pitchFamily="34" charset="0"/>
+                <a:cs typeface="Segoe UI" panose="020B0502040204020203" pitchFamily="34" charset="0"/>
+              </a:rPr>
+              <a:t> </a:t>
+            </a:r>
+            <a:r>
+              <a:rPr lang="en-US" sz="2900" b="1" dirty="0" err="1">
+                <a:solidFill>
+                  <a:srgbClr val="0070C0"/>
+                </a:solidFill>
+                <a:latin typeface="Segoe UI" panose="020B0502040204020203" pitchFamily="34" charset="0"/>
+                <a:cs typeface="Segoe UI" panose="020B0502040204020203" pitchFamily="34" charset="0"/>
+              </a:rPr>
+              <a:t>kinh</a:t>
+            </a:r>
+            <a:r>
+              <a:rPr lang="en-US" sz="2900" b="1" dirty="0">
+                <a:solidFill>
+                  <a:srgbClr val="0070C0"/>
+                </a:solidFill>
+                <a:latin typeface="Segoe UI" panose="020B0502040204020203" pitchFamily="34" charset="0"/>
+                <a:cs typeface="Segoe UI" panose="020B0502040204020203" pitchFamily="34" charset="0"/>
+              </a:rPr>
+              <a:t> </a:t>
+            </a:r>
+            <a:r>
+              <a:rPr lang="en-US" sz="2900" b="1" dirty="0" err="1">
+                <a:solidFill>
+                  <a:srgbClr val="0070C0"/>
+                </a:solidFill>
+                <a:latin typeface="Segoe UI" panose="020B0502040204020203" pitchFamily="34" charset="0"/>
+                <a:cs typeface="Segoe UI" panose="020B0502040204020203" pitchFamily="34" charset="0"/>
+              </a:rPr>
+              <a:t>nghiệm</a:t>
+            </a:r>
+            <a:r>
+              <a:rPr lang="en-US" sz="2900" b="1" dirty="0">
+                <a:solidFill>
+                  <a:srgbClr val="0070C0"/>
+                </a:solidFill>
+                <a:latin typeface="Segoe UI" panose="020B0502040204020203" pitchFamily="34" charset="0"/>
+                <a:cs typeface="Segoe UI" panose="020B0502040204020203" pitchFamily="34" charset="0"/>
+              </a:rPr>
+              <a:t> </a:t>
+            </a:r>
+            <a:r>
+              <a:rPr lang="en-US" sz="2900" b="1" dirty="0" err="1">
+                <a:solidFill>
+                  <a:srgbClr val="0070C0"/>
+                </a:solidFill>
+                <a:latin typeface="Segoe UI" panose="020B0502040204020203" pitchFamily="34" charset="0"/>
+                <a:cs typeface="Segoe UI" panose="020B0502040204020203" pitchFamily="34" charset="0"/>
+              </a:rPr>
+              <a:t>đạt</a:t>
+            </a:r>
+            <a:r>
+              <a:rPr lang="en-US" sz="2900" b="1" dirty="0">
+                <a:solidFill>
+                  <a:srgbClr val="0070C0"/>
+                </a:solidFill>
+                <a:latin typeface="Segoe UI" panose="020B0502040204020203" pitchFamily="34" charset="0"/>
+                <a:cs typeface="Segoe UI" panose="020B0502040204020203" pitchFamily="34" charset="0"/>
+              </a:rPr>
+              <a:t> đ</a:t>
+            </a:r>
+            <a:r>
+              <a:rPr lang="vi-VN" sz="2900" b="1" dirty="0">
+                <a:solidFill>
+                  <a:srgbClr val="0070C0"/>
+                </a:solidFill>
+                <a:latin typeface="Segoe UI" panose="020B0502040204020203" pitchFamily="34" charset="0"/>
+                <a:cs typeface="Segoe UI" panose="020B0502040204020203" pitchFamily="34" charset="0"/>
+              </a:rPr>
               <a:t>ư</a:t>
             </a:r>
             <a:r>
-              <a:rPr lang="en-US" b="1">
+              <a:rPr lang="en-US" sz="2900" b="1" dirty="0" err="1">
                 <a:solidFill>
                   <a:srgbClr val="0070C0"/>
                 </a:solidFill>
@@ -35269,75 +35632,13 @@
               </a:rPr>
               <a:t>ợc</a:t>
             </a:r>
-          </a:p>
-        </p:txBody>
-      </p:sp>
-      <p:sp>
-        <p:nvSpPr>
-          <p:cNvPr id="3" name="Rectangle 2">
-            <a:extLst>
-              <a:ext uri="{FF2B5EF4-FFF2-40B4-BE49-F238E27FC236}">
-                <a16:creationId xmlns:a16="http://schemas.microsoft.com/office/drawing/2014/main" id="{10017CAE-1CB2-4368-B583-AAE159957FBA}"/>
-              </a:ext>
-            </a:extLst>
-          </p:cNvPr>
-          <p:cNvSpPr>
-            <a:spLocks noChangeArrowheads="1"/>
-          </p:cNvSpPr>
-          <p:nvPr/>
-        </p:nvSpPr>
-        <p:spPr bwMode="auto">
-          <a:xfrm>
-            <a:off x="559837" y="838328"/>
-            <a:ext cx="12192000" cy="457200"/>
-          </a:xfrm>
-          <a:prstGeom prst="rect">
-            <a:avLst/>
-          </a:prstGeom>
-          <a:noFill/>
-          <a:ln>
-            <a:noFill/>
-          </a:ln>
-          <a:effectLst/>
-          <a:extLst>
-            <a:ext uri="{909E8E84-426E-40DD-AFC4-6F175D3DCCD1}">
-              <a14:hiddenFill xmlns:a14="http://schemas.microsoft.com/office/drawing/2010/main">
-                <a:solidFill>
-                  <a:schemeClr val="accent1"/>
-                </a:solidFill>
-              </a14:hiddenFill>
-            </a:ext>
-            <a:ext uri="{91240B29-F687-4F45-9708-019B960494DF}">
-              <a14:hiddenLine xmlns:a14="http://schemas.microsoft.com/office/drawing/2010/main" w="9525">
-                <a:solidFill>
-                  <a:schemeClr val="tx1"/>
-                </a:solidFill>
-                <a:miter lim="800000"/>
-                <a:headEnd/>
-                <a:tailEnd/>
-              </a14:hiddenLine>
-            </a:ext>
-            <a:ext uri="{AF507438-7753-43E0-B8FC-AC1667EBCBE1}">
-              <a14:hiddenEffects xmlns:a14="http://schemas.microsoft.com/office/drawing/2010/main">
-                <a:effectLst>
-                  <a:outerShdw dist="35921" dir="2700000" algn="ctr" rotWithShape="0">
-                    <a:schemeClr val="bg2"/>
-                  </a:outerShdw>
-                </a:effectLst>
-              </a14:hiddenEffects>
-            </a:ext>
-          </a:extLst>
-        </p:spPr>
-        <p:txBody>
-          <a:bodyPr vert="horz" wrap="none" lIns="91440" tIns="45720" rIns="91440" bIns="45720" numCol="1" anchor="ctr" anchorCtr="0" compatLnSpc="1">
-            <a:prstTxWarp prst="textNoShape">
-              <a:avLst/>
-            </a:prstTxWarp>
-            <a:spAutoFit/>
-          </a:bodyPr>
-          <a:lstStyle/>
-          <a:p>
-            <a:endParaRPr lang="en-US"/>
+            <a:endParaRPr lang="en-US" sz="2900" b="1" dirty="0">
+              <a:solidFill>
+                <a:srgbClr val="0070C0"/>
+              </a:solidFill>
+              <a:latin typeface="Segoe UI" panose="020B0502040204020203" pitchFamily="34" charset="0"/>
+              <a:cs typeface="Segoe UI" panose="020B0502040204020203" pitchFamily="34" charset="0"/>
+            </a:endParaRPr>
           </a:p>
         </p:txBody>
       </p:sp>
@@ -35354,14 +35655,14 @@
           <p:nvPr>
             <p:extLst>
               <p:ext uri="{D42A27DB-BD31-4B8C-83A1-F6EECF244321}">
-                <p14:modId xmlns:p14="http://schemas.microsoft.com/office/powerpoint/2010/main" val="1087843725"/>
+                <p14:modId xmlns:p14="http://schemas.microsoft.com/office/powerpoint/2010/main" val="4065101007"/>
               </p:ext>
             </p:extLst>
           </p:nvPr>
         </p:nvGraphicFramePr>
         <p:xfrm>
-          <a:off x="209725" y="1602298"/>
-          <a:ext cx="11778143" cy="4941116"/>
+          <a:off x="209725" y="1295527"/>
+          <a:ext cx="11778143" cy="5463081"/>
         </p:xfrm>
         <a:graphic>
           <a:graphicData uri="http://schemas.openxmlformats.org/drawingml/2006/diagram">
@@ -35648,15 +35949,15 @@
         </p:nvSpPr>
         <p:spPr>
           <a:xfrm>
-            <a:off x="92279" y="2281806"/>
-            <a:ext cx="4488110" cy="2197915"/>
+            <a:off x="172889" y="2461347"/>
+            <a:ext cx="4367869" cy="1935304"/>
           </a:xfrm>
           <a:solidFill>
             <a:srgbClr val="FFFFFF"/>
           </a:solidFill>
           <a:ln>
             <a:solidFill>
-              <a:srgbClr val="404040"/>
+              <a:srgbClr val="000099"/>
             </a:solidFill>
           </a:ln>
         </p:spPr>
@@ -35667,17 +35968,17 @@
           <a:lstStyle/>
           <a:p>
             <a:r>
-              <a:rPr lang="en-US" b="1" dirty="0">
+              <a:rPr lang="en-US" sz="2900" b="1" dirty="0">
                 <a:solidFill>
                   <a:srgbClr val="0070C0"/>
                 </a:solidFill>
                 <a:latin typeface="Segoe UI" panose="020B0502040204020203" pitchFamily="34" charset="0"/>
                 <a:cs typeface="Segoe UI" panose="020B0502040204020203" pitchFamily="34" charset="0"/>
               </a:rPr>
-              <a:t>6.4. Ph</a:t>
-            </a:r>
-            <a:r>
-              <a:rPr lang="vi-VN" b="1" dirty="0">
+              <a:t>9. Ph</a:t>
+            </a:r>
+            <a:r>
+              <a:rPr lang="vi-VN" sz="2900" b="1" dirty="0">
                 <a:solidFill>
                   <a:srgbClr val="0070C0"/>
                 </a:solidFill>
@@ -35687,7 +35988,7 @@
               <a:t>ương</a:t>
             </a:r>
             <a:r>
-              <a:rPr lang="en-US" b="1" dirty="0">
+              <a:rPr lang="en-US" sz="2900" b="1" dirty="0">
                 <a:solidFill>
                   <a:srgbClr val="0070C0"/>
                 </a:solidFill>
@@ -35697,7 +35998,7 @@
               <a:t> Hướng </a:t>
             </a:r>
             <a:r>
-              <a:rPr lang="en-US" b="1" dirty="0" err="1">
+              <a:rPr lang="en-US" sz="2900" b="1" dirty="0" err="1">
                 <a:solidFill>
                   <a:srgbClr val="0070C0"/>
                 </a:solidFill>
@@ -35707,7 +36008,7 @@
               <a:t>phát</a:t>
             </a:r>
             <a:r>
-              <a:rPr lang="en-US" b="1" dirty="0">
+              <a:rPr lang="en-US" sz="2900" b="1" dirty="0">
                 <a:solidFill>
                   <a:srgbClr val="0070C0"/>
                 </a:solidFill>
@@ -35717,7 +36018,7 @@
               <a:t> </a:t>
             </a:r>
             <a:r>
-              <a:rPr lang="en-US" b="1" dirty="0" err="1">
+              <a:rPr lang="en-US" sz="2900" b="1" dirty="0" err="1">
                 <a:solidFill>
                   <a:srgbClr val="0070C0"/>
                 </a:solidFill>
@@ -35727,7 +36028,7 @@
               <a:t>triển</a:t>
             </a:r>
             <a:r>
-              <a:rPr lang="en-US" b="1" dirty="0">
+              <a:rPr lang="en-US" sz="2900" b="1" dirty="0">
                 <a:solidFill>
                   <a:srgbClr val="0070C0"/>
                 </a:solidFill>
@@ -35737,7 +36038,7 @@
               <a:t> </a:t>
             </a:r>
             <a:r>
-              <a:rPr lang="en-US" b="1" dirty="0" err="1">
+              <a:rPr lang="en-US" sz="2900" b="1" dirty="0" err="1">
                 <a:solidFill>
                   <a:srgbClr val="0070C0"/>
                 </a:solidFill>
@@ -35747,7 +36048,7 @@
               <a:t>sản</a:t>
             </a:r>
             <a:r>
-              <a:rPr lang="en-US" b="1" dirty="0">
+              <a:rPr lang="en-US" sz="2900" b="1" dirty="0">
                 <a:solidFill>
                   <a:srgbClr val="0070C0"/>
                 </a:solidFill>
@@ -35757,7 +36058,7 @@
               <a:t> </a:t>
             </a:r>
             <a:r>
-              <a:rPr lang="en-US" b="1" dirty="0" err="1">
+              <a:rPr lang="en-US" sz="2900" b="1" dirty="0" err="1">
                 <a:solidFill>
                   <a:srgbClr val="0070C0"/>
                 </a:solidFill>
@@ -35766,7 +36067,7 @@
               </a:rPr>
               <a:t>phẩm</a:t>
             </a:r>
-            <a:endParaRPr lang="en-US" b="1" dirty="0">
+            <a:endParaRPr lang="en-US" sz="2900" b="1" dirty="0">
               <a:solidFill>
                 <a:srgbClr val="0070C0"/>
               </a:solidFill>
@@ -35918,7 +36219,7 @@
           <p:nvPr>
             <p:extLst>
               <p:ext uri="{D42A27DB-BD31-4B8C-83A1-F6EECF244321}">
-                <p14:modId xmlns:p14="http://schemas.microsoft.com/office/powerpoint/2010/main" val="748456964"/>
+                <p14:modId xmlns:p14="http://schemas.microsoft.com/office/powerpoint/2010/main" val="1831587409"/>
               </p:ext>
             </p:extLst>
           </p:nvPr>
@@ -36030,8 +36331,8 @@
         </p:blipFill>
         <p:spPr bwMode="auto">
           <a:xfrm>
-            <a:off x="-13982" y="0"/>
-            <a:ext cx="12289872" cy="4613935"/>
+            <a:off x="0" y="0"/>
+            <a:ext cx="12192000" cy="4577191"/>
           </a:xfrm>
           <a:prstGeom prst="rect">
             <a:avLst/>
@@ -36066,9 +36367,14 @@
         </p:nvSpPr>
         <p:spPr>
           <a:xfrm>
-            <a:off x="1600200" y="3753529"/>
-            <a:ext cx="8991600" cy="1645759"/>
+            <a:off x="2072308" y="4268318"/>
+            <a:ext cx="8047383" cy="1132088"/>
           </a:xfrm>
+          <a:ln>
+            <a:solidFill>
+              <a:srgbClr val="000099"/>
+            </a:solidFill>
+          </a:ln>
         </p:spPr>
         <p:txBody>
           <a:bodyPr vert="horz" lIns="274320" tIns="182880" rIns="274320" bIns="182880" rtlCol="0" anchor="ctr" anchorCtr="1">
@@ -36077,17 +36383,17 @@
           <a:lstStyle/>
           <a:p>
             <a:r>
-              <a:rPr lang="en-US" sz="3800" b="1" dirty="0">
+              <a:rPr lang="en-US" sz="2900" b="1" dirty="0">
                 <a:solidFill>
                   <a:srgbClr val="0070C0"/>
                 </a:solidFill>
                 <a:latin typeface="Segoe UI" panose="020B0502040204020203" pitchFamily="34" charset="0"/>
                 <a:cs typeface="Segoe UI" panose="020B0502040204020203" pitchFamily="34" charset="0"/>
               </a:rPr>
-              <a:t>7. Demo </a:t>
-            </a:r>
-            <a:r>
-              <a:rPr lang="en-US" sz="3800" b="1" dirty="0" err="1">
+              <a:t>10. Demo </a:t>
+            </a:r>
+            <a:r>
+              <a:rPr lang="en-US" sz="2900" b="1" dirty="0" err="1">
                 <a:solidFill>
                   <a:srgbClr val="0070C0"/>
                 </a:solidFill>
@@ -36097,7 +36403,7 @@
               <a:t>sản</a:t>
             </a:r>
             <a:r>
-              <a:rPr lang="en-US" sz="3800" b="1" dirty="0">
+              <a:rPr lang="en-US" sz="2900" b="1" dirty="0">
                 <a:solidFill>
                   <a:srgbClr val="0070C0"/>
                 </a:solidFill>
@@ -36107,7 +36413,7 @@
               <a:t> </a:t>
             </a:r>
             <a:r>
-              <a:rPr lang="en-US" sz="3800" b="1" dirty="0" err="1">
+              <a:rPr lang="en-US" sz="2900" b="1" dirty="0" err="1">
                 <a:solidFill>
                   <a:srgbClr val="0070C0"/>
                 </a:solidFill>
@@ -36116,7 +36422,7 @@
               </a:rPr>
               <a:t>phẩm</a:t>
             </a:r>
-            <a:endParaRPr lang="en-US" sz="3800" b="1" dirty="0">
+            <a:endParaRPr lang="en-US" sz="2900" b="1" dirty="0">
               <a:solidFill>
                 <a:srgbClr val="0070C0"/>
               </a:solidFill>
@@ -36659,15 +36965,52 @@
           <a:lstStyle/>
           <a:p>
             <a:r>
-              <a:rPr lang="en-US" sz="3200" b="1">
+              <a:rPr lang="en-US" sz="2900" b="1" dirty="0">
                 <a:solidFill>
                   <a:srgbClr val="FFFFFF"/>
                 </a:solidFill>
                 <a:latin typeface="Segoe UI" panose="020B0502040204020203" pitchFamily="34" charset="0"/>
                 <a:cs typeface="Segoe UI" panose="020B0502040204020203" pitchFamily="34" charset="0"/>
               </a:rPr>
-              <a:t>1. Thông tin chung</a:t>
-            </a:r>
+              <a:t>1. </a:t>
+            </a:r>
+            <a:r>
+              <a:rPr lang="en-US" sz="2900" b="1" dirty="0" err="1">
+                <a:solidFill>
+                  <a:srgbClr val="FFFFFF"/>
+                </a:solidFill>
+                <a:latin typeface="Segoe UI" panose="020B0502040204020203" pitchFamily="34" charset="0"/>
+                <a:cs typeface="Segoe UI" panose="020B0502040204020203" pitchFamily="34" charset="0"/>
+              </a:rPr>
+              <a:t>Thông</a:t>
+            </a:r>
+            <a:r>
+              <a:rPr lang="en-US" sz="2900" b="1" dirty="0">
+                <a:solidFill>
+                  <a:srgbClr val="FFFFFF"/>
+                </a:solidFill>
+                <a:latin typeface="Segoe UI" panose="020B0502040204020203" pitchFamily="34" charset="0"/>
+                <a:cs typeface="Segoe UI" panose="020B0502040204020203" pitchFamily="34" charset="0"/>
+              </a:rPr>
+              <a:t> tin </a:t>
+            </a:r>
+            <a:r>
+              <a:rPr lang="en-US" sz="2900" b="1" dirty="0" err="1">
+                <a:solidFill>
+                  <a:srgbClr val="FFFFFF"/>
+                </a:solidFill>
+                <a:latin typeface="Segoe UI" panose="020B0502040204020203" pitchFamily="34" charset="0"/>
+                <a:cs typeface="Segoe UI" panose="020B0502040204020203" pitchFamily="34" charset="0"/>
+              </a:rPr>
+              <a:t>chung</a:t>
+            </a:r>
+            <a:endParaRPr lang="en-US" sz="2900" b="1" dirty="0">
+              <a:solidFill>
+                <a:srgbClr val="FFFFFF"/>
+              </a:solidFill>
+              <a:latin typeface="Segoe UI" panose="020B0502040204020203" pitchFamily="34" charset="0"/>
+              <a:cs typeface="Segoe UI" panose="020B0502040204020203" pitchFamily="34" charset="0"/>
+            </a:endParaRPr>
           </a:p>
         </p:txBody>
       </p:sp>
@@ -38423,7 +38766,10 @@
           <a:lstStyle/>
           <a:p>
             <a:r>
-              <a:rPr lang="en-US" b="1"/>
+              <a:rPr lang="en-US" b="1" dirty="0">
+                <a:latin typeface="Segoe UI" panose="020B0502040204020203" pitchFamily="34" charset="0"/>
+                <a:cs typeface="Segoe UI" panose="020B0502040204020203" pitchFamily="34" charset="0"/>
+              </a:rPr>
               <a:t>2. NHU CẦU CẦN GIẢI QUYẾT</a:t>
             </a:r>
           </a:p>
@@ -38746,14 +39092,104 @@
           <a:lstStyle/>
           <a:p>
             <a:r>
-              <a:rPr lang="en-US" sz="3200" b="1">
+              <a:rPr lang="en-US" sz="3200" b="1" dirty="0">
                 <a:solidFill>
                   <a:schemeClr val="bg1"/>
                 </a:solidFill>
                 <a:latin typeface="Segoe UI" panose="020B0502040204020203" pitchFamily="34" charset="0"/>
                 <a:cs typeface="Segoe UI" panose="020B0502040204020203" pitchFamily="34" charset="0"/>
               </a:rPr>
-              <a:t>2. Nhu cầu cần giải quyết</a:t>
+              <a:t>2. </a:t>
+            </a:r>
+            <a:r>
+              <a:rPr lang="en-US" sz="3200" b="1" dirty="0" err="1">
+                <a:solidFill>
+                  <a:schemeClr val="bg1"/>
+                </a:solidFill>
+                <a:latin typeface="Segoe UI" panose="020B0502040204020203" pitchFamily="34" charset="0"/>
+                <a:cs typeface="Segoe UI" panose="020B0502040204020203" pitchFamily="34" charset="0"/>
+              </a:rPr>
+              <a:t>Nhu</a:t>
+            </a:r>
+            <a:r>
+              <a:rPr lang="en-US" sz="3200" b="1" dirty="0">
+                <a:solidFill>
+                  <a:schemeClr val="bg1"/>
+                </a:solidFill>
+                <a:latin typeface="Segoe UI" panose="020B0502040204020203" pitchFamily="34" charset="0"/>
+                <a:cs typeface="Segoe UI" panose="020B0502040204020203" pitchFamily="34" charset="0"/>
+              </a:rPr>
+              <a:t> </a:t>
+            </a:r>
+            <a:r>
+              <a:rPr lang="en-US" sz="3200" b="1" dirty="0" err="1">
+                <a:solidFill>
+                  <a:schemeClr val="bg1"/>
+                </a:solidFill>
+                <a:latin typeface="Segoe UI" panose="020B0502040204020203" pitchFamily="34" charset="0"/>
+                <a:cs typeface="Segoe UI" panose="020B0502040204020203" pitchFamily="34" charset="0"/>
+              </a:rPr>
+              <a:t>cầu</a:t>
+            </a:r>
+            <a:r>
+              <a:rPr lang="en-US" sz="3200" b="1" dirty="0">
+                <a:solidFill>
+                  <a:schemeClr val="bg1"/>
+                </a:solidFill>
+                <a:latin typeface="Segoe UI" panose="020B0502040204020203" pitchFamily="34" charset="0"/>
+                <a:cs typeface="Segoe UI" panose="020B0502040204020203" pitchFamily="34" charset="0"/>
+              </a:rPr>
+              <a:t> </a:t>
+            </a:r>
+            <a:r>
+              <a:rPr lang="en-US" sz="3200" b="1" dirty="0" err="1">
+                <a:solidFill>
+                  <a:schemeClr val="bg1"/>
+                </a:solidFill>
+                <a:latin typeface="Segoe UI" panose="020B0502040204020203" pitchFamily="34" charset="0"/>
+                <a:cs typeface="Segoe UI" panose="020B0502040204020203" pitchFamily="34" charset="0"/>
+              </a:rPr>
+              <a:t>cần</a:t>
+            </a:r>
+            <a:r>
+              <a:rPr lang="en-US" sz="3200" b="1" dirty="0">
+                <a:solidFill>
+                  <a:schemeClr val="bg1"/>
+                </a:solidFill>
+                <a:latin typeface="Segoe UI" panose="020B0502040204020203" pitchFamily="34" charset="0"/>
+                <a:cs typeface="Segoe UI" panose="020B0502040204020203" pitchFamily="34" charset="0"/>
+              </a:rPr>
+              <a:t> </a:t>
+            </a:r>
+            <a:r>
+              <a:rPr lang="en-US" sz="3200" b="1" dirty="0" err="1">
+                <a:solidFill>
+                  <a:schemeClr val="bg1"/>
+                </a:solidFill>
+                <a:latin typeface="Segoe UI" panose="020B0502040204020203" pitchFamily="34" charset="0"/>
+                <a:cs typeface="Segoe UI" panose="020B0502040204020203" pitchFamily="34" charset="0"/>
+              </a:rPr>
+              <a:t>giải</a:t>
+            </a:r>
+            <a:r>
+              <a:rPr lang="en-US" sz="3200" b="1" dirty="0">
+                <a:solidFill>
+                  <a:schemeClr val="bg1"/>
+                </a:solidFill>
+                <a:latin typeface="Segoe UI" panose="020B0502040204020203" pitchFamily="34" charset="0"/>
+                <a:cs typeface="Segoe UI" panose="020B0502040204020203" pitchFamily="34" charset="0"/>
+              </a:rPr>
+              <a:t> </a:t>
+            </a:r>
+            <a:r>
+              <a:rPr lang="en-US" sz="3200" b="1" dirty="0" err="1">
+                <a:solidFill>
+                  <a:schemeClr val="bg1"/>
+                </a:solidFill>
+                <a:latin typeface="Segoe UI" panose="020B0502040204020203" pitchFamily="34" charset="0"/>
+                <a:cs typeface="Segoe UI" panose="020B0502040204020203" pitchFamily="34" charset="0"/>
+              </a:rPr>
+              <a:t>quyết</a:t>
             </a:r>
             <a:endParaRPr lang="en-US" sz="3200" b="1" dirty="0">
               <a:solidFill>
@@ -38779,8 +39215,8 @@
         </p:nvSpPr>
         <p:spPr>
           <a:xfrm>
-            <a:off x="6266577" y="976129"/>
-            <a:ext cx="5788404" cy="4919815"/>
+            <a:off x="6096000" y="510207"/>
+            <a:ext cx="6096000" cy="5837583"/>
           </a:xfrm>
           <a:prstGeom prst="rect">
             <a:avLst/>
@@ -38788,7 +39224,7 @@
         </p:spPr>
         <p:txBody>
           <a:bodyPr vert="horz" lIns="91440" tIns="45720" rIns="91440" bIns="45720" rtlCol="0" anchor="ctr">
-            <a:normAutofit fontScale="92500"/>
+            <a:noAutofit/>
           </a:bodyPr>
           <a:lstStyle/>
           <a:p>
@@ -38905,7 +39341,7 @@
                 <a:latin typeface="Segoe UI" panose="020B0502040204020203" pitchFamily="34" charset="0"/>
                 <a:cs typeface="Segoe UI" panose="020B0502040204020203" pitchFamily="34" charset="0"/>
               </a:rPr>
-              <a:t> của </a:t>
+              <a:t> </a:t>
             </a:r>
             <a:r>
               <a:rPr lang="en-US" sz="2400" b="1" dirty="0" err="1">
@@ -38918,7 +39354,7 @@
                 <a:latin typeface="Segoe UI" panose="020B0502040204020203" pitchFamily="34" charset="0"/>
                 <a:cs typeface="Segoe UI" panose="020B0502040204020203" pitchFamily="34" charset="0"/>
               </a:rPr>
-              <a:t>hệ</a:t>
+              <a:t>của</a:t>
             </a:r>
             <a:r>
               <a:rPr lang="en-US" sz="2400" b="1" dirty="0">
@@ -38944,7 +39380,7 @@
                 <a:latin typeface="Segoe UI" panose="020B0502040204020203" pitchFamily="34" charset="0"/>
                 <a:cs typeface="Segoe UI" panose="020B0502040204020203" pitchFamily="34" charset="0"/>
               </a:rPr>
-              <a:t>thống</a:t>
+              <a:t>các</a:t>
             </a:r>
             <a:r>
               <a:rPr lang="en-US" sz="2400" b="1" dirty="0">
@@ -38970,7 +39406,7 @@
                 <a:latin typeface="Segoe UI" panose="020B0502040204020203" pitchFamily="34" charset="0"/>
                 <a:cs typeface="Segoe UI" panose="020B0502040204020203" pitchFamily="34" charset="0"/>
               </a:rPr>
-              <a:t>nhận</a:t>
+              <a:t>hệ</a:t>
             </a:r>
             <a:r>
               <a:rPr lang="en-US" sz="2400" b="1" dirty="0">
@@ -38996,7 +39432,7 @@
                 <a:latin typeface="Segoe UI" panose="020B0502040204020203" pitchFamily="34" charset="0"/>
                 <a:cs typeface="Segoe UI" panose="020B0502040204020203" pitchFamily="34" charset="0"/>
               </a:rPr>
-              <a:t>dạng</a:t>
+              <a:t>thống</a:t>
             </a:r>
             <a:r>
               <a:rPr lang="en-US" sz="2400" b="1" dirty="0">
@@ -39022,7 +39458,7 @@
                 <a:latin typeface="Segoe UI" panose="020B0502040204020203" pitchFamily="34" charset="0"/>
                 <a:cs typeface="Segoe UI" panose="020B0502040204020203" pitchFamily="34" charset="0"/>
               </a:rPr>
-              <a:t>âm</a:t>
+              <a:t>nhận</a:t>
             </a:r>
             <a:r>
               <a:rPr lang="en-US" sz="2400" b="1" dirty="0">
@@ -39048,7 +39484,7 @@
                 <a:latin typeface="Segoe UI" panose="020B0502040204020203" pitchFamily="34" charset="0"/>
                 <a:cs typeface="Segoe UI" panose="020B0502040204020203" pitchFamily="34" charset="0"/>
               </a:rPr>
-              <a:t>thanh</a:t>
+              <a:t>dạng</a:t>
             </a:r>
             <a:r>
               <a:rPr lang="en-US" sz="2400" b="1" dirty="0">
@@ -39074,7 +39510,7 @@
                 <a:latin typeface="Segoe UI" panose="020B0502040204020203" pitchFamily="34" charset="0"/>
                 <a:cs typeface="Segoe UI" panose="020B0502040204020203" pitchFamily="34" charset="0"/>
               </a:rPr>
-              <a:t>hiện</a:t>
+              <a:t>âm</a:t>
             </a:r>
             <a:r>
               <a:rPr lang="en-US" sz="2400" b="1" dirty="0">
@@ -39087,7 +39523,59 @@
                 <a:latin typeface="Segoe UI" panose="020B0502040204020203" pitchFamily="34" charset="0"/>
                 <a:cs typeface="Segoe UI" panose="020B0502040204020203" pitchFamily="34" charset="0"/>
               </a:rPr>
-              <a:t> nay:</a:t>
+              <a:t> </a:t>
+            </a:r>
+            <a:r>
+              <a:rPr lang="en-US" sz="2400" b="1" dirty="0" err="1">
+                <a:solidFill>
+                  <a:schemeClr val="tx1">
+                    <a:lumMod val="85000"/>
+                    <a:lumOff val="15000"/>
+                  </a:schemeClr>
+                </a:solidFill>
+                <a:latin typeface="Segoe UI" panose="020B0502040204020203" pitchFamily="34" charset="0"/>
+                <a:cs typeface="Segoe UI" panose="020B0502040204020203" pitchFamily="34" charset="0"/>
+              </a:rPr>
+              <a:t>thanh</a:t>
+            </a:r>
+            <a:r>
+              <a:rPr lang="en-US" sz="2400" b="1" dirty="0">
+                <a:solidFill>
+                  <a:schemeClr val="tx1">
+                    <a:lumMod val="85000"/>
+                    <a:lumOff val="15000"/>
+                  </a:schemeClr>
+                </a:solidFill>
+                <a:latin typeface="Segoe UI" panose="020B0502040204020203" pitchFamily="34" charset="0"/>
+                <a:cs typeface="Segoe UI" panose="020B0502040204020203" pitchFamily="34" charset="0"/>
+              </a:rPr>
+              <a:t> </a:t>
+            </a:r>
+            <a:r>
+              <a:rPr lang="en-US" sz="2400" b="1" dirty="0" err="1">
+                <a:solidFill>
+                  <a:schemeClr val="tx1">
+                    <a:lumMod val="85000"/>
+                    <a:lumOff val="15000"/>
+                  </a:schemeClr>
+                </a:solidFill>
+                <a:latin typeface="Segoe UI" panose="020B0502040204020203" pitchFamily="34" charset="0"/>
+                <a:cs typeface="Segoe UI" panose="020B0502040204020203" pitchFamily="34" charset="0"/>
+              </a:rPr>
+              <a:t>hiện</a:t>
+            </a:r>
+            <a:r>
+              <a:rPr lang="en-US" sz="2400" b="1" dirty="0">
+                <a:solidFill>
+                  <a:schemeClr val="tx1">
+                    <a:lumMod val="85000"/>
+                    <a:lumOff val="15000"/>
+                  </a:schemeClr>
+                </a:solidFill>
+                <a:latin typeface="Segoe UI" panose="020B0502040204020203" pitchFamily="34" charset="0"/>
+                <a:cs typeface="Segoe UI" panose="020B0502040204020203" pitchFamily="34" charset="0"/>
+              </a:rPr>
+              <a:t> nay</a:t>
             </a:r>
           </a:p>
           <a:p>
@@ -39115,7 +39603,7 @@
                 <a:latin typeface="Segoe UI" panose="020B0502040204020203" pitchFamily="34" charset="0"/>
                 <a:cs typeface="Segoe UI" panose="020B0502040204020203" pitchFamily="34" charset="0"/>
               </a:rPr>
-              <a:t>Chi </a:t>
+              <a:t> Chi </a:t>
             </a:r>
             <a:r>
               <a:rPr lang="en-US" sz="2400" dirty="0" err="1">
@@ -39156,19 +39644,16 @@
               </a:rPr>
               <a:t>cao</a:t>
             </a:r>
-            <a:r>
-              <a:rPr lang="en-US" sz="2400" dirty="0">
-                <a:solidFill>
-                  <a:schemeClr val="tx1">
-                    <a:lumMod val="85000"/>
-                    <a:lumOff val="15000"/>
-                  </a:schemeClr>
-                </a:solidFill>
-                <a:latin typeface="Segoe UI" panose="020B0502040204020203" pitchFamily="34" charset="0"/>
-                <a:cs typeface="Segoe UI" panose="020B0502040204020203" pitchFamily="34" charset="0"/>
-              </a:rPr>
-              <a:t>.</a:t>
-            </a:r>
+            <a:endParaRPr lang="en-US" sz="2400" dirty="0">
+              <a:solidFill>
+                <a:schemeClr val="tx1">
+                  <a:lumMod val="85000"/>
+                  <a:lumOff val="15000"/>
+                </a:schemeClr>
+              </a:solidFill>
+              <a:latin typeface="Segoe UI" panose="020B0502040204020203" pitchFamily="34" charset="0"/>
+              <a:cs typeface="Segoe UI" panose="020B0502040204020203" pitchFamily="34" charset="0"/>
+            </a:endParaRPr>
           </a:p>
           <a:p>
             <a:pPr marL="400050" indent="-285750" defTabSz="914400">
@@ -39185,7 +39670,7 @@
               <a:buChar char="v"/>
             </a:pPr>
             <a:r>
-              <a:rPr lang="en-US" sz="2400" dirty="0" err="1">
+              <a:rPr lang="en-US" sz="2400" dirty="0">
                 <a:solidFill>
                   <a:schemeClr val="tx1">
                     <a:lumMod val="85000"/>
@@ -39195,10 +39680,10 @@
                 <a:latin typeface="Segoe UI" panose="020B0502040204020203" pitchFamily="34" charset="0"/>
                 <a:cs typeface="Segoe UI" panose="020B0502040204020203" pitchFamily="34" charset="0"/>
               </a:rPr>
-              <a:t>Phụ</a:t>
-            </a:r>
-            <a:r>
-              <a:rPr lang="en-US" sz="2400" dirty="0">
+              <a:t> </a:t>
+            </a:r>
+            <a:r>
+              <a:rPr lang="en-US" sz="2400" dirty="0" err="1">
                 <a:solidFill>
                   <a:schemeClr val="tx1">
                     <a:lumMod val="85000"/>
@@ -39208,10 +39693,10 @@
                 <a:latin typeface="Segoe UI" panose="020B0502040204020203" pitchFamily="34" charset="0"/>
                 <a:cs typeface="Segoe UI" panose="020B0502040204020203" pitchFamily="34" charset="0"/>
               </a:rPr>
-              <a:t> </a:t>
-            </a:r>
-            <a:r>
-              <a:rPr lang="en-US" sz="2400" dirty="0" err="1">
+              <a:t>Phụ</a:t>
+            </a:r>
+            <a:r>
+              <a:rPr lang="en-US" sz="2400" dirty="0">
                 <a:solidFill>
                   <a:schemeClr val="tx1">
                     <a:lumMod val="85000"/>
@@ -39221,10 +39706,10 @@
                 <a:latin typeface="Segoe UI" panose="020B0502040204020203" pitchFamily="34" charset="0"/>
                 <a:cs typeface="Segoe UI" panose="020B0502040204020203" pitchFamily="34" charset="0"/>
               </a:rPr>
-              <a:t>thuộc</a:t>
-            </a:r>
-            <a:r>
-              <a:rPr lang="en-US" sz="2400" dirty="0">
+              <a:t> </a:t>
+            </a:r>
+            <a:r>
+              <a:rPr lang="en-US" sz="2400" dirty="0" err="1">
                 <a:solidFill>
                   <a:schemeClr val="tx1">
                     <a:lumMod val="85000"/>
@@ -39234,10 +39719,10 @@
                 <a:latin typeface="Segoe UI" panose="020B0502040204020203" pitchFamily="34" charset="0"/>
                 <a:cs typeface="Segoe UI" panose="020B0502040204020203" pitchFamily="34" charset="0"/>
               </a:rPr>
-              <a:t> </a:t>
-            </a:r>
-            <a:r>
-              <a:rPr lang="en-US" sz="2400" dirty="0" err="1">
+              <a:t>thuộc</a:t>
+            </a:r>
+            <a:r>
+              <a:rPr lang="en-US" sz="2400" dirty="0">
                 <a:solidFill>
                   <a:schemeClr val="tx1">
                     <a:lumMod val="85000"/>
@@ -39247,10 +39732,10 @@
                 <a:latin typeface="Segoe UI" panose="020B0502040204020203" pitchFamily="34" charset="0"/>
                 <a:cs typeface="Segoe UI" panose="020B0502040204020203" pitchFamily="34" charset="0"/>
               </a:rPr>
-              <a:t>vào</a:t>
-            </a:r>
-            <a:r>
-              <a:rPr lang="en-US" sz="2400" dirty="0">
+              <a:t> </a:t>
+            </a:r>
+            <a:r>
+              <a:rPr lang="en-US" sz="2400" dirty="0" err="1">
                 <a:solidFill>
                   <a:schemeClr val="tx1">
                     <a:lumMod val="85000"/>
@@ -39260,10 +39745,10 @@
                 <a:latin typeface="Segoe UI" panose="020B0502040204020203" pitchFamily="34" charset="0"/>
                 <a:cs typeface="Segoe UI" panose="020B0502040204020203" pitchFamily="34" charset="0"/>
               </a:rPr>
-              <a:t> </a:t>
-            </a:r>
-            <a:r>
-              <a:rPr lang="en-US" sz="2400" dirty="0" err="1">
+              <a:t>vào</a:t>
+            </a:r>
+            <a:r>
+              <a:rPr lang="en-US" sz="2400" dirty="0">
                 <a:solidFill>
                   <a:schemeClr val="tx1">
                     <a:lumMod val="85000"/>
@@ -39273,10 +39758,10 @@
                 <a:latin typeface="Segoe UI" panose="020B0502040204020203" pitchFamily="34" charset="0"/>
                 <a:cs typeface="Segoe UI" panose="020B0502040204020203" pitchFamily="34" charset="0"/>
               </a:rPr>
-              <a:t>các</a:t>
-            </a:r>
-            <a:r>
-              <a:rPr lang="en-US" sz="2400" dirty="0">
+              <a:t> </a:t>
+            </a:r>
+            <a:r>
+              <a:rPr lang="en-US" sz="2400" dirty="0" err="1">
                 <a:solidFill>
                   <a:schemeClr val="tx1">
                     <a:lumMod val="85000"/>
@@ -39286,10 +39771,10 @@
                 <a:latin typeface="Segoe UI" panose="020B0502040204020203" pitchFamily="34" charset="0"/>
                 <a:cs typeface="Segoe UI" panose="020B0502040204020203" pitchFamily="34" charset="0"/>
               </a:rPr>
-              <a:t> </a:t>
-            </a:r>
-            <a:r>
-              <a:rPr lang="en-US" sz="2400" dirty="0" err="1">
+              <a:t>các</a:t>
+            </a:r>
+            <a:r>
+              <a:rPr lang="en-US" sz="2400" dirty="0">
                 <a:solidFill>
                   <a:schemeClr val="tx1">
                     <a:lumMod val="85000"/>
@@ -39299,10 +39784,10 @@
                 <a:latin typeface="Segoe UI" panose="020B0502040204020203" pitchFamily="34" charset="0"/>
                 <a:cs typeface="Segoe UI" panose="020B0502040204020203" pitchFamily="34" charset="0"/>
               </a:rPr>
-              <a:t>nền</a:t>
-            </a:r>
-            <a:r>
-              <a:rPr lang="en-US" sz="2400" dirty="0">
+              <a:t> </a:t>
+            </a:r>
+            <a:r>
+              <a:rPr lang="en-US" sz="2400" dirty="0" err="1">
                 <a:solidFill>
                   <a:schemeClr val="tx1">
                     <a:lumMod val="85000"/>
@@ -39312,10 +39797,10 @@
                 <a:latin typeface="Segoe UI" panose="020B0502040204020203" pitchFamily="34" charset="0"/>
                 <a:cs typeface="Segoe UI" panose="020B0502040204020203" pitchFamily="34" charset="0"/>
               </a:rPr>
-              <a:t> </a:t>
-            </a:r>
-            <a:r>
-              <a:rPr lang="en-US" sz="2400" dirty="0" err="1">
+              <a:t>nền</a:t>
+            </a:r>
+            <a:r>
+              <a:rPr lang="en-US" sz="2400" dirty="0">
                 <a:solidFill>
                   <a:schemeClr val="tx1">
                     <a:lumMod val="85000"/>
@@ -39325,10 +39810,10 @@
                 <a:latin typeface="Segoe UI" panose="020B0502040204020203" pitchFamily="34" charset="0"/>
                 <a:cs typeface="Segoe UI" panose="020B0502040204020203" pitchFamily="34" charset="0"/>
               </a:rPr>
-              <a:t>tảng</a:t>
-            </a:r>
-            <a:r>
-              <a:rPr lang="en-US" sz="2400" dirty="0">
+              <a:t> </a:t>
+            </a:r>
+            <a:r>
+              <a:rPr lang="en-US" sz="2400" dirty="0" err="1">
                 <a:solidFill>
                   <a:schemeClr val="tx1">
                     <a:lumMod val="85000"/>
@@ -39338,10 +39823,10 @@
                 <a:latin typeface="Segoe UI" panose="020B0502040204020203" pitchFamily="34" charset="0"/>
                 <a:cs typeface="Segoe UI" panose="020B0502040204020203" pitchFamily="34" charset="0"/>
               </a:rPr>
-              <a:t> </a:t>
-            </a:r>
-            <a:r>
-              <a:rPr lang="en-US" sz="2400" dirty="0" err="1">
+              <a:t>tảng</a:t>
+            </a:r>
+            <a:r>
+              <a:rPr lang="en-US" sz="2400" dirty="0">
                 <a:solidFill>
                   <a:schemeClr val="tx1">
                     <a:lumMod val="85000"/>
@@ -39351,10 +39836,10 @@
                 <a:latin typeface="Segoe UI" panose="020B0502040204020203" pitchFamily="34" charset="0"/>
                 <a:cs typeface="Segoe UI" panose="020B0502040204020203" pitchFamily="34" charset="0"/>
               </a:rPr>
-              <a:t>lớn</a:t>
-            </a:r>
-            <a:r>
-              <a:rPr lang="en-US" sz="2400" dirty="0">
+              <a:t> </a:t>
+            </a:r>
+            <a:r>
+              <a:rPr lang="en-US" sz="2400" dirty="0" err="1">
                 <a:solidFill>
                   <a:schemeClr val="tx1">
                     <a:lumMod val="85000"/>
@@ -39364,8 +39849,18 @@
                 <a:latin typeface="Segoe UI" panose="020B0502040204020203" pitchFamily="34" charset="0"/>
                 <a:cs typeface="Segoe UI" panose="020B0502040204020203" pitchFamily="34" charset="0"/>
               </a:rPr>
-              <a:t>.</a:t>
-            </a:r>
+              <a:t>lớn</a:t>
+            </a:r>
+            <a:endParaRPr lang="en-US" sz="2400" dirty="0">
+              <a:solidFill>
+                <a:schemeClr val="tx1">
+                  <a:lumMod val="85000"/>
+                  <a:lumOff val="15000"/>
+                </a:schemeClr>
+              </a:solidFill>
+              <a:latin typeface="Segoe UI" panose="020B0502040204020203" pitchFamily="34" charset="0"/>
+              <a:cs typeface="Segoe UI" panose="020B0502040204020203" pitchFamily="34" charset="0"/>
+            </a:endParaRPr>
           </a:p>
           <a:p>
             <a:pPr marL="400050" indent="-285750" defTabSz="914400">
@@ -39382,7 +39877,7 @@
               <a:buChar char="v"/>
             </a:pPr>
             <a:r>
-              <a:rPr lang="en-US" sz="2400" dirty="0" err="1">
+              <a:rPr lang="en-US" sz="2400" dirty="0">
                 <a:solidFill>
                   <a:schemeClr val="tx1">
                     <a:lumMod val="85000"/>
@@ -39392,10 +39887,10 @@
                 <a:latin typeface="Segoe UI" panose="020B0502040204020203" pitchFamily="34" charset="0"/>
                 <a:cs typeface="Segoe UI" panose="020B0502040204020203" pitchFamily="34" charset="0"/>
               </a:rPr>
-              <a:t>Khó</a:t>
-            </a:r>
-            <a:r>
-              <a:rPr lang="en-US" sz="2400" dirty="0">
+              <a:t> </a:t>
+            </a:r>
+            <a:r>
+              <a:rPr lang="en-US" sz="2400" dirty="0" err="1">
                 <a:solidFill>
                   <a:schemeClr val="tx1">
                     <a:lumMod val="85000"/>
@@ -39405,10 +39900,10 @@
                 <a:latin typeface="Segoe UI" panose="020B0502040204020203" pitchFamily="34" charset="0"/>
                 <a:cs typeface="Segoe UI" panose="020B0502040204020203" pitchFamily="34" charset="0"/>
               </a:rPr>
-              <a:t> </a:t>
-            </a:r>
-            <a:r>
-              <a:rPr lang="en-US" sz="2400" dirty="0" err="1">
+              <a:t>Khó</a:t>
+            </a:r>
+            <a:r>
+              <a:rPr lang="en-US" sz="2400" dirty="0">
                 <a:solidFill>
                   <a:schemeClr val="tx1">
                     <a:lumMod val="85000"/>
@@ -39418,10 +39913,10 @@
                 <a:latin typeface="Segoe UI" panose="020B0502040204020203" pitchFamily="34" charset="0"/>
                 <a:cs typeface="Segoe UI" panose="020B0502040204020203" pitchFamily="34" charset="0"/>
               </a:rPr>
-              <a:t>tiếp</a:t>
-            </a:r>
-            <a:r>
-              <a:rPr lang="en-US" sz="2400" dirty="0">
+              <a:t> </a:t>
+            </a:r>
+            <a:r>
+              <a:rPr lang="en-US" sz="2400" dirty="0" err="1">
                 <a:solidFill>
                   <a:schemeClr val="tx1">
                     <a:lumMod val="85000"/>
@@ -39431,10 +39926,10 @@
                 <a:latin typeface="Segoe UI" panose="020B0502040204020203" pitchFamily="34" charset="0"/>
                 <a:cs typeface="Segoe UI" panose="020B0502040204020203" pitchFamily="34" charset="0"/>
               </a:rPr>
-              <a:t> </a:t>
-            </a:r>
-            <a:r>
-              <a:rPr lang="en-US" sz="2400" dirty="0" err="1">
+              <a:t>tiếp</a:t>
+            </a:r>
+            <a:r>
+              <a:rPr lang="en-US" sz="2400" dirty="0">
                 <a:solidFill>
                   <a:schemeClr val="tx1">
                     <a:lumMod val="85000"/>
@@ -39444,10 +39939,10 @@
                 <a:latin typeface="Segoe UI" panose="020B0502040204020203" pitchFamily="34" charset="0"/>
                 <a:cs typeface="Segoe UI" panose="020B0502040204020203" pitchFamily="34" charset="0"/>
               </a:rPr>
-              <a:t>cận</a:t>
-            </a:r>
-            <a:r>
-              <a:rPr lang="en-US" sz="2400" dirty="0">
+              <a:t> </a:t>
+            </a:r>
+            <a:r>
+              <a:rPr lang="en-US" sz="2400" dirty="0" err="1">
                 <a:solidFill>
                   <a:schemeClr val="tx1">
                     <a:lumMod val="85000"/>
@@ -39457,10 +39952,10 @@
                 <a:latin typeface="Segoe UI" panose="020B0502040204020203" pitchFamily="34" charset="0"/>
                 <a:cs typeface="Segoe UI" panose="020B0502040204020203" pitchFamily="34" charset="0"/>
               </a:rPr>
-              <a:t> </a:t>
-            </a:r>
-            <a:r>
-              <a:rPr lang="en-US" sz="2400" dirty="0" err="1">
+              <a:t>cận</a:t>
+            </a:r>
+            <a:r>
+              <a:rPr lang="en-US" sz="2400" dirty="0">
                 <a:solidFill>
                   <a:schemeClr val="tx1">
                     <a:lumMod val="85000"/>
@@ -39470,10 +39965,10 @@
                 <a:latin typeface="Segoe UI" panose="020B0502040204020203" pitchFamily="34" charset="0"/>
                 <a:cs typeface="Segoe UI" panose="020B0502040204020203" pitchFamily="34" charset="0"/>
               </a:rPr>
-              <a:t>với</a:t>
-            </a:r>
-            <a:r>
-              <a:rPr lang="en-US" sz="2400" dirty="0">
+              <a:t> </a:t>
+            </a:r>
+            <a:r>
+              <a:rPr lang="en-US" sz="2400" dirty="0" err="1">
                 <a:solidFill>
                   <a:schemeClr val="tx1">
                     <a:lumMod val="85000"/>
@@ -39483,10 +39978,10 @@
                 <a:latin typeface="Segoe UI" panose="020B0502040204020203" pitchFamily="34" charset="0"/>
                 <a:cs typeface="Segoe UI" panose="020B0502040204020203" pitchFamily="34" charset="0"/>
               </a:rPr>
-              <a:t> </a:t>
-            </a:r>
-            <a:r>
-              <a:rPr lang="en-US" sz="2400" dirty="0" err="1">
+              <a:t>với</a:t>
+            </a:r>
+            <a:r>
+              <a:rPr lang="en-US" sz="2400" dirty="0">
                 <a:solidFill>
                   <a:schemeClr val="tx1">
                     <a:lumMod val="85000"/>
@@ -39496,10 +39991,10 @@
                 <a:latin typeface="Segoe UI" panose="020B0502040204020203" pitchFamily="34" charset="0"/>
                 <a:cs typeface="Segoe UI" panose="020B0502040204020203" pitchFamily="34" charset="0"/>
               </a:rPr>
-              <a:t>người</a:t>
-            </a:r>
-            <a:r>
-              <a:rPr lang="en-US" sz="2400" dirty="0">
+              <a:t> </a:t>
+            </a:r>
+            <a:r>
+              <a:rPr lang="en-US" sz="2400" dirty="0" err="1">
                 <a:solidFill>
                   <a:schemeClr val="tx1">
                     <a:lumMod val="85000"/>
@@ -39509,10 +40004,10 @@
                 <a:latin typeface="Segoe UI" panose="020B0502040204020203" pitchFamily="34" charset="0"/>
                 <a:cs typeface="Segoe UI" panose="020B0502040204020203" pitchFamily="34" charset="0"/>
               </a:rPr>
-              <a:t> </a:t>
-            </a:r>
-            <a:r>
-              <a:rPr lang="en-US" sz="2400" dirty="0" err="1">
+              <a:t>người</a:t>
+            </a:r>
+            <a:r>
+              <a:rPr lang="en-US" sz="2400" dirty="0">
                 <a:solidFill>
                   <a:schemeClr val="tx1">
                     <a:lumMod val="85000"/>
@@ -39522,10 +40017,10 @@
                 <a:latin typeface="Segoe UI" panose="020B0502040204020203" pitchFamily="34" charset="0"/>
                 <a:cs typeface="Segoe UI" panose="020B0502040204020203" pitchFamily="34" charset="0"/>
               </a:rPr>
-              <a:t>dùng</a:t>
-            </a:r>
-            <a:r>
-              <a:rPr lang="en-US" sz="2400" dirty="0">
+              <a:t> </a:t>
+            </a:r>
+            <a:r>
+              <a:rPr lang="en-US" sz="2400" dirty="0" err="1">
                 <a:solidFill>
                   <a:schemeClr val="tx1">
                     <a:lumMod val="85000"/>
@@ -39535,10 +40030,10 @@
                 <a:latin typeface="Segoe UI" panose="020B0502040204020203" pitchFamily="34" charset="0"/>
                 <a:cs typeface="Segoe UI" panose="020B0502040204020203" pitchFamily="34" charset="0"/>
               </a:rPr>
-              <a:t> </a:t>
-            </a:r>
-            <a:r>
-              <a:rPr lang="en-US" sz="2400" dirty="0" err="1">
+              <a:t>dùng</a:t>
+            </a:r>
+            <a:r>
+              <a:rPr lang="en-US" sz="2400" dirty="0">
                 <a:solidFill>
                   <a:schemeClr val="tx1">
                     <a:lumMod val="85000"/>
@@ -39548,10 +40043,10 @@
                 <a:latin typeface="Segoe UI" panose="020B0502040204020203" pitchFamily="34" charset="0"/>
                 <a:cs typeface="Segoe UI" panose="020B0502040204020203" pitchFamily="34" charset="0"/>
               </a:rPr>
-              <a:t>phổ</a:t>
-            </a:r>
-            <a:r>
-              <a:rPr lang="en-US" sz="2400" dirty="0">
+              <a:t> </a:t>
+            </a:r>
+            <a:r>
+              <a:rPr lang="en-US" sz="2400" dirty="0" err="1">
                 <a:solidFill>
                   <a:schemeClr val="tx1">
                     <a:lumMod val="85000"/>
@@ -39561,10 +40056,10 @@
                 <a:latin typeface="Segoe UI" panose="020B0502040204020203" pitchFamily="34" charset="0"/>
                 <a:cs typeface="Segoe UI" panose="020B0502040204020203" pitchFamily="34" charset="0"/>
               </a:rPr>
-              <a:t> </a:t>
-            </a:r>
-            <a:r>
-              <a:rPr lang="en-US" sz="2400" dirty="0" err="1">
+              <a:t>phổ</a:t>
+            </a:r>
+            <a:r>
+              <a:rPr lang="en-US" sz="2400" dirty="0">
                 <a:solidFill>
                   <a:schemeClr val="tx1">
                     <a:lumMod val="85000"/>
@@ -39574,10 +40069,10 @@
                 <a:latin typeface="Segoe UI" panose="020B0502040204020203" pitchFamily="34" charset="0"/>
                 <a:cs typeface="Segoe UI" panose="020B0502040204020203" pitchFamily="34" charset="0"/>
               </a:rPr>
-              <a:t>thông</a:t>
-            </a:r>
-            <a:r>
-              <a:rPr lang="en-US" sz="2400" dirty="0">
+              <a:t> </a:t>
+            </a:r>
+            <a:r>
+              <a:rPr lang="en-US" sz="2400" dirty="0" err="1">
                 <a:solidFill>
                   <a:schemeClr val="tx1">
                     <a:lumMod val="85000"/>
@@ -39587,8 +40082,18 @@
                 <a:latin typeface="Segoe UI" panose="020B0502040204020203" pitchFamily="34" charset="0"/>
                 <a:cs typeface="Segoe UI" panose="020B0502040204020203" pitchFamily="34" charset="0"/>
               </a:rPr>
-              <a:t>.</a:t>
-            </a:r>
+              <a:t>thông</a:t>
+            </a:r>
+            <a:endParaRPr lang="en-US" sz="2400" dirty="0">
+              <a:solidFill>
+                <a:schemeClr val="tx1">
+                  <a:lumMod val="85000"/>
+                  <a:lumOff val="15000"/>
+                </a:schemeClr>
+              </a:solidFill>
+              <a:latin typeface="Segoe UI" panose="020B0502040204020203" pitchFamily="34" charset="0"/>
+              <a:cs typeface="Segoe UI" panose="020B0502040204020203" pitchFamily="34" charset="0"/>
+            </a:endParaRPr>
           </a:p>
           <a:p>
             <a:pPr marL="400050" indent="-285750" defTabSz="914400">
@@ -39605,7 +40110,7 @@
               <a:buChar char="v"/>
             </a:pPr>
             <a:r>
-              <a:rPr lang="en-US" sz="2400" dirty="0" err="1">
+              <a:rPr lang="en-US" sz="2400" dirty="0">
                 <a:solidFill>
                   <a:schemeClr val="tx1">
                     <a:lumMod val="85000"/>
@@ -39615,10 +40120,10 @@
                 <a:latin typeface="Segoe UI" panose="020B0502040204020203" pitchFamily="34" charset="0"/>
                 <a:cs typeface="Segoe UI" panose="020B0502040204020203" pitchFamily="34" charset="0"/>
               </a:rPr>
-              <a:t>Chưa</a:t>
-            </a:r>
-            <a:r>
-              <a:rPr lang="en-US" sz="2400" dirty="0">
+              <a:t> </a:t>
+            </a:r>
+            <a:r>
+              <a:rPr lang="en-US" sz="2400" dirty="0" err="1">
                 <a:solidFill>
                   <a:schemeClr val="tx1">
                     <a:lumMod val="85000"/>
@@ -39628,10 +40133,10 @@
                 <a:latin typeface="Segoe UI" panose="020B0502040204020203" pitchFamily="34" charset="0"/>
                 <a:cs typeface="Segoe UI" panose="020B0502040204020203" pitchFamily="34" charset="0"/>
               </a:rPr>
-              <a:t> </a:t>
-            </a:r>
-            <a:r>
-              <a:rPr lang="en-US" sz="2400" dirty="0" err="1">
+              <a:t>Chưa</a:t>
+            </a:r>
+            <a:r>
+              <a:rPr lang="en-US" sz="2400" dirty="0">
                 <a:solidFill>
                   <a:schemeClr val="tx1">
                     <a:lumMod val="85000"/>
@@ -39641,10 +40146,10 @@
                 <a:latin typeface="Segoe UI" panose="020B0502040204020203" pitchFamily="34" charset="0"/>
                 <a:cs typeface="Segoe UI" panose="020B0502040204020203" pitchFamily="34" charset="0"/>
               </a:rPr>
-              <a:t>có</a:t>
-            </a:r>
-            <a:r>
-              <a:rPr lang="en-US" sz="2400" dirty="0">
+              <a:t> </a:t>
+            </a:r>
+            <a:r>
+              <a:rPr lang="en-US" sz="2400" dirty="0" err="1">
                 <a:solidFill>
                   <a:schemeClr val="tx1">
                     <a:lumMod val="85000"/>
@@ -39654,10 +40159,10 @@
                 <a:latin typeface="Segoe UI" panose="020B0502040204020203" pitchFamily="34" charset="0"/>
                 <a:cs typeface="Segoe UI" panose="020B0502040204020203" pitchFamily="34" charset="0"/>
               </a:rPr>
-              <a:t> </a:t>
-            </a:r>
-            <a:r>
-              <a:rPr lang="en-US" sz="2400" dirty="0" err="1">
+              <a:t>có</a:t>
+            </a:r>
+            <a:r>
+              <a:rPr lang="en-US" sz="2400" dirty="0">
                 <a:solidFill>
                   <a:schemeClr val="tx1">
                     <a:lumMod val="85000"/>
@@ -39667,10 +40172,10 @@
                 <a:latin typeface="Segoe UI" panose="020B0502040204020203" pitchFamily="34" charset="0"/>
                 <a:cs typeface="Segoe UI" panose="020B0502040204020203" pitchFamily="34" charset="0"/>
               </a:rPr>
-              <a:t>nhiều</a:t>
-            </a:r>
-            <a:r>
-              <a:rPr lang="en-US" sz="2400" dirty="0">
+              <a:t> </a:t>
+            </a:r>
+            <a:r>
+              <a:rPr lang="en-US" sz="2400" dirty="0" err="1">
                 <a:solidFill>
                   <a:schemeClr val="tx1">
                     <a:lumMod val="85000"/>
@@ -39680,10 +40185,10 @@
                 <a:latin typeface="Segoe UI" panose="020B0502040204020203" pitchFamily="34" charset="0"/>
                 <a:cs typeface="Segoe UI" panose="020B0502040204020203" pitchFamily="34" charset="0"/>
               </a:rPr>
-              <a:t> </a:t>
-            </a:r>
-            <a:r>
-              <a:rPr lang="en-US" sz="2400" dirty="0" err="1">
+              <a:t>nhiều</a:t>
+            </a:r>
+            <a:r>
+              <a:rPr lang="en-US" sz="2400" dirty="0">
                 <a:solidFill>
                   <a:schemeClr val="tx1">
                     <a:lumMod val="85000"/>
@@ -39693,10 +40198,10 @@
                 <a:latin typeface="Segoe UI" panose="020B0502040204020203" pitchFamily="34" charset="0"/>
                 <a:cs typeface="Segoe UI" panose="020B0502040204020203" pitchFamily="34" charset="0"/>
               </a:rPr>
-              <a:t>nền</a:t>
-            </a:r>
-            <a:r>
-              <a:rPr lang="en-US" sz="2400" dirty="0">
+              <a:t> </a:t>
+            </a:r>
+            <a:r>
+              <a:rPr lang="en-US" sz="2400" dirty="0" err="1">
                 <a:solidFill>
                   <a:schemeClr val="tx1">
                     <a:lumMod val="85000"/>
@@ -39706,10 +40211,10 @@
                 <a:latin typeface="Segoe UI" panose="020B0502040204020203" pitchFamily="34" charset="0"/>
                 <a:cs typeface="Segoe UI" panose="020B0502040204020203" pitchFamily="34" charset="0"/>
               </a:rPr>
-              <a:t> </a:t>
-            </a:r>
-            <a:r>
-              <a:rPr lang="en-US" sz="2400" dirty="0" err="1">
+              <a:t>nền</a:t>
+            </a:r>
+            <a:r>
+              <a:rPr lang="en-US" sz="2400" dirty="0">
                 <a:solidFill>
                   <a:schemeClr val="tx1">
                     <a:lumMod val="85000"/>
@@ -39719,10 +40224,10 @@
                 <a:latin typeface="Segoe UI" panose="020B0502040204020203" pitchFamily="34" charset="0"/>
                 <a:cs typeface="Segoe UI" panose="020B0502040204020203" pitchFamily="34" charset="0"/>
               </a:rPr>
-              <a:t>tảng</a:t>
-            </a:r>
-            <a:r>
-              <a:rPr lang="en-US" sz="2400" dirty="0">
+              <a:t> </a:t>
+            </a:r>
+            <a:r>
+              <a:rPr lang="en-US" sz="2400" dirty="0" err="1">
                 <a:solidFill>
                   <a:schemeClr val="tx1">
                     <a:lumMod val="85000"/>
@@ -39732,10 +40237,10 @@
                 <a:latin typeface="Segoe UI" panose="020B0502040204020203" pitchFamily="34" charset="0"/>
                 <a:cs typeface="Segoe UI" panose="020B0502040204020203" pitchFamily="34" charset="0"/>
               </a:rPr>
-              <a:t> </a:t>
-            </a:r>
-            <a:r>
-              <a:rPr lang="en-US" sz="2400" dirty="0" err="1">
+              <a:t>tảng</a:t>
+            </a:r>
+            <a:r>
+              <a:rPr lang="en-US" sz="2400" dirty="0">
                 <a:solidFill>
                   <a:schemeClr val="tx1">
                     <a:lumMod val="85000"/>
@@ -39745,10 +40250,10 @@
                 <a:latin typeface="Segoe UI" panose="020B0502040204020203" pitchFamily="34" charset="0"/>
                 <a:cs typeface="Segoe UI" panose="020B0502040204020203" pitchFamily="34" charset="0"/>
               </a:rPr>
-              <a:t>hỡ</a:t>
-            </a:r>
-            <a:r>
-              <a:rPr lang="en-US" sz="2400" dirty="0">
+              <a:t> </a:t>
+            </a:r>
+            <a:r>
+              <a:rPr lang="en-US" sz="2400" dirty="0" err="1">
                 <a:solidFill>
                   <a:schemeClr val="tx1">
                     <a:lumMod val="85000"/>
@@ -39758,10 +40263,10 @@
                 <a:latin typeface="Segoe UI" panose="020B0502040204020203" pitchFamily="34" charset="0"/>
                 <a:cs typeface="Segoe UI" panose="020B0502040204020203" pitchFamily="34" charset="0"/>
               </a:rPr>
-              <a:t> </a:t>
-            </a:r>
-            <a:r>
-              <a:rPr lang="en-US" sz="2400" dirty="0" err="1">
+              <a:t>hỗ</a:t>
+            </a:r>
+            <a:r>
+              <a:rPr lang="en-US" sz="2400" dirty="0">
                 <a:solidFill>
                   <a:schemeClr val="tx1">
                     <a:lumMod val="85000"/>
@@ -39771,10 +40276,10 @@
                 <a:latin typeface="Segoe UI" panose="020B0502040204020203" pitchFamily="34" charset="0"/>
                 <a:cs typeface="Segoe UI" panose="020B0502040204020203" pitchFamily="34" charset="0"/>
               </a:rPr>
-              <a:t>trợ</a:t>
-            </a:r>
-            <a:r>
-              <a:rPr lang="en-US" sz="2400" dirty="0">
+              <a:t> </a:t>
+            </a:r>
+            <a:r>
+              <a:rPr lang="en-US" sz="2400" dirty="0" err="1">
                 <a:solidFill>
                   <a:schemeClr val="tx1">
                     <a:lumMod val="85000"/>
@@ -39784,8 +40289,18 @@
                 <a:latin typeface="Segoe UI" panose="020B0502040204020203" pitchFamily="34" charset="0"/>
                 <a:cs typeface="Segoe UI" panose="020B0502040204020203" pitchFamily="34" charset="0"/>
               </a:rPr>
-              <a:t>.</a:t>
-            </a:r>
+              <a:t>trợ</a:t>
+            </a:r>
+            <a:endParaRPr lang="en-US" sz="2400" dirty="0">
+              <a:solidFill>
+                <a:schemeClr val="tx1">
+                  <a:lumMod val="85000"/>
+                  <a:lumOff val="15000"/>
+                </a:schemeClr>
+              </a:solidFill>
+              <a:latin typeface="Segoe UI" panose="020B0502040204020203" pitchFamily="34" charset="0"/>
+              <a:cs typeface="Segoe UI" panose="020B0502040204020203" pitchFamily="34" charset="0"/>
+            </a:endParaRPr>
           </a:p>
           <a:p>
             <a:pPr marL="400050" indent="-285750" defTabSz="914400">
@@ -39802,7 +40317,7 @@
               <a:buChar char="v"/>
             </a:pPr>
             <a:r>
-              <a:rPr lang="en-US" sz="2400" dirty="0" err="1">
+              <a:rPr lang="en-US" sz="2400" dirty="0">
                 <a:solidFill>
                   <a:schemeClr val="tx1">
                     <a:lumMod val="85000"/>
@@ -39812,10 +40327,10 @@
                 <a:latin typeface="Segoe UI" panose="020B0502040204020203" pitchFamily="34" charset="0"/>
                 <a:cs typeface="Segoe UI" panose="020B0502040204020203" pitchFamily="34" charset="0"/>
               </a:rPr>
-              <a:t>Chưa</a:t>
-            </a:r>
-            <a:r>
-              <a:rPr lang="en-US" sz="2400" dirty="0">
+              <a:t> </a:t>
+            </a:r>
+            <a:r>
+              <a:rPr lang="en-US" sz="2400" dirty="0" err="1">
                 <a:solidFill>
                   <a:schemeClr val="tx1">
                     <a:lumMod val="85000"/>
@@ -39825,10 +40340,10 @@
                 <a:latin typeface="Segoe UI" panose="020B0502040204020203" pitchFamily="34" charset="0"/>
                 <a:cs typeface="Segoe UI" panose="020B0502040204020203" pitchFamily="34" charset="0"/>
               </a:rPr>
-              <a:t> </a:t>
-            </a:r>
-            <a:r>
-              <a:rPr lang="en-US" sz="2400" dirty="0" err="1">
+              <a:t>Chưa</a:t>
+            </a:r>
+            <a:r>
+              <a:rPr lang="en-US" sz="2400" dirty="0">
                 <a:solidFill>
                   <a:schemeClr val="tx1">
                     <a:lumMod val="85000"/>
@@ -39838,10 +40353,10 @@
                 <a:latin typeface="Segoe UI" panose="020B0502040204020203" pitchFamily="34" charset="0"/>
                 <a:cs typeface="Segoe UI" panose="020B0502040204020203" pitchFamily="34" charset="0"/>
               </a:rPr>
-              <a:t>hỗ</a:t>
-            </a:r>
-            <a:r>
-              <a:rPr lang="en-US" sz="2400" dirty="0">
+              <a:t> </a:t>
+            </a:r>
+            <a:r>
+              <a:rPr lang="en-US" sz="2400" dirty="0" err="1">
                 <a:solidFill>
                   <a:schemeClr val="tx1">
                     <a:lumMod val="85000"/>
@@ -39851,10 +40366,10 @@
                 <a:latin typeface="Segoe UI" panose="020B0502040204020203" pitchFamily="34" charset="0"/>
                 <a:cs typeface="Segoe UI" panose="020B0502040204020203" pitchFamily="34" charset="0"/>
               </a:rPr>
-              <a:t> </a:t>
-            </a:r>
-            <a:r>
-              <a:rPr lang="en-US" sz="2400" dirty="0" err="1">
+              <a:t>hỗ</a:t>
+            </a:r>
+            <a:r>
+              <a:rPr lang="en-US" sz="2400" dirty="0">
                 <a:solidFill>
                   <a:schemeClr val="tx1">
                     <a:lumMod val="85000"/>
@@ -39864,10 +40379,10 @@
                 <a:latin typeface="Segoe UI" panose="020B0502040204020203" pitchFamily="34" charset="0"/>
                 <a:cs typeface="Segoe UI" panose="020B0502040204020203" pitchFamily="34" charset="0"/>
               </a:rPr>
-              <a:t>trợ</a:t>
-            </a:r>
-            <a:r>
-              <a:rPr lang="en-US" sz="2400" dirty="0">
+              <a:t> </a:t>
+            </a:r>
+            <a:r>
+              <a:rPr lang="en-US" sz="2400" dirty="0" err="1">
                 <a:solidFill>
                   <a:schemeClr val="tx1">
                     <a:lumMod val="85000"/>
@@ -39877,10 +40392,10 @@
                 <a:latin typeface="Segoe UI" panose="020B0502040204020203" pitchFamily="34" charset="0"/>
                 <a:cs typeface="Segoe UI" panose="020B0502040204020203" pitchFamily="34" charset="0"/>
               </a:rPr>
-              <a:t> </a:t>
-            </a:r>
-            <a:r>
-              <a:rPr lang="en-US" sz="2400" dirty="0" err="1">
+              <a:t>trợ</a:t>
+            </a:r>
+            <a:r>
+              <a:rPr lang="en-US" sz="2400" dirty="0">
                 <a:solidFill>
                   <a:schemeClr val="tx1">
                     <a:lumMod val="85000"/>
@@ -39890,10 +40405,10 @@
                 <a:latin typeface="Segoe UI" panose="020B0502040204020203" pitchFamily="34" charset="0"/>
                 <a:cs typeface="Segoe UI" panose="020B0502040204020203" pitchFamily="34" charset="0"/>
               </a:rPr>
-              <a:t>nhiều</a:t>
-            </a:r>
-            <a:r>
-              <a:rPr lang="en-US" sz="2400" dirty="0">
+              <a:t> </a:t>
+            </a:r>
+            <a:r>
+              <a:rPr lang="en-US" sz="2400" dirty="0" err="1">
                 <a:solidFill>
                   <a:schemeClr val="tx1">
                     <a:lumMod val="85000"/>
@@ -39903,10 +40418,10 @@
                 <a:latin typeface="Segoe UI" panose="020B0502040204020203" pitchFamily="34" charset="0"/>
                 <a:cs typeface="Segoe UI" panose="020B0502040204020203" pitchFamily="34" charset="0"/>
               </a:rPr>
-              <a:t> </a:t>
-            </a:r>
-            <a:r>
-              <a:rPr lang="en-US" sz="2400" dirty="0" err="1">
+              <a:t>nhiều</a:t>
+            </a:r>
+            <a:r>
+              <a:rPr lang="en-US" sz="2400" dirty="0">
                 <a:solidFill>
                   <a:schemeClr val="tx1">
                     <a:lumMod val="85000"/>
@@ -39916,10 +40431,10 @@
                 <a:latin typeface="Segoe UI" panose="020B0502040204020203" pitchFamily="34" charset="0"/>
                 <a:cs typeface="Segoe UI" panose="020B0502040204020203" pitchFamily="34" charset="0"/>
               </a:rPr>
-              <a:t>cho</a:t>
-            </a:r>
-            <a:r>
-              <a:rPr lang="en-US" sz="2400" dirty="0">
+              <a:t> </a:t>
+            </a:r>
+            <a:r>
+              <a:rPr lang="en-US" sz="2400" dirty="0" err="1">
                 <a:solidFill>
                   <a:schemeClr val="tx1">
                     <a:lumMod val="85000"/>
@@ -39929,10 +40444,10 @@
                 <a:latin typeface="Segoe UI" panose="020B0502040204020203" pitchFamily="34" charset="0"/>
                 <a:cs typeface="Segoe UI" panose="020B0502040204020203" pitchFamily="34" charset="0"/>
               </a:rPr>
-              <a:t> </a:t>
-            </a:r>
-            <a:r>
-              <a:rPr lang="en-US" sz="2400" dirty="0" err="1">
+              <a:t>cho</a:t>
+            </a:r>
+            <a:r>
+              <a:rPr lang="en-US" sz="2400" dirty="0">
                 <a:solidFill>
                   <a:schemeClr val="tx1">
                     <a:lumMod val="85000"/>
@@ -39942,10 +40457,10 @@
                 <a:latin typeface="Segoe UI" panose="020B0502040204020203" pitchFamily="34" charset="0"/>
                 <a:cs typeface="Segoe UI" panose="020B0502040204020203" pitchFamily="34" charset="0"/>
               </a:rPr>
-              <a:t>nền</a:t>
-            </a:r>
-            <a:r>
-              <a:rPr lang="en-US" sz="2400" dirty="0">
+              <a:t> </a:t>
+            </a:r>
+            <a:r>
+              <a:rPr lang="en-US" sz="2400" dirty="0" err="1">
                 <a:solidFill>
                   <a:schemeClr val="tx1">
                     <a:lumMod val="85000"/>
@@ -39955,10 +40470,10 @@
                 <a:latin typeface="Segoe UI" panose="020B0502040204020203" pitchFamily="34" charset="0"/>
                 <a:cs typeface="Segoe UI" panose="020B0502040204020203" pitchFamily="34" charset="0"/>
               </a:rPr>
-              <a:t> </a:t>
-            </a:r>
-            <a:r>
-              <a:rPr lang="en-US" sz="2400" dirty="0" err="1">
+              <a:t>ngôn</a:t>
+            </a:r>
+            <a:r>
+              <a:rPr lang="en-US" sz="2400" dirty="0">
                 <a:solidFill>
                   <a:schemeClr val="tx1">
                     <a:lumMod val="85000"/>
@@ -39968,10 +40483,10 @@
                 <a:latin typeface="Segoe UI" panose="020B0502040204020203" pitchFamily="34" charset="0"/>
                 <a:cs typeface="Segoe UI" panose="020B0502040204020203" pitchFamily="34" charset="0"/>
               </a:rPr>
-              <a:t>tảng</a:t>
-            </a:r>
-            <a:r>
-              <a:rPr lang="en-US" sz="2400" dirty="0">
+              <a:t> </a:t>
+            </a:r>
+            <a:r>
+              <a:rPr lang="en-US" sz="2400" dirty="0" err="1">
                 <a:solidFill>
                   <a:schemeClr val="tx1">
                     <a:lumMod val="85000"/>
@@ -39981,10 +40496,10 @@
                 <a:latin typeface="Segoe UI" panose="020B0502040204020203" pitchFamily="34" charset="0"/>
                 <a:cs typeface="Segoe UI" panose="020B0502040204020203" pitchFamily="34" charset="0"/>
               </a:rPr>
-              <a:t> </a:t>
-            </a:r>
-            <a:r>
-              <a:rPr lang="en-US" sz="2400" dirty="0" err="1">
+              <a:t>ngữ</a:t>
+            </a:r>
+            <a:r>
+              <a:rPr lang="en-US" sz="2400" dirty="0">
                 <a:solidFill>
                   <a:schemeClr val="tx1">
                     <a:lumMod val="85000"/>
@@ -39994,10 +40509,10 @@
                 <a:latin typeface="Segoe UI" panose="020B0502040204020203" pitchFamily="34" charset="0"/>
                 <a:cs typeface="Segoe UI" panose="020B0502040204020203" pitchFamily="34" charset="0"/>
               </a:rPr>
-              <a:t>tiếng</a:t>
-            </a:r>
-            <a:r>
-              <a:rPr lang="en-US" sz="2400" dirty="0">
+              <a:t> </a:t>
+            </a:r>
+            <a:r>
+              <a:rPr lang="en-US" sz="2400" dirty="0" err="1">
                 <a:solidFill>
                   <a:schemeClr val="tx1">
                     <a:lumMod val="85000"/>
@@ -40007,10 +40522,10 @@
                 <a:latin typeface="Segoe UI" panose="020B0502040204020203" pitchFamily="34" charset="0"/>
                 <a:cs typeface="Segoe UI" panose="020B0502040204020203" pitchFamily="34" charset="0"/>
               </a:rPr>
-              <a:t> </a:t>
-            </a:r>
-            <a:r>
-              <a:rPr lang="en-US" sz="2400" dirty="0" err="1">
+              <a:t>tiếng</a:t>
+            </a:r>
+            <a:r>
+              <a:rPr lang="en-US" sz="2400" dirty="0">
                 <a:solidFill>
                   <a:schemeClr val="tx1">
                     <a:lumMod val="85000"/>
@@ -40020,10 +40535,10 @@
                 <a:latin typeface="Segoe UI" panose="020B0502040204020203" pitchFamily="34" charset="0"/>
                 <a:cs typeface="Segoe UI" panose="020B0502040204020203" pitchFamily="34" charset="0"/>
               </a:rPr>
-              <a:t>Việt</a:t>
-            </a:r>
-            <a:r>
-              <a:rPr lang="en-US" sz="2400" dirty="0">
+              <a:t> </a:t>
+            </a:r>
+            <a:r>
+              <a:rPr lang="en-US" sz="2400" dirty="0" err="1">
                 <a:solidFill>
                   <a:schemeClr val="tx1">
                     <a:lumMod val="85000"/>
@@ -40033,23 +40548,8 @@
                 <a:latin typeface="Segoe UI" panose="020B0502040204020203" pitchFamily="34" charset="0"/>
                 <a:cs typeface="Segoe UI" panose="020B0502040204020203" pitchFamily="34" charset="0"/>
               </a:rPr>
-              <a:t>.</a:t>
-            </a:r>
-          </a:p>
-          <a:p>
-            <a:pPr marL="400050" indent="-285750" defTabSz="914400">
-              <a:lnSpc>
-                <a:spcPct val="150000"/>
-              </a:lnSpc>
-              <a:spcBef>
-                <a:spcPts val="1000"/>
-              </a:spcBef>
-              <a:buClr>
-                <a:schemeClr val="accent2"/>
-              </a:buClr>
-              <a:buFont typeface="Wingdings" panose="05000000000000000000" pitchFamily="2" charset="2"/>
-              <a:buChar char="v"/>
-            </a:pPr>
+              <a:t>Việt</a:t>
+            </a:r>
             <a:endParaRPr lang="en-US" sz="2400" dirty="0">
               <a:solidFill>
                 <a:schemeClr val="tx1">
@@ -40747,8 +41247,8 @@
         </p:blipFill>
         <p:spPr bwMode="auto">
           <a:xfrm>
-            <a:off x="3791712" y="1124712"/>
-            <a:ext cx="4608576" cy="4608576"/>
+            <a:off x="3631493" y="964493"/>
+            <a:ext cx="4929013" cy="4929013"/>
           </a:xfrm>
           <a:prstGeom prst="rect">
             <a:avLst/>
@@ -40929,8 +41429,8 @@
         </p:nvSpPr>
         <p:spPr>
           <a:xfrm>
-            <a:off x="1600200" y="4386728"/>
-            <a:ext cx="8991600" cy="1264762"/>
+            <a:off x="2025926" y="4644632"/>
+            <a:ext cx="8140148" cy="1028827"/>
           </a:xfrm>
         </p:spPr>
         <p:txBody>
@@ -40940,15 +41440,93 @@
           <a:lstStyle/>
           <a:p>
             <a:r>
-              <a:rPr lang="en-US" sz="3200" b="1">
-                <a:solidFill>
-                  <a:srgbClr val="0070C0"/>
-                </a:solidFill>
-                <a:latin typeface="Segoe UI" panose="020B0502040204020203" pitchFamily="34" charset="0"/>
-                <a:cs typeface="Segoe UI" panose="020B0502040204020203" pitchFamily="34" charset="0"/>
-              </a:rPr>
-              <a:t>3. Các sản phẩm trên thị trường</a:t>
-            </a:r>
+              <a:rPr lang="en-US" sz="2900" b="1" dirty="0">
+                <a:latin typeface="Segoe UI" panose="020B0502040204020203" pitchFamily="34" charset="0"/>
+                <a:cs typeface="Segoe UI" panose="020B0502040204020203" pitchFamily="34" charset="0"/>
+              </a:rPr>
+              <a:t>3. </a:t>
+            </a:r>
+            <a:r>
+              <a:rPr lang="en-US" sz="2900" b="1" dirty="0" err="1">
+                <a:latin typeface="Segoe UI" panose="020B0502040204020203" pitchFamily="34" charset="0"/>
+                <a:cs typeface="Segoe UI" panose="020B0502040204020203" pitchFamily="34" charset="0"/>
+              </a:rPr>
+              <a:t>Các</a:t>
+            </a:r>
+            <a:r>
+              <a:rPr lang="en-US" sz="2900" b="1" dirty="0">
+                <a:latin typeface="Segoe UI" panose="020B0502040204020203" pitchFamily="34" charset="0"/>
+                <a:cs typeface="Segoe UI" panose="020B0502040204020203" pitchFamily="34" charset="0"/>
+              </a:rPr>
+              <a:t> </a:t>
+            </a:r>
+            <a:r>
+              <a:rPr lang="en-US" sz="2900" b="1" dirty="0" err="1">
+                <a:latin typeface="Segoe UI" panose="020B0502040204020203" pitchFamily="34" charset="0"/>
+                <a:cs typeface="Segoe UI" panose="020B0502040204020203" pitchFamily="34" charset="0"/>
+              </a:rPr>
+              <a:t>sản</a:t>
+            </a:r>
+            <a:r>
+              <a:rPr lang="en-US" sz="2900" b="1" dirty="0">
+                <a:latin typeface="Segoe UI" panose="020B0502040204020203" pitchFamily="34" charset="0"/>
+                <a:cs typeface="Segoe UI" panose="020B0502040204020203" pitchFamily="34" charset="0"/>
+              </a:rPr>
+              <a:t> </a:t>
+            </a:r>
+            <a:r>
+              <a:rPr lang="en-US" sz="2900" b="1" dirty="0" err="1">
+                <a:latin typeface="Segoe UI" panose="020B0502040204020203" pitchFamily="34" charset="0"/>
+                <a:cs typeface="Segoe UI" panose="020B0502040204020203" pitchFamily="34" charset="0"/>
+              </a:rPr>
+              <a:t>phẩm</a:t>
+            </a:r>
+            <a:r>
+              <a:rPr lang="en-US" sz="2900" b="1" dirty="0">
+                <a:latin typeface="Segoe UI" panose="020B0502040204020203" pitchFamily="34" charset="0"/>
+                <a:cs typeface="Segoe UI" panose="020B0502040204020203" pitchFamily="34" charset="0"/>
+              </a:rPr>
+              <a:t> </a:t>
+            </a:r>
+            <a:r>
+              <a:rPr lang="en-US" sz="2900" b="1" dirty="0" err="1">
+                <a:latin typeface="Segoe UI" panose="020B0502040204020203" pitchFamily="34" charset="0"/>
+                <a:cs typeface="Segoe UI" panose="020B0502040204020203" pitchFamily="34" charset="0"/>
+              </a:rPr>
+              <a:t>trên</a:t>
+            </a:r>
+            <a:r>
+              <a:rPr lang="en-US" sz="2900" b="1" dirty="0">
+                <a:latin typeface="Segoe UI" panose="020B0502040204020203" pitchFamily="34" charset="0"/>
+                <a:cs typeface="Segoe UI" panose="020B0502040204020203" pitchFamily="34" charset="0"/>
+              </a:rPr>
+              <a:t> </a:t>
+            </a:r>
+            <a:r>
+              <a:rPr lang="en-US" sz="2900" b="1" dirty="0" err="1">
+                <a:latin typeface="Segoe UI" panose="020B0502040204020203" pitchFamily="34" charset="0"/>
+                <a:cs typeface="Segoe UI" panose="020B0502040204020203" pitchFamily="34" charset="0"/>
+              </a:rPr>
+              <a:t>thị</a:t>
+            </a:r>
+            <a:r>
+              <a:rPr lang="en-US" sz="2900" b="1" dirty="0">
+                <a:latin typeface="Segoe UI" panose="020B0502040204020203" pitchFamily="34" charset="0"/>
+                <a:cs typeface="Segoe UI" panose="020B0502040204020203" pitchFamily="34" charset="0"/>
+              </a:rPr>
+              <a:t> </a:t>
+            </a:r>
+            <a:r>
+              <a:rPr lang="en-US" sz="2900" b="1" dirty="0" err="1">
+                <a:latin typeface="Segoe UI" panose="020B0502040204020203" pitchFamily="34" charset="0"/>
+                <a:cs typeface="Segoe UI" panose="020B0502040204020203" pitchFamily="34" charset="0"/>
+              </a:rPr>
+              <a:t>trường</a:t>
+            </a:r>
+            <a:endParaRPr lang="en-US" sz="2900" b="1" dirty="0">
+              <a:latin typeface="Segoe UI" panose="020B0502040204020203" pitchFamily="34" charset="0"/>
+              <a:cs typeface="Segoe UI" panose="020B0502040204020203" pitchFamily="34" charset="0"/>
+            </a:endParaRPr>
           </a:p>
         </p:txBody>
       </p:sp>
@@ -40973,7 +41551,7 @@
         </p:blipFill>
         <p:spPr>
           <a:xfrm>
-            <a:off x="2411666" y="740112"/>
+            <a:off x="1934587" y="760645"/>
             <a:ext cx="2338237" cy="2338237"/>
           </a:xfrm>
           <a:prstGeom prst="rect">
@@ -41002,8 +41580,8 @@
         </p:blipFill>
         <p:spPr>
           <a:xfrm>
-            <a:off x="7698199" y="1185977"/>
-            <a:ext cx="3125032" cy="1285295"/>
+            <a:off x="6867572" y="1214410"/>
+            <a:ext cx="3478580" cy="1430706"/>
           </a:xfrm>
           <a:prstGeom prst="rect">
             <a:avLst/>
@@ -41024,8 +41602,8 @@
         </p:nvSpPr>
         <p:spPr>
           <a:xfrm>
-            <a:off x="2271390" y="3367136"/>
-            <a:ext cx="2618788" cy="461665"/>
+            <a:off x="1794311" y="3387669"/>
+            <a:ext cx="2618788" cy="492443"/>
           </a:xfrm>
           <a:prstGeom prst="rect">
             <a:avLst/>
@@ -41040,7 +41618,7 @@
           <a:p>
             <a:pPr algn="ctr"/>
             <a:r>
-              <a:rPr lang="en-US" sz="2400" dirty="0">
+              <a:rPr lang="en-US" sz="2600" dirty="0">
                 <a:latin typeface="Segoe UI" panose="020B0502040204020203" pitchFamily="34" charset="0"/>
                 <a:cs typeface="Segoe UI" panose="020B0502040204020203" pitchFamily="34" charset="0"/>
               </a:rPr>
@@ -41063,8 +41641,8 @@
         </p:nvSpPr>
         <p:spPr>
           <a:xfrm>
-            <a:off x="7314566" y="3270873"/>
-            <a:ext cx="3892298" cy="461665"/>
+            <a:off x="6867572" y="3387668"/>
+            <a:ext cx="3530117" cy="492443"/>
           </a:xfrm>
           <a:prstGeom prst="rect">
             <a:avLst/>
@@ -41079,7 +41657,7 @@
           <a:p>
             <a:pPr algn="ctr"/>
             <a:r>
-              <a:rPr lang="en-US" sz="2400" dirty="0">
+              <a:rPr lang="en-US" sz="2600" dirty="0">
                 <a:latin typeface="Segoe UI" panose="020B0502040204020203" pitchFamily="34" charset="0"/>
                 <a:cs typeface="Segoe UI" panose="020B0502040204020203" pitchFamily="34" charset="0"/>
               </a:rPr>
@@ -41726,6 +42304,11 @@
             <a:off x="804672" y="978776"/>
             <a:ext cx="5925310" cy="1174991"/>
           </a:xfrm>
+          <a:ln>
+            <a:solidFill>
+              <a:srgbClr val="000099"/>
+            </a:solidFill>
+          </a:ln>
         </p:spPr>
         <p:txBody>
           <a:bodyPr vert="horz" lIns="182880" tIns="182880" rIns="182880" bIns="182880" rtlCol="0" anchor="ctr">
@@ -41734,7 +42317,7 @@
           <a:lstStyle/>
           <a:p>
             <a:r>
-              <a:rPr lang="en-US" b="1" dirty="0" err="1">
+              <a:rPr lang="en-US" sz="2600" b="1" dirty="0" err="1">
                 <a:solidFill>
                   <a:srgbClr val="0070C0"/>
                 </a:solidFill>
@@ -41744,7 +42327,7 @@
               <a:t>Nền</a:t>
             </a:r>
             <a:r>
-              <a:rPr lang="en-US" b="1" dirty="0">
+              <a:rPr lang="en-US" sz="2600" b="1" dirty="0">
                 <a:solidFill>
                   <a:srgbClr val="0070C0"/>
                 </a:solidFill>
@@ -41754,7 +42337,7 @@
               <a:t> </a:t>
             </a:r>
             <a:r>
-              <a:rPr lang="en-US" b="1" dirty="0" err="1">
+              <a:rPr lang="en-US" sz="2600" b="1" dirty="0" err="1">
                 <a:solidFill>
                   <a:srgbClr val="0070C0"/>
                 </a:solidFill>
@@ -41764,7 +42347,7 @@
               <a:t>tảng</a:t>
             </a:r>
             <a:r>
-              <a:rPr lang="en-US" b="1" dirty="0">
+              <a:rPr lang="en-US" sz="2600" b="1" dirty="0">
                 <a:solidFill>
                   <a:srgbClr val="0070C0"/>
                 </a:solidFill>
@@ -41774,7 +42357,7 @@
               <a:t> “Speech </a:t>
             </a:r>
             <a:r>
-              <a:rPr lang="en-US" b="1" dirty="0" err="1">
+              <a:rPr lang="en-US" sz="2600" b="1" dirty="0" err="1">
                 <a:solidFill>
                   <a:srgbClr val="0070C0"/>
                 </a:solidFill>
@@ -41784,7 +42367,7 @@
               <a:t>api</a:t>
             </a:r>
             <a:r>
-              <a:rPr lang="en-US" b="1" dirty="0">
+              <a:rPr lang="en-US" sz="2600" b="1" dirty="0">
                 <a:solidFill>
                   <a:srgbClr val="0070C0"/>
                 </a:solidFill>
@@ -41794,7 +42377,7 @@
               <a:t>” do google </a:t>
             </a:r>
             <a:r>
-              <a:rPr lang="en-US" b="1" dirty="0" err="1">
+              <a:rPr lang="en-US" sz="2600" b="1" dirty="0" err="1">
                 <a:solidFill>
                   <a:srgbClr val="0070C0"/>
                 </a:solidFill>
@@ -41804,7 +42387,7 @@
               <a:t>phát</a:t>
             </a:r>
             <a:r>
-              <a:rPr lang="en-US" b="1" dirty="0">
+              <a:rPr lang="en-US" sz="2600" b="1" dirty="0">
                 <a:solidFill>
                   <a:srgbClr val="0070C0"/>
                 </a:solidFill>
@@ -41814,7 +42397,7 @@
               <a:t> </a:t>
             </a:r>
             <a:r>
-              <a:rPr lang="en-US" b="1" dirty="0" err="1">
+              <a:rPr lang="en-US" sz="2600" b="1" dirty="0" err="1">
                 <a:solidFill>
                   <a:srgbClr val="0070C0"/>
                 </a:solidFill>
@@ -41823,7 +42406,7 @@
               </a:rPr>
               <a:t>triển</a:t>
             </a:r>
-            <a:endParaRPr lang="en-US" b="1" dirty="0">
+            <a:endParaRPr lang="en-US" sz="2600" b="1" dirty="0">
               <a:solidFill>
                 <a:srgbClr val="0070C0"/>
               </a:solidFill>
@@ -41856,7 +42439,7 @@
         </p:spPr>
         <p:txBody>
           <a:bodyPr vert="horz" lIns="91440" tIns="45720" rIns="91440" bIns="45720" rtlCol="0">
-            <a:normAutofit fontScale="92500"/>
+            <a:normAutofit/>
           </a:bodyPr>
           <a:lstStyle/>
           <a:p>
@@ -42017,7 +42600,7 @@
               <a:buChar char="§"/>
             </a:pPr>
             <a:r>
-              <a:rPr lang="en-US" sz="2400" dirty="0" err="1">
+              <a:rPr lang="en-US" sz="2400" dirty="0">
                 <a:solidFill>
                   <a:schemeClr val="tx1">
                     <a:lumMod val="85000"/>
@@ -42027,10 +42610,10 @@
                 <a:latin typeface="Segoe UI" panose="020B0502040204020203" pitchFamily="34" charset="0"/>
                 <a:cs typeface="Segoe UI" panose="020B0502040204020203" pitchFamily="34" charset="0"/>
               </a:rPr>
-              <a:t>Giá</a:t>
-            </a:r>
-            <a:r>
-              <a:rPr lang="en-US" sz="2400" dirty="0">
+              <a:t>Chi </a:t>
+            </a:r>
+            <a:r>
+              <a:rPr lang="en-US" sz="2400" dirty="0" err="1">
                 <a:solidFill>
                   <a:schemeClr val="tx1">
                     <a:lumMod val="85000"/>
@@ -42040,10 +42623,10 @@
                 <a:latin typeface="Segoe UI" panose="020B0502040204020203" pitchFamily="34" charset="0"/>
                 <a:cs typeface="Segoe UI" panose="020B0502040204020203" pitchFamily="34" charset="0"/>
               </a:rPr>
-              <a:t> </a:t>
-            </a:r>
-            <a:r>
-              <a:rPr lang="en-US" sz="2400" dirty="0" err="1">
+              <a:t>phí</a:t>
+            </a:r>
+            <a:r>
+              <a:rPr lang="en-US" sz="2400" dirty="0">
                 <a:solidFill>
                   <a:schemeClr val="tx1">
                     <a:lumMod val="85000"/>
@@ -42053,10 +42636,10 @@
                 <a:latin typeface="Segoe UI" panose="020B0502040204020203" pitchFamily="34" charset="0"/>
                 <a:cs typeface="Segoe UI" panose="020B0502040204020203" pitchFamily="34" charset="0"/>
               </a:rPr>
-              <a:t>cao</a:t>
-            </a:r>
-            <a:r>
-              <a:rPr lang="en-US" sz="2400" dirty="0">
+              <a:t> </a:t>
+            </a:r>
+            <a:r>
+              <a:rPr lang="en-US" sz="2400" dirty="0" err="1">
                 <a:solidFill>
                   <a:schemeClr val="tx1">
                     <a:lumMod val="85000"/>
@@ -42066,8 +42649,18 @@
                 <a:latin typeface="Segoe UI" panose="020B0502040204020203" pitchFamily="34" charset="0"/>
                 <a:cs typeface="Segoe UI" panose="020B0502040204020203" pitchFamily="34" charset="0"/>
               </a:rPr>
-              <a:t>.</a:t>
-            </a:r>
+              <a:t>cao</a:t>
+            </a:r>
+            <a:endParaRPr lang="en-US" sz="2400" dirty="0">
+              <a:solidFill>
+                <a:schemeClr val="tx1">
+                  <a:lumMod val="85000"/>
+                  <a:lumOff val="15000"/>
+                </a:schemeClr>
+              </a:solidFill>
+              <a:latin typeface="Segoe UI" panose="020B0502040204020203" pitchFamily="34" charset="0"/>
+              <a:cs typeface="Segoe UI" panose="020B0502040204020203" pitchFamily="34" charset="0"/>
+            </a:endParaRPr>
           </a:p>
           <a:p>
             <a:pPr marL="457200" indent="-342900" defTabSz="914400">
@@ -42278,19 +42871,16 @@
               </a:rPr>
               <a:t>tế</a:t>
             </a:r>
-            <a:r>
-              <a:rPr lang="en-US" sz="2400" dirty="0">
-                <a:solidFill>
-                  <a:schemeClr val="tx1">
-                    <a:lumMod val="85000"/>
-                    <a:lumOff val="15000"/>
-                  </a:schemeClr>
-                </a:solidFill>
-                <a:latin typeface="Segoe UI" panose="020B0502040204020203" pitchFamily="34" charset="0"/>
-                <a:cs typeface="Segoe UI" panose="020B0502040204020203" pitchFamily="34" charset="0"/>
-              </a:rPr>
-              <a:t>.</a:t>
-            </a:r>
+            <a:endParaRPr lang="en-US" sz="2400" dirty="0">
+              <a:solidFill>
+                <a:schemeClr val="tx1">
+                  <a:lumMod val="85000"/>
+                  <a:lumOff val="15000"/>
+                </a:schemeClr>
+              </a:solidFill>
+              <a:latin typeface="Segoe UI" panose="020B0502040204020203" pitchFamily="34" charset="0"/>
+              <a:cs typeface="Segoe UI" panose="020B0502040204020203" pitchFamily="34" charset="0"/>
+            </a:endParaRPr>
           </a:p>
           <a:p>
             <a:pPr marL="457200" indent="-342900" defTabSz="914400">
@@ -42307,7 +42897,7 @@
               <a:buChar char="§"/>
             </a:pPr>
             <a:r>
-              <a:rPr lang="en-US" sz="2400" dirty="0" err="1">
+              <a:rPr lang="en-US" sz="2400" dirty="0">
                 <a:solidFill>
                   <a:schemeClr val="tx1">
                     <a:lumMod val="85000"/>
@@ -42317,10 +42907,10 @@
                 <a:latin typeface="Segoe UI" panose="020B0502040204020203" pitchFamily="34" charset="0"/>
                 <a:cs typeface="Segoe UI" panose="020B0502040204020203" pitchFamily="34" charset="0"/>
               </a:rPr>
-              <a:t>Giao</a:t>
-            </a:r>
-            <a:r>
-              <a:rPr lang="en-US" sz="2400" dirty="0">
+              <a:t>Giao </a:t>
+            </a:r>
+            <a:r>
+              <a:rPr lang="en-US" sz="2400" dirty="0" err="1">
                 <a:solidFill>
                   <a:schemeClr val="tx1">
                     <a:lumMod val="85000"/>
@@ -42330,10 +42920,10 @@
                 <a:latin typeface="Segoe UI" panose="020B0502040204020203" pitchFamily="34" charset="0"/>
                 <a:cs typeface="Segoe UI" panose="020B0502040204020203" pitchFamily="34" charset="0"/>
               </a:rPr>
-              <a:t> </a:t>
-            </a:r>
-            <a:r>
-              <a:rPr lang="en-US" sz="2400" dirty="0" err="1">
+              <a:t>diện</a:t>
+            </a:r>
+            <a:r>
+              <a:rPr lang="en-US" sz="2400" dirty="0">
                 <a:solidFill>
                   <a:schemeClr val="tx1">
                     <a:lumMod val="85000"/>
@@ -42343,10 +42933,10 @@
                 <a:latin typeface="Segoe UI" panose="020B0502040204020203" pitchFamily="34" charset="0"/>
                 <a:cs typeface="Segoe UI" panose="020B0502040204020203" pitchFamily="34" charset="0"/>
               </a:rPr>
-              <a:t>diện</a:t>
-            </a:r>
-            <a:r>
-              <a:rPr lang="en-US" sz="2400" dirty="0">
+              <a:t> </a:t>
+            </a:r>
+            <a:r>
+              <a:rPr lang="en-US" sz="2400" dirty="0" err="1">
                 <a:solidFill>
                   <a:schemeClr val="tx1">
                     <a:lumMod val="85000"/>
@@ -42356,10 +42946,10 @@
                 <a:latin typeface="Segoe UI" panose="020B0502040204020203" pitchFamily="34" charset="0"/>
                 <a:cs typeface="Segoe UI" panose="020B0502040204020203" pitchFamily="34" charset="0"/>
               </a:rPr>
-              <a:t> </a:t>
-            </a:r>
-            <a:r>
-              <a:rPr lang="en-US" sz="2400" dirty="0" err="1">
+              <a:t>tiếng</a:t>
+            </a:r>
+            <a:r>
+              <a:rPr lang="en-US" sz="2400" dirty="0">
                 <a:solidFill>
                   <a:schemeClr val="tx1">
                     <a:lumMod val="85000"/>
@@ -42369,10 +42959,10 @@
                 <a:latin typeface="Segoe UI" panose="020B0502040204020203" pitchFamily="34" charset="0"/>
                 <a:cs typeface="Segoe UI" panose="020B0502040204020203" pitchFamily="34" charset="0"/>
               </a:rPr>
-              <a:t>tiếng</a:t>
-            </a:r>
-            <a:r>
-              <a:rPr lang="en-US" sz="2400" dirty="0">
+              <a:t> Anh </a:t>
+            </a:r>
+            <a:r>
+              <a:rPr lang="en-US" sz="2400" dirty="0" err="1">
                 <a:solidFill>
                   <a:schemeClr val="tx1">
                     <a:lumMod val="85000"/>
@@ -42382,10 +42972,10 @@
                 <a:latin typeface="Segoe UI" panose="020B0502040204020203" pitchFamily="34" charset="0"/>
                 <a:cs typeface="Segoe UI" panose="020B0502040204020203" pitchFamily="34" charset="0"/>
               </a:rPr>
-              <a:t> Anh </a:t>
-            </a:r>
-            <a:r>
-              <a:rPr lang="en-US" sz="2400" dirty="0" err="1">
+              <a:t>khó</a:t>
+            </a:r>
+            <a:r>
+              <a:rPr lang="en-US" sz="2400" dirty="0">
                 <a:solidFill>
                   <a:schemeClr val="tx1">
                     <a:lumMod val="85000"/>
@@ -42395,10 +42985,10 @@
                 <a:latin typeface="Segoe UI" panose="020B0502040204020203" pitchFamily="34" charset="0"/>
                 <a:cs typeface="Segoe UI" panose="020B0502040204020203" pitchFamily="34" charset="0"/>
               </a:rPr>
-              <a:t>khó</a:t>
-            </a:r>
-            <a:r>
-              <a:rPr lang="en-US" sz="2400" dirty="0">
+              <a:t> </a:t>
+            </a:r>
+            <a:r>
+              <a:rPr lang="en-US" sz="2400" dirty="0" err="1">
                 <a:solidFill>
                   <a:schemeClr val="tx1">
                     <a:lumMod val="85000"/>
@@ -42408,10 +42998,10 @@
                 <a:latin typeface="Segoe UI" panose="020B0502040204020203" pitchFamily="34" charset="0"/>
                 <a:cs typeface="Segoe UI" panose="020B0502040204020203" pitchFamily="34" charset="0"/>
               </a:rPr>
-              <a:t> </a:t>
-            </a:r>
-            <a:r>
-              <a:rPr lang="en-US" sz="2400" dirty="0" err="1">
+              <a:t>tiếp</a:t>
+            </a:r>
+            <a:r>
+              <a:rPr lang="en-US" sz="2400" dirty="0">
                 <a:solidFill>
                   <a:schemeClr val="tx1">
                     <a:lumMod val="85000"/>
@@ -42421,10 +43011,10 @@
                 <a:latin typeface="Segoe UI" panose="020B0502040204020203" pitchFamily="34" charset="0"/>
                 <a:cs typeface="Segoe UI" panose="020B0502040204020203" pitchFamily="34" charset="0"/>
               </a:rPr>
-              <a:t>tiếp</a:t>
-            </a:r>
-            <a:r>
-              <a:rPr lang="en-US" sz="2400" dirty="0">
+              <a:t> </a:t>
+            </a:r>
+            <a:r>
+              <a:rPr lang="en-US" sz="2400" dirty="0" err="1">
                 <a:solidFill>
                   <a:schemeClr val="tx1">
                     <a:lumMod val="85000"/>
@@ -42434,10 +43024,10 @@
                 <a:latin typeface="Segoe UI" panose="020B0502040204020203" pitchFamily="34" charset="0"/>
                 <a:cs typeface="Segoe UI" panose="020B0502040204020203" pitchFamily="34" charset="0"/>
               </a:rPr>
-              <a:t> </a:t>
-            </a:r>
-            <a:r>
-              <a:rPr lang="en-US" sz="2400" dirty="0" err="1">
+              <a:t>cận</a:t>
+            </a:r>
+            <a:r>
+              <a:rPr lang="en-US" sz="2400" dirty="0">
                 <a:solidFill>
                   <a:schemeClr val="tx1">
                     <a:lumMod val="85000"/>
@@ -42447,10 +43037,10 @@
                 <a:latin typeface="Segoe UI" panose="020B0502040204020203" pitchFamily="34" charset="0"/>
                 <a:cs typeface="Segoe UI" panose="020B0502040204020203" pitchFamily="34" charset="0"/>
               </a:rPr>
-              <a:t>cận</a:t>
-            </a:r>
-            <a:r>
-              <a:rPr lang="en-US" sz="2400" dirty="0">
+              <a:t> </a:t>
+            </a:r>
+            <a:r>
+              <a:rPr lang="en-US" sz="2400" dirty="0" err="1">
                 <a:solidFill>
                   <a:schemeClr val="tx1">
                     <a:lumMod val="85000"/>
@@ -42460,10 +43050,10 @@
                 <a:latin typeface="Segoe UI" panose="020B0502040204020203" pitchFamily="34" charset="0"/>
                 <a:cs typeface="Segoe UI" panose="020B0502040204020203" pitchFamily="34" charset="0"/>
               </a:rPr>
-              <a:t> </a:t>
-            </a:r>
-            <a:r>
-              <a:rPr lang="en-US" sz="2400" dirty="0" err="1">
+              <a:t>đến</a:t>
+            </a:r>
+            <a:r>
+              <a:rPr lang="en-US" sz="2400" dirty="0">
                 <a:solidFill>
                   <a:schemeClr val="tx1">
                     <a:lumMod val="85000"/>
@@ -42473,10 +43063,10 @@
                 <a:latin typeface="Segoe UI" panose="020B0502040204020203" pitchFamily="34" charset="0"/>
                 <a:cs typeface="Segoe UI" panose="020B0502040204020203" pitchFamily="34" charset="0"/>
               </a:rPr>
-              <a:t>với</a:t>
-            </a:r>
-            <a:r>
-              <a:rPr lang="en-US" sz="2400" dirty="0">
+              <a:t> </a:t>
+            </a:r>
+            <a:r>
+              <a:rPr lang="en-US" sz="2400" dirty="0" err="1">
                 <a:solidFill>
                   <a:schemeClr val="tx1">
                     <a:lumMod val="85000"/>
@@ -42486,10 +43076,10 @@
                 <a:latin typeface="Segoe UI" panose="020B0502040204020203" pitchFamily="34" charset="0"/>
                 <a:cs typeface="Segoe UI" panose="020B0502040204020203" pitchFamily="34" charset="0"/>
               </a:rPr>
-              <a:t> </a:t>
-            </a:r>
-            <a:r>
-              <a:rPr lang="en-US" sz="2400" dirty="0" err="1">
+              <a:t>người</a:t>
+            </a:r>
+            <a:r>
+              <a:rPr lang="en-US" sz="2400" dirty="0">
                 <a:solidFill>
                   <a:schemeClr val="tx1">
                     <a:lumMod val="85000"/>
@@ -42499,10 +43089,10 @@
                 <a:latin typeface="Segoe UI" panose="020B0502040204020203" pitchFamily="34" charset="0"/>
                 <a:cs typeface="Segoe UI" panose="020B0502040204020203" pitchFamily="34" charset="0"/>
               </a:rPr>
-              <a:t>người</a:t>
-            </a:r>
-            <a:r>
-              <a:rPr lang="en-US" sz="2400" dirty="0">
+              <a:t> </a:t>
+            </a:r>
+            <a:r>
+              <a:rPr lang="en-US" sz="2400" dirty="0" err="1">
                 <a:solidFill>
                   <a:schemeClr val="tx1">
                     <a:lumMod val="85000"/>
@@ -42512,34 +43102,18 @@
                 <a:latin typeface="Segoe UI" panose="020B0502040204020203" pitchFamily="34" charset="0"/>
                 <a:cs typeface="Segoe UI" panose="020B0502040204020203" pitchFamily="34" charset="0"/>
               </a:rPr>
-              <a:t> </a:t>
-            </a:r>
-            <a:r>
-              <a:rPr lang="en-US" sz="2400" dirty="0" err="1">
-                <a:solidFill>
-                  <a:schemeClr val="tx1">
-                    <a:lumMod val="85000"/>
-                    <a:lumOff val="15000"/>
-                  </a:schemeClr>
-                </a:solidFill>
-                <a:latin typeface="Segoe UI" panose="020B0502040204020203" pitchFamily="34" charset="0"/>
-                <a:cs typeface="Segoe UI" panose="020B0502040204020203" pitchFamily="34" charset="0"/>
-              </a:rPr>
               <a:t>Việt</a:t>
             </a:r>
-            <a:r>
-              <a:rPr lang="en-US" sz="2400" dirty="0">
-                <a:solidFill>
-                  <a:schemeClr val="tx1">
-                    <a:lumMod val="85000"/>
-                    <a:lumOff val="15000"/>
-                  </a:schemeClr>
-                </a:solidFill>
-                <a:latin typeface="Segoe UI" panose="020B0502040204020203" pitchFamily="34" charset="0"/>
-                <a:cs typeface="Segoe UI" panose="020B0502040204020203" pitchFamily="34" charset="0"/>
-              </a:rPr>
-              <a:t>.</a:t>
-            </a:r>
+            <a:endParaRPr lang="en-US" sz="2400" dirty="0">
+              <a:solidFill>
+                <a:schemeClr val="tx1">
+                  <a:lumMod val="85000"/>
+                  <a:lumOff val="15000"/>
+                </a:schemeClr>
+              </a:solidFill>
+              <a:latin typeface="Segoe UI" panose="020B0502040204020203" pitchFamily="34" charset="0"/>
+              <a:cs typeface="Segoe UI" panose="020B0502040204020203" pitchFamily="34" charset="0"/>
+            </a:endParaRPr>
           </a:p>
         </p:txBody>
       </p:sp>
@@ -42564,8 +43138,8 @@
         </p:blipFill>
         <p:spPr bwMode="auto">
           <a:xfrm>
-            <a:off x="7071050" y="978776"/>
-            <a:ext cx="4693724" cy="4610364"/>
+            <a:off x="6946287" y="978775"/>
+            <a:ext cx="4818487" cy="4732911"/>
           </a:xfrm>
           <a:prstGeom prst="rect">
             <a:avLst/>
@@ -42667,8 +43241,8 @@
         </p:nvSpPr>
         <p:spPr bwMode="auto">
           <a:xfrm>
-            <a:off x="6479668" y="6092085"/>
-            <a:ext cx="5876488" cy="400110"/>
+            <a:off x="6946287" y="5879225"/>
+            <a:ext cx="4818487" cy="430887"/>
           </a:xfrm>
           <a:prstGeom prst="rect">
             <a:avLst/>
@@ -42730,7 +43304,7 @@
               <a:tabLst/>
             </a:pPr>
             <a:r>
-              <a:rPr kumimoji="0" lang="en-US" altLang="en-US" sz="2000" b="1" i="0" u="none" strike="noStrike" cap="none" normalizeH="0" baseline="0" dirty="0" err="1" bmk="_Toc31661937">
+              <a:rPr kumimoji="0" lang="en-US" altLang="en-US" sz="2200" b="1" i="0" u="none" strike="noStrike" cap="none" normalizeH="0" baseline="0" dirty="0" err="1" bmk="_Toc31661937">
                 <a:ln>
                   <a:noFill/>
                 </a:ln>
@@ -42745,7 +43319,7 @@
               <a:t>Màn</a:t>
             </a:r>
             <a:r>
-              <a:rPr kumimoji="0" lang="en-US" altLang="en-US" sz="2000" b="1" i="0" u="none" strike="noStrike" cap="none" normalizeH="0" baseline="0" dirty="0" bmk="_Toc31661937">
+              <a:rPr kumimoji="0" lang="en-US" altLang="en-US" sz="2200" b="1" i="0" u="none" strike="noStrike" cap="none" normalizeH="0" baseline="0" dirty="0" bmk="_Toc31661937">
                 <a:ln>
                   <a:noFill/>
                 </a:ln>
@@ -42760,7 +43334,7 @@
               <a:t> </a:t>
             </a:r>
             <a:r>
-              <a:rPr kumimoji="0" lang="en-US" altLang="en-US" sz="2000" b="1" i="0" u="none" strike="noStrike" cap="none" normalizeH="0" baseline="0" dirty="0" err="1" bmk="_Toc31661937">
+              <a:rPr kumimoji="0" lang="en-US" altLang="en-US" sz="2200" b="1" i="0" u="none" strike="noStrike" cap="none" normalizeH="0" baseline="0" dirty="0" err="1" bmk="_Toc31661937">
                 <a:ln>
                   <a:noFill/>
                 </a:ln>
@@ -42775,7 +43349,7 @@
               <a:t>hình</a:t>
             </a:r>
             <a:r>
-              <a:rPr kumimoji="0" lang="en-US" altLang="en-US" sz="2000" b="1" i="0" u="none" strike="noStrike" cap="none" normalizeH="0" baseline="0" dirty="0" bmk="_Toc31661937">
+              <a:rPr kumimoji="0" lang="en-US" altLang="en-US" sz="2200" b="1" i="0" u="none" strike="noStrike" cap="none" normalizeH="0" baseline="0" dirty="0" bmk="_Toc31661937">
                 <a:ln>
                   <a:noFill/>
                 </a:ln>
@@ -42790,7 +43364,7 @@
               <a:t> </a:t>
             </a:r>
             <a:r>
-              <a:rPr kumimoji="0" lang="en-US" altLang="en-US" sz="2000" b="1" i="0" u="none" strike="noStrike" cap="none" normalizeH="0" baseline="0" dirty="0" err="1" bmk="_Toc31661937">
+              <a:rPr kumimoji="0" lang="en-US" altLang="en-US" sz="2200" b="1" i="0" u="none" strike="noStrike" cap="none" normalizeH="0" baseline="0" dirty="0" err="1" bmk="_Toc31661937">
                 <a:ln>
                   <a:noFill/>
                 </a:ln>
@@ -42805,7 +43379,7 @@
               <a:t>chính</a:t>
             </a:r>
             <a:r>
-              <a:rPr kumimoji="0" lang="en-US" altLang="en-US" sz="2000" b="1" i="0" u="none" strike="noStrike" cap="none" normalizeH="0" baseline="0" dirty="0" bmk="_Toc31661937">
+              <a:rPr kumimoji="0" lang="en-US" altLang="en-US" sz="2200" b="1" i="0" u="none" strike="noStrike" cap="none" normalizeH="0" baseline="0" dirty="0" bmk="_Toc31661937">
                 <a:ln>
                   <a:noFill/>
                 </a:ln>
@@ -42820,7 +43394,7 @@
               <a:t> Google</a:t>
             </a:r>
             <a:r>
-              <a:rPr kumimoji="0" lang="en-US" altLang="en-US" sz="2000" b="1" i="0" u="none" strike="noStrike" cap="none" normalizeH="0" dirty="0" bmk="_Toc31661937">
+              <a:rPr kumimoji="0" lang="en-US" altLang="en-US" sz="2200" b="1" i="0" u="none" strike="noStrike" cap="none" normalizeH="0" dirty="0" bmk="_Toc31661937">
                 <a:ln>
                   <a:noFill/>
                 </a:ln>
@@ -42834,7 +43408,7 @@
               </a:rPr>
               <a:t> Speech</a:t>
             </a:r>
-            <a:endParaRPr kumimoji="0" lang="en-US" altLang="en-US" sz="2000" b="0" i="0" u="none" strike="noStrike" cap="none" normalizeH="0" baseline="0" dirty="0">
+            <a:endParaRPr kumimoji="0" lang="en-US" altLang="en-US" sz="2200" b="0" i="0" u="none" strike="noStrike" cap="none" normalizeH="0" baseline="0" dirty="0">
               <a:ln>
                 <a:noFill/>
               </a:ln>
@@ -43129,9 +43703,14 @@
         </p:nvSpPr>
         <p:spPr>
           <a:xfrm>
-            <a:off x="5217163" y="746620"/>
-            <a:ext cx="6628092" cy="1407147"/>
+            <a:off x="5445495" y="746620"/>
+            <a:ext cx="6399760" cy="1191711"/>
           </a:xfrm>
+          <a:ln>
+            <a:solidFill>
+              <a:srgbClr val="000099"/>
+            </a:solidFill>
+          </a:ln>
         </p:spPr>
         <p:txBody>
           <a:bodyPr vert="horz" lIns="182880" tIns="182880" rIns="182880" bIns="182880" rtlCol="0" anchor="ctr">
@@ -43253,7 +43832,7 @@
         </p:nvSpPr>
         <p:spPr>
           <a:xfrm>
-            <a:off x="5445495" y="2640692"/>
+            <a:off x="5445496" y="2450499"/>
             <a:ext cx="6399759" cy="3255252"/>
           </a:xfrm>
           <a:prstGeom prst="rect">
@@ -43640,19 +44219,16 @@
               </a:rPr>
               <a:t>triển</a:t>
             </a:r>
-            <a:r>
-              <a:rPr lang="en-US" sz="2400" dirty="0">
-                <a:solidFill>
-                  <a:schemeClr val="tx1">
-                    <a:lumMod val="85000"/>
-                    <a:lumOff val="15000"/>
-                  </a:schemeClr>
-                </a:solidFill>
-                <a:latin typeface="Segoe UI" panose="020B0502040204020203" pitchFamily="34" charset="0"/>
-                <a:cs typeface="Segoe UI" panose="020B0502040204020203" pitchFamily="34" charset="0"/>
-              </a:rPr>
-              <a:t>.</a:t>
-            </a:r>
+            <a:endParaRPr lang="en-US" sz="2400" dirty="0">
+              <a:solidFill>
+                <a:schemeClr val="tx1">
+                  <a:lumMod val="85000"/>
+                  <a:lumOff val="15000"/>
+                </a:schemeClr>
+              </a:solidFill>
+              <a:latin typeface="Segoe UI" panose="020B0502040204020203" pitchFamily="34" charset="0"/>
+              <a:cs typeface="Segoe UI" panose="020B0502040204020203" pitchFamily="34" charset="0"/>
+            </a:endParaRPr>
           </a:p>
           <a:p>
             <a:pPr marL="571500" indent="-342900" defTabSz="914400">
@@ -44060,19 +44636,16 @@
               </a:rPr>
               <a:t>thử</a:t>
             </a:r>
-            <a:r>
-              <a:rPr lang="en-US" sz="2400" dirty="0">
-                <a:solidFill>
-                  <a:schemeClr val="tx1">
-                    <a:lumMod val="85000"/>
-                    <a:lumOff val="15000"/>
-                  </a:schemeClr>
-                </a:solidFill>
-                <a:latin typeface="Segoe UI" panose="020B0502040204020203" pitchFamily="34" charset="0"/>
-                <a:cs typeface="Segoe UI" panose="020B0502040204020203" pitchFamily="34" charset="0"/>
-              </a:rPr>
-              <a:t>.</a:t>
-            </a:r>
+            <a:endParaRPr lang="en-US" sz="2400" dirty="0">
+              <a:solidFill>
+                <a:schemeClr val="tx1">
+                  <a:lumMod val="85000"/>
+                  <a:lumOff val="15000"/>
+                </a:schemeClr>
+              </a:solidFill>
+              <a:latin typeface="Segoe UI" panose="020B0502040204020203" pitchFamily="34" charset="0"/>
+              <a:cs typeface="Segoe UI" panose="020B0502040204020203" pitchFamily="34" charset="0"/>
+            </a:endParaRPr>
           </a:p>
           <a:p>
             <a:pPr marL="571500" indent="-342900" defTabSz="914400">
@@ -44244,19 +44817,16 @@
               </a:rPr>
               <a:t>dụng</a:t>
             </a:r>
-            <a:r>
-              <a:rPr lang="en-US" sz="2400" dirty="0">
-                <a:solidFill>
-                  <a:schemeClr val="tx1">
-                    <a:lumMod val="85000"/>
-                    <a:lumOff val="15000"/>
-                  </a:schemeClr>
-                </a:solidFill>
-                <a:latin typeface="Segoe UI" panose="020B0502040204020203" pitchFamily="34" charset="0"/>
-                <a:cs typeface="Segoe UI" panose="020B0502040204020203" pitchFamily="34" charset="0"/>
-              </a:rPr>
-              <a:t>.</a:t>
-            </a:r>
+            <a:endParaRPr lang="en-US" sz="2400" dirty="0">
+              <a:solidFill>
+                <a:schemeClr val="tx1">
+                  <a:lumMod val="85000"/>
+                  <a:lumOff val="15000"/>
+                </a:schemeClr>
+              </a:solidFill>
+              <a:latin typeface="Segoe UI" panose="020B0502040204020203" pitchFamily="34" charset="0"/>
+              <a:cs typeface="Segoe UI" panose="020B0502040204020203" pitchFamily="34" charset="0"/>
+            </a:endParaRPr>
           </a:p>
           <a:p>
             <a:pPr marL="571500" indent="-342900" defTabSz="914400">
@@ -44370,8 +44940,8 @@
         </p:nvSpPr>
         <p:spPr bwMode="auto">
           <a:xfrm>
-            <a:off x="-285225" y="6428343"/>
-            <a:ext cx="6834232" cy="400110"/>
+            <a:off x="346744" y="5966791"/>
+            <a:ext cx="4885657" cy="430887"/>
           </a:xfrm>
           <a:prstGeom prst="rect">
             <a:avLst/>
@@ -44433,7 +45003,7 @@
               <a:tabLst/>
             </a:pPr>
             <a:r>
-              <a:rPr kumimoji="0" lang="en-US" altLang="en-US" sz="2000" b="1" i="0" u="none" strike="noStrike" cap="none" normalizeH="0" baseline="0" dirty="0" err="1" bmk="_Toc31661937">
+              <a:rPr kumimoji="0" lang="en-US" altLang="en-US" sz="2200" b="1" i="0" u="none" strike="noStrike" cap="none" normalizeH="0" baseline="0" dirty="0" err="1" bmk="_Toc31661937">
                 <a:ln>
                   <a:noFill/>
                 </a:ln>
@@ -44448,7 +45018,7 @@
               <a:t>Màn</a:t>
             </a:r>
             <a:r>
-              <a:rPr kumimoji="0" lang="en-US" altLang="en-US" sz="2000" b="1" i="0" u="none" strike="noStrike" cap="none" normalizeH="0" baseline="0" dirty="0" bmk="_Toc31661937">
+              <a:rPr kumimoji="0" lang="en-US" altLang="en-US" sz="2200" b="1" i="0" u="none" strike="noStrike" cap="none" normalizeH="0" baseline="0" dirty="0" bmk="_Toc31661937">
                 <a:ln>
                   <a:noFill/>
                 </a:ln>
@@ -44463,7 +45033,7 @@
               <a:t> </a:t>
             </a:r>
             <a:r>
-              <a:rPr kumimoji="0" lang="en-US" altLang="en-US" sz="2000" b="1" i="0" u="none" strike="noStrike" cap="none" normalizeH="0" baseline="0" dirty="0" err="1" bmk="_Toc31661937">
+              <a:rPr kumimoji="0" lang="en-US" altLang="en-US" sz="2200" b="1" i="0" u="none" strike="noStrike" cap="none" normalizeH="0" baseline="0" dirty="0" err="1" bmk="_Toc31661937">
                 <a:ln>
                   <a:noFill/>
                 </a:ln>
@@ -44478,7 +45048,7 @@
               <a:t>hình</a:t>
             </a:r>
             <a:r>
-              <a:rPr kumimoji="0" lang="en-US" altLang="en-US" sz="2000" b="1" i="0" u="none" strike="noStrike" cap="none" normalizeH="0" baseline="0" dirty="0" bmk="_Toc31661937">
+              <a:rPr kumimoji="0" lang="en-US" altLang="en-US" sz="2200" b="1" i="0" u="none" strike="noStrike" cap="none" normalizeH="0" baseline="0" dirty="0" bmk="_Toc31661937">
                 <a:ln>
                   <a:noFill/>
                 </a:ln>
@@ -44493,7 +45063,7 @@
               <a:t> </a:t>
             </a:r>
             <a:r>
-              <a:rPr kumimoji="0" lang="en-US" altLang="en-US" sz="2000" b="1" i="0" u="none" strike="noStrike" cap="none" normalizeH="0" baseline="0" dirty="0" err="1" bmk="_Toc31661937">
+              <a:rPr kumimoji="0" lang="en-US" altLang="en-US" sz="2200" b="1" i="0" u="none" strike="noStrike" cap="none" normalizeH="0" baseline="0" dirty="0" err="1" bmk="_Toc31661937">
                 <a:ln>
                   <a:noFill/>
                 </a:ln>
@@ -44508,7 +45078,7 @@
               <a:t>chính</a:t>
             </a:r>
             <a:r>
-              <a:rPr kumimoji="0" lang="en-US" altLang="en-US" sz="2000" b="1" i="0" u="none" strike="noStrike" cap="none" normalizeH="0" baseline="0" dirty="0" bmk="_Toc31661937">
+              <a:rPr kumimoji="0" lang="en-US" altLang="en-US" sz="2200" b="1" i="0" u="none" strike="noStrike" cap="none" normalizeH="0" baseline="0" dirty="0" bmk="_Toc31661937">
                 <a:ln>
                   <a:noFill/>
                 </a:ln>
@@ -44523,7 +45093,7 @@
               <a:t> </a:t>
             </a:r>
             <a:r>
-              <a:rPr lang="en-US" altLang="en-US" sz="2000" b="1" dirty="0" bmk="_Toc31661937">
+              <a:rPr lang="en-US" altLang="en-US" sz="2200" b="1" dirty="0" bmk="_Toc31661937">
                 <a:latin typeface="Segoe UI" panose="020B0502040204020203" pitchFamily="34" charset="0"/>
                 <a:ea typeface="Calibri" panose="020F0502020204030204" pitchFamily="34" charset="0"/>
                 <a:cs typeface="Segoe UI" panose="020B0502040204020203" pitchFamily="34" charset="0"/>
@@ -44531,7 +45101,7 @@
               <a:t>FPT AI</a:t>
             </a:r>
             <a:r>
-              <a:rPr kumimoji="0" lang="en-US" altLang="en-US" sz="2000" b="1" i="0" u="none" strike="noStrike" cap="none" normalizeH="0" baseline="0" dirty="0" bmk="_Toc31661937">
+              <a:rPr kumimoji="0" lang="en-US" altLang="en-US" sz="2200" b="1" i="0" u="none" strike="noStrike" cap="none" normalizeH="0" baseline="0" dirty="0" bmk="_Toc31661937">
                 <a:ln>
                   <a:noFill/>
                 </a:ln>
@@ -44545,7 +45115,7 @@
               </a:rPr>
               <a:t> - FPT</a:t>
             </a:r>
-            <a:endParaRPr kumimoji="0" lang="en-US" altLang="en-US" sz="2000" b="0" i="0" u="none" strike="noStrike" cap="none" normalizeH="0" baseline="0" dirty="0">
+            <a:endParaRPr kumimoji="0" lang="en-US" altLang="en-US" sz="2200" b="0" i="0" u="none" strike="noStrike" cap="none" normalizeH="0" baseline="0" dirty="0">
               <a:ln>
                 <a:noFill/>
               </a:ln>
@@ -44611,8 +45181,8 @@
         </p:blipFill>
         <p:spPr>
           <a:xfrm>
-            <a:off x="559837" y="746620"/>
-            <a:ext cx="4520551" cy="5149324"/>
+            <a:off x="346745" y="746620"/>
+            <a:ext cx="4885657" cy="5143851"/>
           </a:xfrm>
           <a:prstGeom prst="rect">
             <a:avLst/>
